--- a/ThuyetTrinh20/Chapter2_2_1_3.pptx
+++ b/ThuyetTrinh20/Chapter2_2_1_3.pptx
@@ -32,19 +32,17 @@
     <p:sldId id="302" r:id="rId26"/>
     <p:sldId id="303" r:id="rId27"/>
     <p:sldId id="304" r:id="rId28"/>
-    <p:sldId id="265" r:id="rId29"/>
-    <p:sldId id="286" r:id="rId30"/>
-    <p:sldId id="267" r:id="rId31"/>
-    <p:sldId id="288" r:id="rId32"/>
-    <p:sldId id="268" r:id="rId33"/>
-    <p:sldId id="290" r:id="rId34"/>
-    <p:sldId id="305" r:id="rId35"/>
-    <p:sldId id="306" r:id="rId36"/>
-    <p:sldId id="307" r:id="rId37"/>
-    <p:sldId id="311" r:id="rId38"/>
-    <p:sldId id="308" r:id="rId39"/>
-    <p:sldId id="309" r:id="rId40"/>
-    <p:sldId id="310" r:id="rId41"/>
+    <p:sldId id="267" r:id="rId29"/>
+    <p:sldId id="288" r:id="rId30"/>
+    <p:sldId id="268" r:id="rId31"/>
+    <p:sldId id="290" r:id="rId32"/>
+    <p:sldId id="305" r:id="rId33"/>
+    <p:sldId id="306" r:id="rId34"/>
+    <p:sldId id="307" r:id="rId35"/>
+    <p:sldId id="311" r:id="rId36"/>
+    <p:sldId id="308" r:id="rId37"/>
+    <p:sldId id="309" r:id="rId38"/>
+    <p:sldId id="310" r:id="rId39"/>
   </p:sldIdLst>
   <p:sldSz cx="12192000" cy="6858000"/>
   <p:notesSz cx="6858000" cy="9144000"/>
@@ -4410,90 +4408,6 @@
 </inkml:ink>
 </file>
 
-<file path=ppt/ink/ink3.xml><?xml version="1.0" encoding="utf-8"?>
-<inkml:ink xmlns:inkml="http://www.w3.org/2003/InkML">
-  <inkml:definitions>
-    <inkml:context xml:id="ctx0">
-      <inkml:inkSource xml:id="inkSrc0">
-        <inkml:traceFormat>
-          <inkml:channel name="X" type="integer" max="1920" units="cm"/>
-          <inkml:channel name="Y" type="integer" max="1080" units="cm"/>
-          <inkml:channel name="T" type="integer" max="2.14748E9" units="dev"/>
-        </inkml:traceFormat>
-        <inkml:channelProperties>
-          <inkml:channelProperty channel="X" name="resolution" value="62.13592" units="1/cm"/>
-          <inkml:channelProperty channel="Y" name="resolution" value="61.71429" units="1/cm"/>
-          <inkml:channelProperty channel="T" name="resolution" value="1" units="1/dev"/>
-        </inkml:channelProperties>
-      </inkml:inkSource>
-      <inkml:timestamp xml:id="ts0" timeString="2021-01-09T14:55:07.038"/>
-    </inkml:context>
-    <inkml:brush xml:id="br0">
-      <inkml:brushProperty name="width" value="0.05292" units="cm"/>
-      <inkml:brushProperty name="height" value="0.05292" units="cm"/>
-      <inkml:brushProperty name="color" value="#FF0000"/>
-    </inkml:brush>
-  </inkml:definitions>
-  <inkml:trace contextRef="#ctx0" brushRef="#br0">25559 4304 0,'17'0'46,"1"0"-14,0 0-17,-1 0-15,54-18 32,-1 1-17,1 17 1,17-53 15,-17 35-15,-36 0-1,53 18 17,-17-35-17,52 35 1,18 0 15,-35 0-15,-18 0-1,18 0 17,-18 0-17,71 0 1,18 0 15,-89 0-15,18 0-1,17 0 17,0 0-17,19 0 1,34 0 15,-88 0-15,0 0-1,53 0 17,-52 0-17,34 0 1,54 0 15,17 0-15,-53 18-1,-18-18 17,-52 0-17,-54 17 1,1-34 218,35 17-234,17-36 16,54 1-16,-18 35 31,53-17-31,105-19 16,-140 36-1,-19 0-15,125-35 32,-36 35-17,-36-18 1,-34 18 15,-71 0-31,70-35 16,-34 35-1,-54 0-15,106 18 32,-53-18-17,53 17 1,-53 19 15,142 34-15,-124 18-1,17-17 17,-17 52-17,17-17 1,-52-18 15,-18-52-31,-18 52 16,0-53-1,-17-17-15,0 17 32,-1-17-17,19 52 1,-36-17 15,0 0-15,0 0-1,-36 18 17,-70-18-17,1-1 1,-19-34 15,71 0-31,-35-18 16,35 0-1,0 0-15,-17 0 32,-19 0-17,1 0 1,18 0 15,-54 35-15,36-35-1,-18 0 17,18 18-17,-18-18 1,18 0 15,70 0-31,-87 35 16,69-35-1,1 0-15,-53 0 32,-18 18-17,53 17 1,-88-18 15,-35 19-15,52-36-1,1 0 17,-19 17-17,19-17 1,17 0 15,-35 0-15,18 0-1,-1 0 17,-17 0-17,18-35 1,-1 17 15,-35 18-15,106 0-1,-52 0 17,34 0-17,-17 0 1,-18 0 15,0-35-15,0 35-1,18 0 17,18 0-17,-19 0 1,-16 0 15,-1 0-15,0 0-1,18-17 17,17 17-17,-35-36 1,36 19 15,17-1-15,-18 18-1,36-18 17,-36 18-17,-34-35 1,52 35 15,-106-18-15,71 18-1,-18-35 17,18 35-17,17 0 1,1 0 15,-36 0-15,35 0-1,1 0 17,-1 0-17,18 0 1,18 0 15,-18 0-15,0 0-1,18 0 17,17-17-17,-17 17 1,35-18 78,-18 18-79,1-18-15,-36-35 31,35 36-15,0 17 0,1-53-1,-19 35 17,36 1-17,0-1 1,-17-35 15,-18-18-15,35 36-1,-18 0 17,-17 0-17,35 17 1,0 0 15,0-17-15,0 0-1,0-1 17,0 1-17,0 0 1,0 17 15,17 18-15,-17-17-1,18-1 17,0 0-17,-1 18 32,-17-35-31,18 35-1,17 0 17,-17 0-17,-1 0 16,1-18-15,17 18 15,-35-17 47,18 17-62,-18-18 15</inkml:trace>
-</inkml:ink>
-</file>
-
-<file path=ppt/ink/ink4.xml><?xml version="1.0" encoding="utf-8"?>
-<inkml:ink xmlns:inkml="http://www.w3.org/2003/InkML">
-  <inkml:definitions>
-    <inkml:context xml:id="ctx0">
-      <inkml:inkSource xml:id="inkSrc0">
-        <inkml:traceFormat>
-          <inkml:channel name="X" type="integer" max="1920" units="cm"/>
-          <inkml:channel name="Y" type="integer" max="1080" units="cm"/>
-          <inkml:channel name="T" type="integer" max="2.14748E9" units="dev"/>
-        </inkml:traceFormat>
-        <inkml:channelProperties>
-          <inkml:channelProperty channel="X" name="resolution" value="62.13592" units="1/cm"/>
-          <inkml:channelProperty channel="Y" name="resolution" value="61.71429" units="1/cm"/>
-          <inkml:channelProperty channel="T" name="resolution" value="1" units="1/dev"/>
-        </inkml:channelProperties>
-      </inkml:inkSource>
-      <inkml:timestamp xml:id="ts0" timeString="2021-01-09T15:13:16.212"/>
-    </inkml:context>
-    <inkml:brush xml:id="br0">
-      <inkml:brushProperty name="width" value="0.05292" units="cm"/>
-      <inkml:brushProperty name="height" value="0.05292" units="cm"/>
-      <inkml:brushProperty name="color" value="#FF0000"/>
-    </inkml:brush>
-  </inkml:definitions>
-  <inkml:trace contextRef="#ctx0" brushRef="#br0">28452 14817 0,'0'17'110,"0"1"-110,0 17 15,0 0 1,0 36 0,0-36 15,0 1-15,0-19-1,0 1 16,0 0-15,0-1 0,17 18 93,-17-17-109,0 0 16,18-1 15,-18 19-15,0-19 30,0 1 48,0 0-78,0-1-1,0 18 17,35-35-17,-35-17 32,18 17-16,-1 0-15,1 17 0,0-17 15,35 0-15,-36 0-1,36 0 16,-35 0-15,17 0 0,-17 0 15,17-17-15,-17 17-16,52 0 15,-35 0 1,-17 0-1,53-18 1,-54 18 0,19 0 46,-19 0-62,54 0 31,-36-17-15,0 17 0,18 0 15,-35 0-15,-1 0-1,1 0 16,17 0-15,-17 0 0,0 0 15,-1 0-15,1 0-1,17 0 16,-17 0-15,-1 0 31,1 0-16,0 0-15,17 0-1,-17 0 1,-1 0 0,1 0 15,17 0 0,-17 0-15,0 0-1,-1 0 1,1 17 0,17-17 15,-17 0-15,17 0-1,-17 0 1,17 0 15,-17 0-15,-18 35 15,17-35-15,1 0-1,-1 0 16,19 0-15,-19 0 0,1 0 15,0 0-15,-1 0 15,19 0 16,-36-17-16,0-1-15,0 1 15,0-1 0,0 0 0,0-17-15,-18 35 0,18-18-1,0 1 32,-18-1-31,18-17-16,0 17 31,-17-17-15,17 0-1,-18-1 16,18 19-15,0-1 0,0-17 15,0 17 16,-18 0-47,18-17 31,0 0-15,-35 35 15,35-18 78,0 1-93,-18 17 0,18-18 15,-17 18 0,-1 0 16,-17 0-16,17 0 0,1-35-15,-1 17 0,18 0 15,-18 18-15,-17 0-1,17 0 16,1 0 1,-1 0-1,1 0-15,-19 0 15,19 0 0,-1 0 0,0 0-15,-35 0 0,36 0-1,-1 0-15,0 0 31,1 0-15,-18 0 15,17 0-15,0 0 0,1 0-1,-19 0 32,19 0-16,-1 0-15,18-17 15,-18 17 16,1-18-16,-18 18-15,17 0 15,0 0-15,1 0-1,-1 0 1,-17 0 0,-1 0-1,19 0 17,-1 0-17,-35 0 1,-17 0 15,34 0-15,19 0 15,-1 0-15,-17 0-1,17 0 16,1 0 16,-1 0 0,-17 0-31,17 0 15,0 0-15,1 0-1,-36 18 17,35-18-17,-17 0 16,17 0-15,-17 0 0,17 0-1,1 0 17,-1 0-17,0 0 16,18 17 79,-35-17-95,35 18 17,0 17 108</inkml:trace>
-</inkml:ink>
-</file>
-
-<file path=ppt/ink/ink5.xml><?xml version="1.0" encoding="utf-8"?>
-<inkml:ink xmlns:inkml="http://www.w3.org/2003/InkML">
-  <inkml:definitions>
-    <inkml:context xml:id="ctx0">
-      <inkml:inkSource xml:id="inkSrc0">
-        <inkml:traceFormat>
-          <inkml:channel name="X" type="integer" max="1920" units="cm"/>
-          <inkml:channel name="Y" type="integer" max="1080" units="cm"/>
-          <inkml:channel name="T" type="integer" max="2.14748E9" units="dev"/>
-        </inkml:traceFormat>
-        <inkml:channelProperties>
-          <inkml:channelProperty channel="X" name="resolution" value="62.13592" units="1/cm"/>
-          <inkml:channelProperty channel="Y" name="resolution" value="61.71429" units="1/cm"/>
-          <inkml:channelProperty channel="T" name="resolution" value="1" units="1/dev"/>
-        </inkml:channelProperties>
-      </inkml:inkSource>
-      <inkml:timestamp xml:id="ts0" timeString="2021-01-09T15:15:12.468"/>
-    </inkml:context>
-    <inkml:brush xml:id="br0">
-      <inkml:brushProperty name="width" value="0.05292" units="cm"/>
-      <inkml:brushProperty name="height" value="0.05292" units="cm"/>
-      <inkml:brushProperty name="color" value="#FF0000"/>
-    </inkml:brush>
-  </inkml:definitions>
-  <inkml:trace contextRef="#ctx0" brushRef="#br0">22084 13600 0,'0'17'31,"35"-17"157,-17 0-157,-1 0-16,1 18 1,0-18 0,17 0 15,-17 0 16,-1 0-32,36 0 1,-35 0 0,-1 0 15,1 0-15,35 17-1,-35-17 16,-1 0-15,19 0 0,-1 0 15,0 0-15,-17 0-1,-1 0 16,19 0-15,-19 0 0,1 0 15,0 0 250,-1 0-265,19-17-16,-19 17 15,18 0 1,18 0 0,-35 0 15,0 0-15,-1 0 15,36 0-16,-18 0 1,-17 0 15,17 0 79,-17 0-95,0 0 1,-1 0 0,1 0 15,17 0-16,-17 0 17,-1 0-17,1 0 1,-18 17 0,35-17-1,-17 0 16,17 0-15,-17 0 0,17 0 15,1 0-15,-19 18-1,1-18 16,17 0-31,0 0 16,-17 0 0,0 0-1,17 0 1,0 0 0,-17 0 280,-1 0-296,36 0 16,36 0 0,-19 35 15,1-17-15,-1-18-1,1 18 16,-54-18-31,19 0 16,-1 17 0,-17-17-16,17 0 31,35 0-15,1 0-1,-36 36 16,-17-36-15,17 0 0,-17 0 15,17 0-15,-17 0-1,17 0 16,0 0-15,1 0 0,-1 0 15,-17 0-15,-1 0-1,1 0 16,52 0-15,-52 0 0,35 0 15,-35 0-15,17 0-1,-18 0 16,36 0-15,-35 0 15,0 0-15,-1 0 0,36 0-1,-18 0 16,54 0-15,-19 0 0,-34 0 15,16-18-15,-16 18-1,17 0 16,0 0-15,-36 0 0,18 0 15,-17 0 0,0 0-15,-1 0-1,19 0 1,-19 0 0,19 0 15,-19 0-15,18 0-1,-17 0 16,17 0-15,-17 0 0,-18 18 15,0-1-15,0 1-1,0 52 16,35 19-15,-35-72 0,0 1 15,0 0-15,0 34-1,18 19 16,-18-36-15,0 18 0,0-35 15,0-1-15,0 1-1,0 0 16,0 35-15,0-18 0,0-17 15,0 17-15,0-17 15,0-1-16,0 36 1,0-18 0,0-17 15,0 0-15,0 17 15,0-17 0,0 17-15,0 18 15,0-36-15,0 1-1,0 0 48,0 17-16,-18-35-32,18 18 16,-35-18-15,35 17 0,-18-17 31,1 18-16,-1 17 0,0-17 16,18-1-31,-35 19-1,18-1 16,17-17-15,-18-18-16,18 17 47,-18-17-47,1 0 16,-36 18-1,35 0 16,0-18-15,1 0 0,-36 0 15,18 0-15,-18 0-1,0 0 16,-18 0-15,-52 0 0,35 35 15,-18-35-15,-18 17-1,1 19 16,52-36-15,18 17-16,-53-17 16,71 0-1,0 0 1,-18 0 0,0 0-1,18 0 16,-18 0-15,35 0-16,-17 0 16,0 0-1,17 0 1,-17 0 0,-18 0-1,0 0 16,0 0-15,-35 0 0,-36 0 15,-17 0-15,18 0-1,17 0 16,18 0-15,-89 0 0,89-35 15,-18 17-15,71 18-1,0 0 16,17-17-15,-35 17 0,0-18 15,36 18-15,-1 0 46,0-35-46,-17 35-1,17 0 1,1-18 62,-1 18-62,1 0-16,-19 0 31,1 0-15,-18 0-1,18 0 16,-36 0-15,18 0 0,18 0 15,17 0-15,1 0 15,-1 0-16,1 0 1,17-17 0,0-1 390,0-17-375,0 17-15,-36 0-1,36 1 48,-17 17-63,17-18 16,0-35-1,0 36 16,0-1-15,0 0 0,0-52 15,0-1-15,0 54-1,0-1 16,0-17-15,0 17 0,0 0-16,0-17 31,-18 35-31,18-35 47,0 17-32,-18-17 1,18-18 0,-17 53-16,17-18 31,0 1-15,0-1-1,0 0 16,0-17-15,0 17 0,0 1 15,0-1-15,0-17-1,0 0 16,-36 17 16,36 0-31,0-17 15,0 17-31,0 1 31,0-36-15,0 35 0,0-17 15,0 17-15,0-17-1,0 17 16,0 1-15,0-18 0,0-1 15,0 19-15,18-1-1,-18 0 32,0 1 0,18 17-16,-18-36-15,0 19-1,17 17 1,-17-18 78,18 18-63,0 0-15,-18-18-1,35-17 63,-35 18-15,0-1 93</inkml:trace>
-</inkml:ink>
-</file>
-
 <file path=ppt/slideLayouts/slideLayout1.xml><?xml version="1.0" encoding="utf-8"?>
 <p:sldLayout xmlns:a="http://schemas.openxmlformats.org/drawingml/2006/main" xmlns:r="http://schemas.openxmlformats.org/officeDocument/2006/relationships" xmlns:p="http://schemas.openxmlformats.org/presentationml/2006/main" type="title" preserve="1">
   <p:cSld name="Title Slide">
@@ -4625,7 +4539,7 @@
           <a:p>
             <a:fld id="{73432436-13C1-4772-A00F-EF97BEE5C8CF}" type="datetimeFigureOut">
               <a:rPr lang="en-US" smtClean="0"/>
-              <a:t>1/9/2021</a:t>
+              <a:t>1/12/2021</a:t>
             </a:fld>
             <a:endParaRPr lang="en-US"/>
           </a:p>
@@ -4795,7 +4709,7 @@
           <a:p>
             <a:fld id="{73432436-13C1-4772-A00F-EF97BEE5C8CF}" type="datetimeFigureOut">
               <a:rPr lang="en-US" smtClean="0"/>
-              <a:t>1/9/2021</a:t>
+              <a:t>1/12/2021</a:t>
             </a:fld>
             <a:endParaRPr lang="en-US"/>
           </a:p>
@@ -4975,7 +4889,7 @@
           <a:p>
             <a:fld id="{73432436-13C1-4772-A00F-EF97BEE5C8CF}" type="datetimeFigureOut">
               <a:rPr lang="en-US" smtClean="0"/>
-              <a:t>1/9/2021</a:t>
+              <a:t>1/12/2021</a:t>
             </a:fld>
             <a:endParaRPr lang="en-US"/>
           </a:p>
@@ -5145,7 +5059,7 @@
           <a:p>
             <a:fld id="{73432436-13C1-4772-A00F-EF97BEE5C8CF}" type="datetimeFigureOut">
               <a:rPr lang="en-US" smtClean="0"/>
-              <a:t>1/9/2021</a:t>
+              <a:t>1/12/2021</a:t>
             </a:fld>
             <a:endParaRPr lang="en-US"/>
           </a:p>
@@ -5391,7 +5305,7 @@
           <a:p>
             <a:fld id="{73432436-13C1-4772-A00F-EF97BEE5C8CF}" type="datetimeFigureOut">
               <a:rPr lang="en-US" smtClean="0"/>
-              <a:t>1/9/2021</a:t>
+              <a:t>1/12/2021</a:t>
             </a:fld>
             <a:endParaRPr lang="en-US"/>
           </a:p>
@@ -5623,7 +5537,7 @@
           <a:p>
             <a:fld id="{73432436-13C1-4772-A00F-EF97BEE5C8CF}" type="datetimeFigureOut">
               <a:rPr lang="en-US" smtClean="0"/>
-              <a:t>1/9/2021</a:t>
+              <a:t>1/12/2021</a:t>
             </a:fld>
             <a:endParaRPr lang="en-US"/>
           </a:p>
@@ -5990,7 +5904,7 @@
           <a:p>
             <a:fld id="{73432436-13C1-4772-A00F-EF97BEE5C8CF}" type="datetimeFigureOut">
               <a:rPr lang="en-US" smtClean="0"/>
-              <a:t>1/9/2021</a:t>
+              <a:t>1/12/2021</a:t>
             </a:fld>
             <a:endParaRPr lang="en-US"/>
           </a:p>
@@ -6108,7 +6022,7 @@
           <a:p>
             <a:fld id="{73432436-13C1-4772-A00F-EF97BEE5C8CF}" type="datetimeFigureOut">
               <a:rPr lang="en-US" smtClean="0"/>
-              <a:t>1/9/2021</a:t>
+              <a:t>1/12/2021</a:t>
             </a:fld>
             <a:endParaRPr lang="en-US"/>
           </a:p>
@@ -6203,7 +6117,7 @@
           <a:p>
             <a:fld id="{73432436-13C1-4772-A00F-EF97BEE5C8CF}" type="datetimeFigureOut">
               <a:rPr lang="en-US" smtClean="0"/>
-              <a:t>1/9/2021</a:t>
+              <a:t>1/12/2021</a:t>
             </a:fld>
             <a:endParaRPr lang="en-US"/>
           </a:p>
@@ -6480,7 +6394,7 @@
           <a:p>
             <a:fld id="{73432436-13C1-4772-A00F-EF97BEE5C8CF}" type="datetimeFigureOut">
               <a:rPr lang="en-US" smtClean="0"/>
-              <a:t>1/9/2021</a:t>
+              <a:t>1/12/2021</a:t>
             </a:fld>
             <a:endParaRPr lang="en-US"/>
           </a:p>
@@ -6733,7 +6647,7 @@
           <a:p>
             <a:fld id="{73432436-13C1-4772-A00F-EF97BEE5C8CF}" type="datetimeFigureOut">
               <a:rPr lang="en-US" smtClean="0"/>
-              <a:t>1/9/2021</a:t>
+              <a:t>1/12/2021</a:t>
             </a:fld>
             <a:endParaRPr lang="en-US"/>
           </a:p>
@@ -6946,7 +6860,7 @@
           <a:p>
             <a:fld id="{73432436-13C1-4772-A00F-EF97BEE5C8CF}" type="datetimeFigureOut">
               <a:rPr lang="en-US" smtClean="0"/>
-              <a:t>1/9/2021</a:t>
+              <a:t>1/12/2021</a:t>
             </a:fld>
             <a:endParaRPr lang="en-US"/>
           </a:p>
@@ -7482,14 +7396,7 @@
                 <a:latin typeface="Times New Roman" panose="02020603050405020304" pitchFamily="18" charset="0"/>
                 <a:cs typeface="Times New Roman" panose="02020603050405020304" pitchFamily="18" charset="0"/>
               </a:rPr>
-              <a:t>(Relational </a:t>
-            </a:r>
-            <a:r>
-              <a:rPr lang="en-CA" sz="3700" b="1" dirty="0" smtClean="0">
-                <a:latin typeface="Times New Roman" panose="02020603050405020304" pitchFamily="18" charset="0"/>
-                <a:cs typeface="Times New Roman" panose="02020603050405020304" pitchFamily="18" charset="0"/>
-              </a:rPr>
-              <a:t>Data Languages)</a:t>
+              <a:t>(Relational Data Languages)</a:t>
             </a:r>
             <a:endParaRPr lang="en-CA" sz="3700" b="1" dirty="0">
               <a:latin typeface="Times New Roman" panose="02020603050405020304" pitchFamily="18" charset="0"/>
@@ -7720,6 +7627,14 @@
   <p:clrMapOvr>
     <a:masterClrMapping/>
   </p:clrMapOvr>
+  <mc:AlternateContent xmlns:mc="http://schemas.openxmlformats.org/markup-compatibility/2006" xmlns:p14="http://schemas.microsoft.com/office/powerpoint/2010/main">
+    <mc:Choice Requires="p14">
+      <p:transition spd="slow" p14:dur="2000" advTm="26981"/>
+    </mc:Choice>
+    <mc:Fallback xmlns="">
+      <p:transition spd="slow" advTm="26981"/>
+    </mc:Fallback>
+  </mc:AlternateContent>
   <p:timing>
     <p:tnLst>
       <p:par>
@@ -7747,8 +7662,8 @@
           <a:chExt cx="0" cy="0"/>
         </a:xfrm>
       </p:grpSpPr>
-      <mc:AlternateContent xmlns:mc="http://schemas.openxmlformats.org/markup-compatibility/2006">
-        <mc:Choice xmlns:a14="http://schemas.microsoft.com/office/drawing/2010/main" Requires="a14">
+      <mc:AlternateContent xmlns:mc="http://schemas.openxmlformats.org/markup-compatibility/2006" xmlns:a14="http://schemas.microsoft.com/office/drawing/2010/main">
+        <mc:Choice Requires="a14">
           <p:sp>
             <p:nvSpPr>
               <p:cNvPr id="4" name="Title 1"/>
@@ -7874,7 +7789,7 @@
             </p:txBody>
           </p:sp>
         </mc:Choice>
-        <mc:Fallback>
+        <mc:Fallback xmlns="">
           <p:sp>
             <p:nvSpPr>
               <p:cNvPr id="4" name="Title 1"/>
@@ -8248,6 +8163,14 @@
   <p:clrMapOvr>
     <a:masterClrMapping/>
   </p:clrMapOvr>
+  <mc:AlternateContent xmlns:mc="http://schemas.openxmlformats.org/markup-compatibility/2006" xmlns:p14="http://schemas.microsoft.com/office/powerpoint/2010/main">
+    <mc:Choice Requires="p14">
+      <p:transition spd="slow" p14:dur="2000" advTm="2413"/>
+    </mc:Choice>
+    <mc:Fallback xmlns="">
+      <p:transition spd="slow" advTm="2413"/>
+    </mc:Fallback>
+  </mc:AlternateContent>
   <p:timing>
     <p:tnLst>
       <p:par>
@@ -8275,8 +8198,8 @@
           <a:chExt cx="0" cy="0"/>
         </a:xfrm>
       </p:grpSpPr>
-      <mc:AlternateContent xmlns:mc="http://schemas.openxmlformats.org/markup-compatibility/2006">
-        <mc:Choice xmlns:a14="http://schemas.microsoft.com/office/drawing/2010/main" Requires="a14">
+      <mc:AlternateContent xmlns:mc="http://schemas.openxmlformats.org/markup-compatibility/2006" xmlns:a14="http://schemas.microsoft.com/office/drawing/2010/main">
+        <mc:Choice Requires="a14">
           <p:sp>
             <p:nvSpPr>
               <p:cNvPr id="4" name="Title 1"/>
@@ -8402,7 +8325,7 @@
             </p:txBody>
           </p:sp>
         </mc:Choice>
-        <mc:Fallback>
+        <mc:Fallback xmlns="">
           <p:sp>
             <p:nvSpPr>
               <p:cNvPr id="4" name="Title 1"/>
@@ -8776,6 +8699,14 @@
   <p:clrMapOvr>
     <a:masterClrMapping/>
   </p:clrMapOvr>
+  <mc:AlternateContent xmlns:mc="http://schemas.openxmlformats.org/markup-compatibility/2006" xmlns:p14="http://schemas.microsoft.com/office/powerpoint/2010/main">
+    <mc:Choice Requires="p14">
+      <p:transition spd="slow" p14:dur="2000" advTm="1294"/>
+    </mc:Choice>
+    <mc:Fallback xmlns="">
+      <p:transition spd="slow" advTm="1294"/>
+    </mc:Fallback>
+  </mc:AlternateContent>
   <p:timing>
     <p:tnLst>
       <p:par>
@@ -8803,8 +8734,8 @@
           <a:chExt cx="0" cy="0"/>
         </a:xfrm>
       </p:grpSpPr>
-      <mc:AlternateContent xmlns:mc="http://schemas.openxmlformats.org/markup-compatibility/2006">
-        <mc:Choice xmlns:a14="http://schemas.microsoft.com/office/drawing/2010/main" Requires="a14">
+      <mc:AlternateContent xmlns:mc="http://schemas.openxmlformats.org/markup-compatibility/2006" xmlns:a14="http://schemas.microsoft.com/office/drawing/2010/main">
+        <mc:Choice Requires="a14">
           <p:sp>
             <p:nvSpPr>
               <p:cNvPr id="4" name="Title 1"/>
@@ -8930,7 +8861,7 @@
             </p:txBody>
           </p:sp>
         </mc:Choice>
-        <mc:Fallback>
+        <mc:Fallback xmlns="">
           <p:sp>
             <p:nvSpPr>
               <p:cNvPr id="4" name="Title 1"/>
@@ -8969,8 +8900,8 @@
           </p:sp>
         </mc:Fallback>
       </mc:AlternateContent>
-      <mc:AlternateContent xmlns:mc="http://schemas.openxmlformats.org/markup-compatibility/2006">
-        <mc:Choice xmlns:a14="http://schemas.microsoft.com/office/drawing/2010/main" Requires="a14">
+      <mc:AlternateContent xmlns:mc="http://schemas.openxmlformats.org/markup-compatibility/2006" xmlns:a14="http://schemas.microsoft.com/office/drawing/2010/main">
+        <mc:Choice Requires="a14">
           <p:sp>
             <p:nvSpPr>
               <p:cNvPr id="5" name="Content Placeholder 2"/>
@@ -9620,7 +9551,7 @@
             </p:txBody>
           </p:sp>
         </mc:Choice>
-        <mc:Fallback>
+        <mc:Fallback xmlns="">
           <p:sp>
             <p:nvSpPr>
               <p:cNvPr id="5" name="Content Placeholder 2"/>
@@ -9693,6 +9624,14 @@
   <p:clrMapOvr>
     <a:masterClrMapping/>
   </p:clrMapOvr>
+  <mc:AlternateContent xmlns:mc="http://schemas.openxmlformats.org/markup-compatibility/2006" xmlns:p14="http://schemas.microsoft.com/office/powerpoint/2010/main">
+    <mc:Choice Requires="p14">
+      <p:transition spd="slow" p14:dur="2000" advTm="1167"/>
+    </mc:Choice>
+    <mc:Fallback xmlns="">
+      <p:transition spd="slow" advTm="1167"/>
+    </mc:Fallback>
+  </mc:AlternateContent>
   <p:timing>
     <p:tnLst>
       <p:par>
@@ -10502,6 +10441,14 @@
   <p:clrMapOvr>
     <a:masterClrMapping/>
   </p:clrMapOvr>
+  <mc:AlternateContent xmlns:mc="http://schemas.openxmlformats.org/markup-compatibility/2006" xmlns:p14="http://schemas.microsoft.com/office/powerpoint/2010/main">
+    <mc:Choice Requires="p14">
+      <p:transition spd="slow" p14:dur="2000" advTm="7662"/>
+    </mc:Choice>
+    <mc:Fallback xmlns="">
+      <p:transition spd="slow" advTm="7662"/>
+    </mc:Fallback>
+  </mc:AlternateContent>
   <p:timing>
     <p:tnLst>
       <p:par>
@@ -11047,6 +10994,14 @@
   <p:clrMapOvr>
     <a:masterClrMapping/>
   </p:clrMapOvr>
+  <mc:AlternateContent xmlns:mc="http://schemas.openxmlformats.org/markup-compatibility/2006" xmlns:p14="http://schemas.microsoft.com/office/powerpoint/2010/main">
+    <mc:Choice Requires="p14">
+      <p:transition spd="slow" p14:dur="2000" advTm="1801"/>
+    </mc:Choice>
+    <mc:Fallback xmlns="">
+      <p:transition spd="slow" advTm="1801"/>
+    </mc:Fallback>
+  </mc:AlternateContent>
   <p:timing>
     <p:tnLst>
       <p:par>
@@ -11194,8 +11149,8 @@
           </a:p>
         </p:txBody>
       </p:sp>
-      <mc:AlternateContent xmlns:mc="http://schemas.openxmlformats.org/markup-compatibility/2006">
-        <mc:Choice xmlns:a14="http://schemas.microsoft.com/office/drawing/2010/main" Requires="a14">
+      <mc:AlternateContent xmlns:mc="http://schemas.openxmlformats.org/markup-compatibility/2006" xmlns:a14="http://schemas.microsoft.com/office/drawing/2010/main">
+        <mc:Choice Requires="a14">
           <p:sp>
             <p:nvSpPr>
               <p:cNvPr id="5" name="Content Placeholder 2"/>
@@ -11890,7 +11845,7 @@
             </p:txBody>
           </p:sp>
         </mc:Choice>
-        <mc:Fallback>
+        <mc:Fallback xmlns="">
           <p:sp>
             <p:nvSpPr>
               <p:cNvPr id="5" name="Content Placeholder 2"/>
@@ -11967,6 +11922,14 @@
   <p:clrMapOvr>
     <a:masterClrMapping/>
   </p:clrMapOvr>
+  <mc:AlternateContent xmlns:mc="http://schemas.openxmlformats.org/markup-compatibility/2006" xmlns:p14="http://schemas.microsoft.com/office/powerpoint/2010/main">
+    <mc:Choice Requires="p14">
+      <p:transition spd="slow" p14:dur="2000" advTm="3401"/>
+    </mc:Choice>
+    <mc:Fallback xmlns="">
+      <p:transition spd="slow" advTm="3401"/>
+    </mc:Fallback>
+  </mc:AlternateContent>
   <p:timing>
     <p:tnLst>
       <p:par>
@@ -12733,6 +12696,14 @@
   <p:clrMapOvr>
     <a:masterClrMapping/>
   </p:clrMapOvr>
+  <mc:AlternateContent xmlns:mc="http://schemas.openxmlformats.org/markup-compatibility/2006" xmlns:p14="http://schemas.microsoft.com/office/powerpoint/2010/main">
+    <mc:Choice Requires="p14">
+      <p:transition spd="slow" p14:dur="2000" advTm="2683"/>
+    </mc:Choice>
+    <mc:Fallback xmlns="">
+      <p:transition spd="slow" advTm="2683"/>
+    </mc:Fallback>
+  </mc:AlternateContent>
   <p:timing>
     <p:tnLst>
       <p:par>
@@ -13170,6 +13141,14 @@
   <p:clrMapOvr>
     <a:masterClrMapping/>
   </p:clrMapOvr>
+  <mc:AlternateContent xmlns:mc="http://schemas.openxmlformats.org/markup-compatibility/2006" xmlns:p14="http://schemas.microsoft.com/office/powerpoint/2010/main">
+    <mc:Choice Requires="p14">
+      <p:transition spd="slow" p14:dur="2000" advTm="3074"/>
+    </mc:Choice>
+    <mc:Fallback xmlns="">
+      <p:transition spd="slow" advTm="3074"/>
+    </mc:Fallback>
+  </mc:AlternateContent>
   <p:timing>
     <p:tnLst>
       <p:par>
@@ -13607,6 +13586,14 @@
   <p:clrMapOvr>
     <a:masterClrMapping/>
   </p:clrMapOvr>
+  <mc:AlternateContent xmlns:mc="http://schemas.openxmlformats.org/markup-compatibility/2006" xmlns:p14="http://schemas.microsoft.com/office/powerpoint/2010/main">
+    <mc:Choice Requires="p14">
+      <p:transition spd="slow" p14:dur="2000" advTm="1230"/>
+    </mc:Choice>
+    <mc:Fallback xmlns="">
+      <p:transition spd="slow" advTm="1230"/>
+    </mc:Fallback>
+  </mc:AlternateContent>
   <p:timing>
     <p:tnLst>
       <p:par>
@@ -13768,8 +13755,8 @@
           </a:p>
         </p:txBody>
       </p:sp>
-      <mc:AlternateContent xmlns:mc="http://schemas.openxmlformats.org/markup-compatibility/2006">
-        <mc:Choice xmlns:a14="http://schemas.microsoft.com/office/drawing/2010/main" Requires="a14">
+      <mc:AlternateContent xmlns:mc="http://schemas.openxmlformats.org/markup-compatibility/2006" xmlns:a14="http://schemas.microsoft.com/office/drawing/2010/main">
+        <mc:Choice Requires="a14">
           <p:sp>
             <p:nvSpPr>
               <p:cNvPr id="5" name="Content Placeholder 2"/>
@@ -14531,7 +14518,7 @@
             </p:txBody>
           </p:sp>
         </mc:Choice>
-        <mc:Fallback>
+        <mc:Fallback xmlns="">
           <p:sp>
             <p:nvSpPr>
               <p:cNvPr id="5" name="Content Placeholder 2"/>
@@ -14608,6 +14595,14 @@
   <p:clrMapOvr>
     <a:masterClrMapping/>
   </p:clrMapOvr>
+  <mc:AlternateContent xmlns:mc="http://schemas.openxmlformats.org/markup-compatibility/2006" xmlns:p14="http://schemas.microsoft.com/office/powerpoint/2010/main">
+    <mc:Choice Requires="p14">
+      <p:transition spd="slow" p14:dur="2000" advTm="449"/>
+    </mc:Choice>
+    <mc:Fallback xmlns="">
+      <p:transition spd="slow" advTm="449"/>
+    </mc:Fallback>
+  </mc:AlternateContent>
   <p:timing>
     <p:tnLst>
       <p:par>
@@ -14747,8 +14742,8 @@
           </a:p>
         </p:txBody>
       </p:sp>
-      <mc:AlternateContent xmlns:mc="http://schemas.openxmlformats.org/markup-compatibility/2006">
-        <mc:Choice xmlns:a14="http://schemas.microsoft.com/office/drawing/2010/main" Requires="a14">
+      <mc:AlternateContent xmlns:mc="http://schemas.openxmlformats.org/markup-compatibility/2006" xmlns:a14="http://schemas.microsoft.com/office/drawing/2010/main">
+        <mc:Choice Requires="a14">
           <p:sp>
             <p:nvSpPr>
               <p:cNvPr id="5" name="Content Placeholder 2"/>
@@ -15672,15 +15667,7 @@
                     <a:ea typeface="Calibri" panose="020F0502020204030204" pitchFamily="34" charset="0"/>
                     <a:cs typeface="Times New Roman" panose="02020603050405020304" pitchFamily="18" charset="0"/>
                   </a:rPr>
-                  <a:t> (outer-join</a:t>
-                </a:r>
-                <a:r>
-                  <a:rPr lang="en-US" sz="2600" dirty="0" smtClean="0">
-                    <a:latin typeface="Times New Roman" panose="02020603050405020304" pitchFamily="18" charset="0"/>
-                    <a:ea typeface="Calibri" panose="020F0502020204030204" pitchFamily="34" charset="0"/>
-                    <a:cs typeface="Times New Roman" panose="02020603050405020304" pitchFamily="18" charset="0"/>
-                  </a:rPr>
-                  <a:t>)</a:t>
+                  <a:t> (outer-join)</a:t>
                 </a:r>
               </a:p>
               <a:p>
@@ -15749,7 +15736,7 @@
             </p:txBody>
           </p:sp>
         </mc:Choice>
-        <mc:Fallback>
+        <mc:Fallback xmlns="">
           <p:sp>
             <p:nvSpPr>
               <p:cNvPr id="5" name="Content Placeholder 2"/>
@@ -15819,6 +15806,14 @@
   <p:clrMapOvr>
     <a:masterClrMapping/>
   </p:clrMapOvr>
+  <mc:AlternateContent xmlns:mc="http://schemas.openxmlformats.org/markup-compatibility/2006" xmlns:p14="http://schemas.microsoft.com/office/powerpoint/2010/main">
+    <mc:Choice Requires="p14">
+      <p:transition spd="slow" p14:dur="2000" advTm="26756"/>
+    </mc:Choice>
+    <mc:Fallback xmlns="">
+      <p:transition spd="slow" advTm="26756"/>
+    </mc:Fallback>
+  </mc:AlternateContent>
   <p:timing>
     <p:tnLst>
       <p:par>
@@ -15846,8 +15841,8 @@
           <a:chExt cx="0" cy="0"/>
         </a:xfrm>
       </p:grpSpPr>
-      <mc:AlternateContent xmlns:mc="http://schemas.openxmlformats.org/markup-compatibility/2006">
-        <mc:Choice xmlns:a14="http://schemas.microsoft.com/office/drawing/2010/main" Requires="a14">
+      <mc:AlternateContent xmlns:mc="http://schemas.openxmlformats.org/markup-compatibility/2006" xmlns:a14="http://schemas.microsoft.com/office/drawing/2010/main">
+        <mc:Choice Requires="a14">
           <p:sp>
             <p:nvSpPr>
               <p:cNvPr id="4" name="Title 1"/>
@@ -15932,7 +15927,7 @@
             </p:txBody>
           </p:sp>
         </mc:Choice>
-        <mc:Fallback>
+        <mc:Fallback xmlns="">
           <p:sp>
             <p:nvSpPr>
               <p:cNvPr id="4" name="Title 1"/>
@@ -15971,8 +15966,8 @@
           </p:sp>
         </mc:Fallback>
       </mc:AlternateContent>
-      <mc:AlternateContent xmlns:mc="http://schemas.openxmlformats.org/markup-compatibility/2006">
-        <mc:Choice xmlns:a14="http://schemas.microsoft.com/office/drawing/2010/main" Requires="a14">
+      <mc:AlternateContent xmlns:mc="http://schemas.openxmlformats.org/markup-compatibility/2006" xmlns:a14="http://schemas.microsoft.com/office/drawing/2010/main">
+        <mc:Choice Requires="a14">
           <p:sp>
             <p:nvSpPr>
               <p:cNvPr id="5" name="Content Placeholder 2"/>
@@ -16661,7 +16656,7 @@
             </p:txBody>
           </p:sp>
         </mc:Choice>
-        <mc:Fallback>
+        <mc:Fallback xmlns="">
           <p:sp>
             <p:nvSpPr>
               <p:cNvPr id="5" name="Content Placeholder 2"/>
@@ -16738,6 +16733,14 @@
   <p:clrMapOvr>
     <a:masterClrMapping/>
   </p:clrMapOvr>
+  <mc:AlternateContent xmlns:mc="http://schemas.openxmlformats.org/markup-compatibility/2006" xmlns:p14="http://schemas.microsoft.com/office/powerpoint/2010/main">
+    <mc:Choice Requires="p14">
+      <p:transition spd="slow" p14:dur="2000" advTm="22289"/>
+    </mc:Choice>
+    <mc:Fallback xmlns="">
+      <p:transition spd="slow" advTm="22289"/>
+    </mc:Fallback>
+  </mc:AlternateContent>
   <p:timing>
     <p:tnLst>
       <p:par>
@@ -16765,8 +16768,8 @@
           <a:chExt cx="0" cy="0"/>
         </a:xfrm>
       </p:grpSpPr>
-      <mc:AlternateContent xmlns:mc="http://schemas.openxmlformats.org/markup-compatibility/2006">
-        <mc:Choice xmlns:a14="http://schemas.microsoft.com/office/drawing/2010/main" Requires="a14">
+      <mc:AlternateContent xmlns:mc="http://schemas.openxmlformats.org/markup-compatibility/2006" xmlns:a14="http://schemas.microsoft.com/office/drawing/2010/main">
+        <mc:Choice Requires="a14">
           <p:sp>
             <p:nvSpPr>
               <p:cNvPr id="4" name="Title 1"/>
@@ -16890,7 +16893,7 @@
             </p:txBody>
           </p:sp>
         </mc:Choice>
-        <mc:Fallback>
+        <mc:Fallback xmlns="">
           <p:sp>
             <p:nvSpPr>
               <p:cNvPr id="4" name="Title 1"/>
@@ -17332,6 +17335,14 @@
   <p:clrMapOvr>
     <a:masterClrMapping/>
   </p:clrMapOvr>
+  <mc:AlternateContent xmlns:mc="http://schemas.openxmlformats.org/markup-compatibility/2006" xmlns:p14="http://schemas.microsoft.com/office/powerpoint/2010/main">
+    <mc:Choice Requires="p14">
+      <p:transition spd="slow" p14:dur="2000" advTm="417"/>
+    </mc:Choice>
+    <mc:Fallback xmlns="">
+      <p:transition spd="slow" advTm="417"/>
+    </mc:Fallback>
+  </mc:AlternateContent>
   <p:timing>
     <p:tnLst>
       <p:par>
@@ -17359,8 +17370,8 @@
           <a:chExt cx="0" cy="0"/>
         </a:xfrm>
       </p:grpSpPr>
-      <mc:AlternateContent xmlns:mc="http://schemas.openxmlformats.org/markup-compatibility/2006">
-        <mc:Choice xmlns:a14="http://schemas.microsoft.com/office/drawing/2010/main" Requires="a14">
+      <mc:AlternateContent xmlns:mc="http://schemas.openxmlformats.org/markup-compatibility/2006" xmlns:a14="http://schemas.microsoft.com/office/drawing/2010/main">
+        <mc:Choice Requires="a14">
           <p:sp>
             <p:nvSpPr>
               <p:cNvPr id="4" name="Title 1"/>
@@ -17484,7 +17495,7 @@
             </p:txBody>
           </p:sp>
         </mc:Choice>
-        <mc:Fallback>
+        <mc:Fallback xmlns="">
           <p:sp>
             <p:nvSpPr>
               <p:cNvPr id="4" name="Title 1"/>
@@ -17523,8 +17534,8 @@
           </p:sp>
         </mc:Fallback>
       </mc:AlternateContent>
-      <mc:AlternateContent xmlns:mc="http://schemas.openxmlformats.org/markup-compatibility/2006">
-        <mc:Choice xmlns:a14="http://schemas.microsoft.com/office/drawing/2010/main" Requires="a14">
+      <mc:AlternateContent xmlns:mc="http://schemas.openxmlformats.org/markup-compatibility/2006" xmlns:a14="http://schemas.microsoft.com/office/drawing/2010/main">
+        <mc:Choice Requires="a14">
           <p:sp>
             <p:nvSpPr>
               <p:cNvPr id="5" name="Content Placeholder 2"/>
@@ -18195,7 +18206,7 @@
             </p:txBody>
           </p:sp>
         </mc:Choice>
-        <mc:Fallback>
+        <mc:Fallback xmlns="">
           <p:sp>
             <p:nvSpPr>
               <p:cNvPr id="5" name="Content Placeholder 2"/>
@@ -18272,6 +18283,14 @@
   <p:clrMapOvr>
     <a:masterClrMapping/>
   </p:clrMapOvr>
+  <mc:AlternateContent xmlns:mc="http://schemas.openxmlformats.org/markup-compatibility/2006" xmlns:p14="http://schemas.microsoft.com/office/powerpoint/2010/main">
+    <mc:Choice Requires="p14">
+      <p:transition spd="slow" p14:dur="2000" advTm="427"/>
+    </mc:Choice>
+    <mc:Fallback xmlns="">
+      <p:transition spd="slow" advTm="427"/>
+    </mc:Fallback>
+  </mc:AlternateContent>
   <p:timing>
     <p:tnLst>
       <p:par>
@@ -18299,8 +18318,8 @@
           <a:chExt cx="0" cy="0"/>
         </a:xfrm>
       </p:grpSpPr>
-      <mc:AlternateContent xmlns:mc="http://schemas.openxmlformats.org/markup-compatibility/2006">
-        <mc:Choice xmlns:a14="http://schemas.microsoft.com/office/drawing/2010/main" Requires="a14">
+      <mc:AlternateContent xmlns:mc="http://schemas.openxmlformats.org/markup-compatibility/2006" xmlns:a14="http://schemas.microsoft.com/office/drawing/2010/main">
+        <mc:Choice Requires="a14">
           <p:sp>
             <p:nvSpPr>
               <p:cNvPr id="4" name="Title 1"/>
@@ -18427,7 +18446,7 @@
             </p:txBody>
           </p:sp>
         </mc:Choice>
-        <mc:Fallback>
+        <mc:Fallback xmlns="">
           <p:sp>
             <p:nvSpPr>
               <p:cNvPr id="4" name="Title 1"/>
@@ -18466,8 +18485,8 @@
           </p:sp>
         </mc:Fallback>
       </mc:AlternateContent>
-      <mc:AlternateContent xmlns:mc="http://schemas.openxmlformats.org/markup-compatibility/2006">
-        <mc:Choice xmlns:a14="http://schemas.microsoft.com/office/drawing/2010/main" Requires="a14">
+      <mc:AlternateContent xmlns:mc="http://schemas.openxmlformats.org/markup-compatibility/2006" xmlns:a14="http://schemas.microsoft.com/office/drawing/2010/main">
+        <mc:Choice Requires="a14">
           <p:sp>
             <p:nvSpPr>
               <p:cNvPr id="5" name="Content Placeholder 2"/>
@@ -19035,68 +19054,68 @@
                       <m:sSubPr>
                         <m:ctrlPr>
                           <a:rPr lang="en-US" sz="2600" i="1">
-                            <a:latin typeface="+mj-lt"/>
+                            <a:latin typeface="Cambria Math" panose="02040503050406030204" pitchFamily="18" charset="0"/>
                           </a:rPr>
                         </m:ctrlPr>
                       </m:sSubPr>
                       <m:e>
                         <m:r>
                           <a:rPr lang="en-US" sz="2600" i="1">
-                            <a:latin typeface="+mj-lt"/>
+                            <a:latin typeface="Cambria Math" panose="02040503050406030204" pitchFamily="18" charset="0"/>
                           </a:rPr>
                           <m:t>𝑅</m:t>
                         </m:r>
                         <m:r>
                           <a:rPr lang="en-US" sz="2600" i="1">
-                            <a:latin typeface="+mj-lt"/>
+                            <a:latin typeface="Cambria Math" panose="02040503050406030204" pitchFamily="18" charset="0"/>
                           </a:rPr>
                           <m:t>.</m:t>
                         </m:r>
                         <m:r>
                           <a:rPr lang="en-US" sz="2600" i="1">
-                            <a:latin typeface="+mj-lt"/>
+                            <a:latin typeface="Cambria Math" panose="02040503050406030204" pitchFamily="18" charset="0"/>
                           </a:rPr>
                           <m:t>𝐴</m:t>
                         </m:r>
                         <m:r>
                           <a:rPr lang="en-US" sz="2600" i="1">
-                            <a:latin typeface="+mj-lt"/>
+                            <a:latin typeface="Cambria Math" panose="02040503050406030204" pitchFamily="18" charset="0"/>
                           </a:rPr>
                           <m:t> </m:t>
                         </m:r>
                         <m:r>
                           <a:rPr lang="en-US" sz="2600" i="1">
-                            <a:latin typeface="+mj-lt"/>
+                            <a:latin typeface="Cambria Math" panose="02040503050406030204" pitchFamily="18" charset="0"/>
                           </a:rPr>
                           <m:t>𝜃</m:t>
                         </m:r>
                         <m:r>
                           <a:rPr lang="en-US" sz="2600" i="1">
-                            <a:latin typeface="+mj-lt"/>
+                            <a:latin typeface="Cambria Math" panose="02040503050406030204" pitchFamily="18" charset="0"/>
                           </a:rPr>
                           <m:t> </m:t>
                         </m:r>
                         <m:r>
                           <a:rPr lang="en-US" sz="2600" i="1">
-                            <a:latin typeface="+mj-lt"/>
+                            <a:latin typeface="Cambria Math" panose="02040503050406030204" pitchFamily="18" charset="0"/>
                           </a:rPr>
                           <m:t>𝑆</m:t>
                         </m:r>
                         <m:r>
                           <a:rPr lang="en-US" sz="2600" i="1">
-                            <a:latin typeface="+mj-lt"/>
+                            <a:latin typeface="Cambria Math" panose="02040503050406030204" pitchFamily="18" charset="0"/>
                           </a:rPr>
                           <m:t>.</m:t>
                         </m:r>
                         <m:r>
                           <a:rPr lang="en-US" sz="2600" i="1">
-                            <a:latin typeface="+mj-lt"/>
+                            <a:latin typeface="Cambria Math" panose="02040503050406030204" pitchFamily="18" charset="0"/>
                           </a:rPr>
                           <m:t>𝐵</m:t>
                         </m:r>
                         <m:r>
                           <a:rPr lang="en-US" sz="2600" i="1">
-                            <a:latin typeface="+mj-lt"/>
+                            <a:latin typeface="Cambria Math" panose="02040503050406030204" pitchFamily="18" charset="0"/>
                           </a:rPr>
                           <m:t> </m:t>
                         </m:r>
@@ -19104,7 +19123,7 @@
                       <m:sub>
                         <m:r>
                           <a:rPr lang="en-US" sz="2600" i="1">
-                            <a:latin typeface="+mj-lt"/>
+                            <a:latin typeface="Cambria Math" panose="02040503050406030204" pitchFamily="18" charset="0"/>
                           </a:rPr>
                           <m:t> </m:t>
                         </m:r>
@@ -19123,7 +19142,7 @@
                   <m:oMath xmlns:m="http://schemas.openxmlformats.org/officeDocument/2006/math">
                     <m:r>
                       <a:rPr lang="en-US" sz="2600" i="1">
-                        <a:latin typeface="+mj-lt"/>
+                        <a:latin typeface="Cambria Math" panose="02040503050406030204" pitchFamily="18" charset="0"/>
                       </a:rPr>
                       <m:t>𝜃</m:t>
                     </m:r>
@@ -19196,7 +19215,7 @@
                   <m:oMath xmlns:m="http://schemas.openxmlformats.org/officeDocument/2006/math">
                     <m:r>
                       <a:rPr lang="en-US" sz="2600" i="1">
-                        <a:latin typeface="+mj-lt"/>
+                        <a:latin typeface="Cambria Math" panose="02040503050406030204" pitchFamily="18" charset="0"/>
                       </a:rPr>
                       <m:t>&lt;, ≤, &gt;, ≥, =, ≠</m:t>
                     </m:r>
@@ -19244,7 +19263,7 @@
                   <m:oMath xmlns:m="http://schemas.openxmlformats.org/officeDocument/2006/math">
                     <m:r>
                       <a:rPr lang="en-US" sz="2600" i="1">
-                        <a:latin typeface="+mj-lt"/>
+                        <a:latin typeface="Cambria Math" panose="02040503050406030204" pitchFamily="18" charset="0"/>
                       </a:rPr>
                       <m:t>𝜃</m:t>
                     </m:r>
@@ -19549,7 +19568,7 @@
             </p:txBody>
           </p:sp>
         </mc:Choice>
-        <mc:Fallback>
+        <mc:Fallback xmlns="">
           <p:sp>
             <p:nvSpPr>
               <p:cNvPr id="5" name="Content Placeholder 2"/>
@@ -19622,6 +19641,14 @@
   <p:clrMapOvr>
     <a:masterClrMapping/>
   </p:clrMapOvr>
+  <mc:AlternateContent xmlns:mc="http://schemas.openxmlformats.org/markup-compatibility/2006" xmlns:p14="http://schemas.microsoft.com/office/powerpoint/2010/main">
+    <mc:Choice Requires="p14">
+      <p:transition spd="slow" p14:dur="2000" advTm="88255"/>
+    </mc:Choice>
+    <mc:Fallback xmlns="">
+      <p:transition spd="slow" advTm="88255"/>
+    </mc:Fallback>
+  </mc:AlternateContent>
   <p:timing>
     <p:tnLst>
       <p:par>
@@ -19649,8 +19676,8 @@
           <a:chExt cx="0" cy="0"/>
         </a:xfrm>
       </p:grpSpPr>
-      <mc:AlternateContent xmlns:mc="http://schemas.openxmlformats.org/markup-compatibility/2006">
-        <mc:Choice xmlns:a14="http://schemas.microsoft.com/office/drawing/2010/main" Requires="a14">
+      <mc:AlternateContent xmlns:mc="http://schemas.openxmlformats.org/markup-compatibility/2006" xmlns:a14="http://schemas.microsoft.com/office/drawing/2010/main">
+        <mc:Choice Requires="a14">
           <p:sp>
             <p:nvSpPr>
               <p:cNvPr id="4" name="Title 1"/>
@@ -19805,7 +19832,7 @@
             </p:txBody>
           </p:sp>
         </mc:Choice>
-        <mc:Fallback>
+        <mc:Fallback xmlns="">
           <p:sp>
             <p:nvSpPr>
               <p:cNvPr id="4" name="Title 1"/>
@@ -20079,11 +20106,6 @@
               </a:rPr>
               <a:t>)</a:t>
             </a:r>
-            <a:endParaRPr lang="en-US" sz="2800" dirty="0" smtClean="0">
-              <a:effectLst/>
-              <a:latin typeface="Times New Roman" panose="02020603050405020304" pitchFamily="18" charset="0"/>
-              <a:ea typeface="Calibri" panose="020F0502020204030204" pitchFamily="34" charset="0"/>
-            </a:endParaRPr>
           </a:p>
         </p:txBody>
       </p:sp>
@@ -20125,6 +20147,14 @@
   <p:clrMapOvr>
     <a:masterClrMapping/>
   </p:clrMapOvr>
+  <mc:AlternateContent xmlns:mc="http://schemas.openxmlformats.org/markup-compatibility/2006" xmlns:p14="http://schemas.microsoft.com/office/powerpoint/2010/main">
+    <mc:Choice Requires="p14">
+      <p:transition spd="slow" p14:dur="2000" advTm="9215"/>
+    </mc:Choice>
+    <mc:Fallback xmlns="">
+      <p:transition spd="slow" advTm="9215"/>
+    </mc:Fallback>
+  </mc:AlternateContent>
   <p:timing>
     <p:tnLst>
       <p:par>
@@ -20152,8 +20182,8 @@
           <a:chExt cx="0" cy="0"/>
         </a:xfrm>
       </p:grpSpPr>
-      <mc:AlternateContent xmlns:mc="http://schemas.openxmlformats.org/markup-compatibility/2006">
-        <mc:Choice xmlns:a14="http://schemas.microsoft.com/office/drawing/2010/main" Requires="a14">
+      <mc:AlternateContent xmlns:mc="http://schemas.openxmlformats.org/markup-compatibility/2006" xmlns:a14="http://schemas.microsoft.com/office/drawing/2010/main">
+        <mc:Choice Requires="a14">
           <p:sp>
             <p:nvSpPr>
               <p:cNvPr id="4" name="Title 1"/>
@@ -20308,7 +20338,7 @@
             </p:txBody>
           </p:sp>
         </mc:Choice>
-        <mc:Fallback>
+        <mc:Fallback xmlns="">
           <p:sp>
             <p:nvSpPr>
               <p:cNvPr id="4" name="Title 1"/>
@@ -20582,11 +20612,6 @@
               </a:rPr>
               <a:t>)</a:t>
             </a:r>
-            <a:endParaRPr lang="en-US" sz="2800" dirty="0" smtClean="0">
-              <a:effectLst/>
-              <a:latin typeface="Times New Roman" panose="02020603050405020304" pitchFamily="18" charset="0"/>
-              <a:ea typeface="Calibri" panose="020F0502020204030204" pitchFamily="34" charset="0"/>
-            </a:endParaRPr>
           </a:p>
         </p:txBody>
       </p:sp>
@@ -20628,6 +20653,14 @@
   <p:clrMapOvr>
     <a:masterClrMapping/>
   </p:clrMapOvr>
+  <mc:AlternateContent xmlns:mc="http://schemas.openxmlformats.org/markup-compatibility/2006" xmlns:p14="http://schemas.microsoft.com/office/powerpoint/2010/main">
+    <mc:Choice Requires="p14">
+      <p:transition spd="slow" p14:dur="2000" advTm="2439"/>
+    </mc:Choice>
+    <mc:Fallback xmlns="">
+      <p:transition spd="slow" advTm="2439"/>
+    </mc:Fallback>
+  </mc:AlternateContent>
   <p:timing>
     <p:tnLst>
       <p:par>
@@ -20655,8 +20688,8 @@
           <a:chExt cx="0" cy="0"/>
         </a:xfrm>
       </p:grpSpPr>
-      <mc:AlternateContent xmlns:mc="http://schemas.openxmlformats.org/markup-compatibility/2006">
-        <mc:Choice xmlns:a14="http://schemas.microsoft.com/office/drawing/2010/main" Requires="a14">
+      <mc:AlternateContent xmlns:mc="http://schemas.openxmlformats.org/markup-compatibility/2006" xmlns:a14="http://schemas.microsoft.com/office/drawing/2010/main">
+        <mc:Choice Requires="a14">
           <p:sp>
             <p:nvSpPr>
               <p:cNvPr id="4" name="Title 1"/>
@@ -20811,7 +20844,7 @@
             </p:txBody>
           </p:sp>
         </mc:Choice>
-        <mc:Fallback>
+        <mc:Fallback xmlns="">
           <p:sp>
             <p:nvSpPr>
               <p:cNvPr id="4" name="Title 1"/>
@@ -21478,6 +21511,14 @@
   <p:clrMapOvr>
     <a:masterClrMapping/>
   </p:clrMapOvr>
+  <mc:AlternateContent xmlns:mc="http://schemas.openxmlformats.org/markup-compatibility/2006" xmlns:p14="http://schemas.microsoft.com/office/powerpoint/2010/main">
+    <mc:Choice Requires="p14">
+      <p:transition spd="slow" p14:dur="2000" advTm="2716"/>
+    </mc:Choice>
+    <mc:Fallback xmlns="">
+      <p:transition spd="slow" advTm="2716"/>
+    </mc:Fallback>
+  </mc:AlternateContent>
   <p:timing>
     <p:tnLst>
       <p:par>
@@ -21505,8 +21546,8 @@
           <a:chExt cx="0" cy="0"/>
         </a:xfrm>
       </p:grpSpPr>
-      <mc:AlternateContent xmlns:mc="http://schemas.openxmlformats.org/markup-compatibility/2006">
-        <mc:Choice xmlns:a14="http://schemas.microsoft.com/office/drawing/2010/main" Requires="a14">
+      <mc:AlternateContent xmlns:mc="http://schemas.openxmlformats.org/markup-compatibility/2006" xmlns:a14="http://schemas.microsoft.com/office/drawing/2010/main">
+        <mc:Choice Requires="a14">
           <p:sp>
             <p:nvSpPr>
               <p:cNvPr id="4" name="Title 1"/>
@@ -21661,7 +21702,7 @@
             </p:txBody>
           </p:sp>
         </mc:Choice>
-        <mc:Fallback>
+        <mc:Fallback xmlns="">
           <p:sp>
             <p:nvSpPr>
               <p:cNvPr id="4" name="Title 1"/>
@@ -21981,6 +22022,14 @@
   <p:clrMapOvr>
     <a:masterClrMapping/>
   </p:clrMapOvr>
+  <mc:AlternateContent xmlns:mc="http://schemas.openxmlformats.org/markup-compatibility/2006" xmlns:p14="http://schemas.microsoft.com/office/powerpoint/2010/main">
+    <mc:Choice Requires="p14">
+      <p:transition spd="slow" p14:dur="2000" advTm="426"/>
+    </mc:Choice>
+    <mc:Fallback xmlns="">
+      <p:transition spd="slow" advTm="426"/>
+    </mc:Fallback>
+  </mc:AlternateContent>
   <p:timing>
     <p:tnLst>
       <p:par>
@@ -21992,2134 +22041,6 @@
 </file>
 
 <file path=ppt/slides/slide28.xml><?xml version="1.0" encoding="utf-8"?>
-<p:sld xmlns:a="http://schemas.openxmlformats.org/drawingml/2006/main" xmlns:r="http://schemas.openxmlformats.org/officeDocument/2006/relationships" xmlns:p="http://schemas.openxmlformats.org/presentationml/2006/main">
-  <p:cSld>
-    <p:spTree>
-      <p:nvGrpSpPr>
-        <p:cNvPr id="1" name=""/>
-        <p:cNvGrpSpPr/>
-        <p:nvPr/>
-      </p:nvGrpSpPr>
-      <p:grpSpPr>
-        <a:xfrm>
-          <a:off x="0" y="0"/>
-          <a:ext cx="0" cy="0"/>
-          <a:chOff x="0" y="0"/>
-          <a:chExt cx="0" cy="0"/>
-        </a:xfrm>
-      </p:grpSpPr>
-      <mc:AlternateContent xmlns:mc="http://schemas.openxmlformats.org/markup-compatibility/2006">
-        <mc:Choice xmlns:a14="http://schemas.microsoft.com/office/drawing/2010/main" Requires="a14">
-          <p:sp>
-            <p:nvSpPr>
-              <p:cNvPr id="4" name="Title 1"/>
-              <p:cNvSpPr txBox="1">
-                <a:spLocks/>
-              </p:cNvSpPr>
-              <p:nvPr/>
-            </p:nvSpPr>
-            <p:spPr>
-              <a:xfrm>
-                <a:off x="0" y="0"/>
-                <a:ext cx="12192000" cy="751950"/>
-              </a:xfrm>
-              <a:prstGeom prst="rect">
-                <a:avLst/>
-              </a:prstGeom>
-            </p:spPr>
-            <p:txBody>
-              <a:bodyPr vert="horz" lIns="91440" tIns="45720" rIns="91440" bIns="45720" rtlCol="0" anchor="b">
-                <a:normAutofit/>
-              </a:bodyPr>
-              <a:lstStyle>
-                <a:lvl1pPr algn="ctr" defTabSz="914400" rtl="0" eaLnBrk="1" latinLnBrk="0" hangingPunct="1">
-                  <a:lnSpc>
-                    <a:spcPct val="90000"/>
-                  </a:lnSpc>
-                  <a:spcBef>
-                    <a:spcPct val="0"/>
-                  </a:spcBef>
-                  <a:buNone/>
-                  <a:defRPr sz="6000" kern="1200">
-                    <a:solidFill>
-                      <a:schemeClr val="tx1"/>
-                    </a:solidFill>
-                    <a:latin typeface="+mj-lt"/>
-                    <a:ea typeface="+mj-ea"/>
-                    <a:cs typeface="+mj-cs"/>
-                  </a:defRPr>
-                </a:lvl1pPr>
-              </a:lstStyle>
-              <a:p>
-                <a:pPr algn="l"/>
-                <a:r>
-                  <a:rPr lang="en-CA" sz="4000" b="1" dirty="0" smtClean="0">
-                    <a:latin typeface="Times New Roman" panose="02020603050405020304" pitchFamily="18" charset="0"/>
-                    <a:cs typeface="Times New Roman" panose="02020603050405020304" pitchFamily="18" charset="0"/>
-                  </a:rPr>
-                  <a:t>Phép </a:t>
-                </a:r>
-                <a:r>
-                  <a:rPr lang="en-CA" sz="4000" b="1" dirty="0" err="1" smtClean="0">
-                    <a:latin typeface="Times New Roman" panose="02020603050405020304" pitchFamily="18" charset="0"/>
-                    <a:cs typeface="Times New Roman" panose="02020603050405020304" pitchFamily="18" charset="0"/>
-                  </a:rPr>
-                  <a:t>kết</a:t>
-                </a:r>
-                <a:r>
-                  <a:rPr lang="en-CA" sz="4000" b="1" dirty="0" smtClean="0">
-                    <a:latin typeface="Times New Roman" panose="02020603050405020304" pitchFamily="18" charset="0"/>
-                    <a:cs typeface="Times New Roman" panose="02020603050405020304" pitchFamily="18" charset="0"/>
-                  </a:rPr>
-                  <a:t> </a:t>
-                </a:r>
-                <a:r>
-                  <a:rPr lang="en-CA" sz="4000" b="1" dirty="0" err="1" smtClean="0">
-                    <a:latin typeface="Times New Roman" panose="02020603050405020304" pitchFamily="18" charset="0"/>
-                    <a:cs typeface="Times New Roman" panose="02020603050405020304" pitchFamily="18" charset="0"/>
-                  </a:rPr>
-                  <a:t>bằng</a:t>
-                </a:r>
-                <a:r>
-                  <a:rPr lang="en-CA" sz="4000" b="1" dirty="0" smtClean="0">
-                    <a:latin typeface="Times New Roman" panose="02020603050405020304" pitchFamily="18" charset="0"/>
-                    <a:cs typeface="Times New Roman" panose="02020603050405020304" pitchFamily="18" charset="0"/>
-                  </a:rPr>
-                  <a:t> </a:t>
-                </a:r>
-                <a:r>
-                  <a:rPr lang="en-CA" sz="4000" dirty="0" smtClean="0">
-                    <a:latin typeface="Times New Roman" panose="02020603050405020304" pitchFamily="18" charset="0"/>
-                    <a:cs typeface="Times New Roman" panose="02020603050405020304" pitchFamily="18" charset="0"/>
-                  </a:rPr>
-                  <a:t>(</a:t>
-                </a:r>
-                <a14:m>
-                  <m:oMath xmlns:m="http://schemas.openxmlformats.org/officeDocument/2006/math">
-                    <m:r>
-                      <a:rPr lang="en-US" sz="4000" b="0" i="1" dirty="0" smtClean="0">
-                        <a:latin typeface="Cambria Math" panose="02040503050406030204" pitchFamily="18" charset="0"/>
-                        <a:cs typeface="Times New Roman" panose="02020603050405020304" pitchFamily="18" charset="0"/>
-                      </a:rPr>
-                      <m:t>𝑒</m:t>
-                    </m:r>
-                    <m:r>
-                      <m:rPr>
-                        <m:sty m:val="p"/>
-                      </m:rPr>
-                      <a:rPr lang="en-US" sz="4000" b="0" i="0" dirty="0" smtClean="0">
-                        <a:latin typeface="Cambria Math" panose="02040503050406030204" pitchFamily="18" charset="0"/>
-                        <a:cs typeface="Times New Roman" panose="02020603050405020304" pitchFamily="18" charset="0"/>
-                      </a:rPr>
-                      <m:t>qui</m:t>
-                    </m:r>
-                    <m:r>
-                      <a:rPr lang="en-US" sz="4000" b="0" i="0" dirty="0" smtClean="0">
-                        <a:latin typeface="Cambria Math" panose="02040503050406030204" pitchFamily="18" charset="0"/>
-                        <a:cs typeface="Times New Roman" panose="02020603050405020304" pitchFamily="18" charset="0"/>
-                      </a:rPr>
-                      <m:t>−</m:t>
-                    </m:r>
-                    <m:r>
-                      <m:rPr>
-                        <m:sty m:val="p"/>
-                      </m:rPr>
-                      <a:rPr lang="en-US" sz="4000" b="0" i="0">
-                        <a:latin typeface="Cambria Math" panose="02040503050406030204" pitchFamily="18" charset="0"/>
-                        <a:ea typeface="Calibri" panose="020F0502020204030204" pitchFamily="34" charset="0"/>
-                        <a:cs typeface="Times New Roman" panose="02020603050405020304" pitchFamily="18" charset="0"/>
-                      </a:rPr>
-                      <m:t>join</m:t>
-                    </m:r>
-                  </m:oMath>
-                </a14:m>
-                <a:r>
-                  <a:rPr lang="en-CA" sz="4000" dirty="0" smtClean="0">
-                    <a:latin typeface="Times New Roman" panose="02020603050405020304" pitchFamily="18" charset="0"/>
-                    <a:cs typeface="Times New Roman" panose="02020603050405020304" pitchFamily="18" charset="0"/>
-                  </a:rPr>
-                  <a:t>). </a:t>
-                </a:r>
-                <a:r>
-                  <a:rPr lang="en-CA" sz="4000" dirty="0" err="1" smtClean="0">
-                    <a:latin typeface="Times New Roman" panose="02020603050405020304" pitchFamily="18" charset="0"/>
-                    <a:cs typeface="Times New Roman" panose="02020603050405020304" pitchFamily="18" charset="0"/>
-                  </a:rPr>
-                  <a:t>Ví</a:t>
-                </a:r>
-                <a:r>
-                  <a:rPr lang="en-CA" sz="4000" dirty="0" smtClean="0">
-                    <a:latin typeface="Times New Roman" panose="02020603050405020304" pitchFamily="18" charset="0"/>
-                    <a:cs typeface="Times New Roman" panose="02020603050405020304" pitchFamily="18" charset="0"/>
-                  </a:rPr>
-                  <a:t> </a:t>
-                </a:r>
-                <a:r>
-                  <a:rPr lang="en-CA" sz="4000" dirty="0" err="1" smtClean="0">
-                    <a:latin typeface="Times New Roman" panose="02020603050405020304" pitchFamily="18" charset="0"/>
-                    <a:cs typeface="Times New Roman" panose="02020603050405020304" pitchFamily="18" charset="0"/>
-                  </a:rPr>
-                  <a:t>dụ</a:t>
-                </a:r>
-                <a:r>
-                  <a:rPr lang="en-CA" sz="4000" dirty="0" smtClean="0">
-                    <a:latin typeface="Times New Roman" panose="02020603050405020304" pitchFamily="18" charset="0"/>
-                    <a:cs typeface="Times New Roman" panose="02020603050405020304" pitchFamily="18" charset="0"/>
-                  </a:rPr>
-                  <a:t>.</a:t>
-                </a:r>
-                <a:endParaRPr lang="en-CA" sz="4000" dirty="0">
-                  <a:latin typeface="Times New Roman" panose="02020603050405020304" pitchFamily="18" charset="0"/>
-                  <a:cs typeface="Times New Roman" panose="02020603050405020304" pitchFamily="18" charset="0"/>
-                </a:endParaRPr>
-              </a:p>
-            </p:txBody>
-          </p:sp>
-        </mc:Choice>
-        <mc:Fallback>
-          <p:sp>
-            <p:nvSpPr>
-              <p:cNvPr id="4" name="Title 1"/>
-              <p:cNvSpPr txBox="1">
-                <a:spLocks noRot="1" noChangeAspect="1" noMove="1" noResize="1" noEditPoints="1" noAdjustHandles="1" noChangeArrowheads="1" noChangeShapeType="1" noTextEdit="1"/>
-              </p:cNvSpPr>
-              <p:nvPr/>
-            </p:nvSpPr>
-            <p:spPr>
-              <a:xfrm>
-                <a:off x="0" y="0"/>
-                <a:ext cx="12192000" cy="751950"/>
-              </a:xfrm>
-              <a:prstGeom prst="rect">
-                <a:avLst/>
-              </a:prstGeom>
-              <a:blipFill>
-                <a:blip r:embed="rId2"/>
-                <a:stretch>
-                  <a:fillRect l="-1750" t="-8130" b="-34959"/>
-                </a:stretch>
-              </a:blipFill>
-            </p:spPr>
-            <p:txBody>
-              <a:bodyPr/>
-              <a:lstStyle/>
-              <a:p>
-                <a:r>
-                  <a:rPr lang="en-US">
-                    <a:noFill/>
-                  </a:rPr>
-                  <a:t> </a:t>
-                </a:r>
-              </a:p>
-            </p:txBody>
-          </p:sp>
-        </mc:Fallback>
-      </mc:AlternateContent>
-      <p:sp>
-        <p:nvSpPr>
-          <p:cNvPr id="5" name="Content Placeholder 2"/>
-          <p:cNvSpPr txBox="1">
-            <a:spLocks/>
-          </p:cNvSpPr>
-          <p:nvPr/>
-        </p:nvSpPr>
-        <p:spPr>
-          <a:xfrm>
-            <a:off x="0" y="968080"/>
-            <a:ext cx="12192000" cy="6106050"/>
-          </a:xfrm>
-          <a:prstGeom prst="rect">
-            <a:avLst/>
-          </a:prstGeom>
-        </p:spPr>
-        <p:txBody>
-          <a:bodyPr vert="horz" lIns="91440" tIns="45720" rIns="91440" bIns="45720" rtlCol="0">
-            <a:normAutofit/>
-          </a:bodyPr>
-          <a:lstStyle>
-            <a:lvl1pPr marL="0" indent="0" algn="ctr" defTabSz="914400" rtl="0" eaLnBrk="1" latinLnBrk="0" hangingPunct="1">
-              <a:lnSpc>
-                <a:spcPct val="90000"/>
-              </a:lnSpc>
-              <a:spcBef>
-                <a:spcPts val="1000"/>
-              </a:spcBef>
-              <a:buFont typeface="Arial" panose="020B0604020202020204" pitchFamily="34" charset="0"/>
-              <a:buNone/>
-              <a:defRPr sz="2400" kern="1200">
-                <a:solidFill>
-                  <a:schemeClr val="tx1"/>
-                </a:solidFill>
-                <a:latin typeface="+mn-lt"/>
-                <a:ea typeface="+mn-ea"/>
-                <a:cs typeface="+mn-cs"/>
-              </a:defRPr>
-            </a:lvl1pPr>
-            <a:lvl2pPr marL="457200" indent="0" algn="ctr" defTabSz="914400" rtl="0" eaLnBrk="1" latinLnBrk="0" hangingPunct="1">
-              <a:lnSpc>
-                <a:spcPct val="90000"/>
-              </a:lnSpc>
-              <a:spcBef>
-                <a:spcPts val="500"/>
-              </a:spcBef>
-              <a:buFont typeface="Arial" panose="020B0604020202020204" pitchFamily="34" charset="0"/>
-              <a:buNone/>
-              <a:defRPr sz="2000" kern="1200">
-                <a:solidFill>
-                  <a:schemeClr val="tx1"/>
-                </a:solidFill>
-                <a:latin typeface="+mn-lt"/>
-                <a:ea typeface="+mn-ea"/>
-                <a:cs typeface="+mn-cs"/>
-              </a:defRPr>
-            </a:lvl2pPr>
-            <a:lvl3pPr marL="914400" indent="0" algn="ctr" defTabSz="914400" rtl="0" eaLnBrk="1" latinLnBrk="0" hangingPunct="1">
-              <a:lnSpc>
-                <a:spcPct val="90000"/>
-              </a:lnSpc>
-              <a:spcBef>
-                <a:spcPts val="500"/>
-              </a:spcBef>
-              <a:buFont typeface="Arial" panose="020B0604020202020204" pitchFamily="34" charset="0"/>
-              <a:buNone/>
-              <a:defRPr sz="1800" kern="1200">
-                <a:solidFill>
-                  <a:schemeClr val="tx1"/>
-                </a:solidFill>
-                <a:latin typeface="+mn-lt"/>
-                <a:ea typeface="+mn-ea"/>
-                <a:cs typeface="+mn-cs"/>
-              </a:defRPr>
-            </a:lvl3pPr>
-            <a:lvl4pPr marL="1371600" indent="0" algn="ctr" defTabSz="914400" rtl="0" eaLnBrk="1" latinLnBrk="0" hangingPunct="1">
-              <a:lnSpc>
-                <a:spcPct val="90000"/>
-              </a:lnSpc>
-              <a:spcBef>
-                <a:spcPts val="500"/>
-              </a:spcBef>
-              <a:buFont typeface="Arial" panose="020B0604020202020204" pitchFamily="34" charset="0"/>
-              <a:buNone/>
-              <a:defRPr sz="1600" kern="1200">
-                <a:solidFill>
-                  <a:schemeClr val="tx1"/>
-                </a:solidFill>
-                <a:latin typeface="+mn-lt"/>
-                <a:ea typeface="+mn-ea"/>
-                <a:cs typeface="+mn-cs"/>
-              </a:defRPr>
-            </a:lvl4pPr>
-            <a:lvl5pPr marL="1828800" indent="0" algn="ctr" defTabSz="914400" rtl="0" eaLnBrk="1" latinLnBrk="0" hangingPunct="1">
-              <a:lnSpc>
-                <a:spcPct val="90000"/>
-              </a:lnSpc>
-              <a:spcBef>
-                <a:spcPts val="500"/>
-              </a:spcBef>
-              <a:buFont typeface="Arial" panose="020B0604020202020204" pitchFamily="34" charset="0"/>
-              <a:buNone/>
-              <a:defRPr sz="1600" kern="1200">
-                <a:solidFill>
-                  <a:schemeClr val="tx1"/>
-                </a:solidFill>
-                <a:latin typeface="+mn-lt"/>
-                <a:ea typeface="+mn-ea"/>
-                <a:cs typeface="+mn-cs"/>
-              </a:defRPr>
-            </a:lvl5pPr>
-            <a:lvl6pPr marL="2286000" indent="0" algn="ctr" defTabSz="914400" rtl="0" eaLnBrk="1" latinLnBrk="0" hangingPunct="1">
-              <a:lnSpc>
-                <a:spcPct val="90000"/>
-              </a:lnSpc>
-              <a:spcBef>
-                <a:spcPts val="500"/>
-              </a:spcBef>
-              <a:buFont typeface="Arial" panose="020B0604020202020204" pitchFamily="34" charset="0"/>
-              <a:buNone/>
-              <a:defRPr sz="1600" kern="1200">
-                <a:solidFill>
-                  <a:schemeClr val="tx1"/>
-                </a:solidFill>
-                <a:latin typeface="+mn-lt"/>
-                <a:ea typeface="+mn-ea"/>
-                <a:cs typeface="+mn-cs"/>
-              </a:defRPr>
-            </a:lvl6pPr>
-            <a:lvl7pPr marL="2743200" indent="0" algn="ctr" defTabSz="914400" rtl="0" eaLnBrk="1" latinLnBrk="0" hangingPunct="1">
-              <a:lnSpc>
-                <a:spcPct val="90000"/>
-              </a:lnSpc>
-              <a:spcBef>
-                <a:spcPts val="500"/>
-              </a:spcBef>
-              <a:buFont typeface="Arial" panose="020B0604020202020204" pitchFamily="34" charset="0"/>
-              <a:buNone/>
-              <a:defRPr sz="1600" kern="1200">
-                <a:solidFill>
-                  <a:schemeClr val="tx1"/>
-                </a:solidFill>
-                <a:latin typeface="+mn-lt"/>
-                <a:ea typeface="+mn-ea"/>
-                <a:cs typeface="+mn-cs"/>
-              </a:defRPr>
-            </a:lvl7pPr>
-            <a:lvl8pPr marL="3200400" indent="0" algn="ctr" defTabSz="914400" rtl="0" eaLnBrk="1" latinLnBrk="0" hangingPunct="1">
-              <a:lnSpc>
-                <a:spcPct val="90000"/>
-              </a:lnSpc>
-              <a:spcBef>
-                <a:spcPts val="500"/>
-              </a:spcBef>
-              <a:buFont typeface="Arial" panose="020B0604020202020204" pitchFamily="34" charset="0"/>
-              <a:buNone/>
-              <a:defRPr sz="1600" kern="1200">
-                <a:solidFill>
-                  <a:schemeClr val="tx1"/>
-                </a:solidFill>
-                <a:latin typeface="+mn-lt"/>
-                <a:ea typeface="+mn-ea"/>
-                <a:cs typeface="+mn-cs"/>
-              </a:defRPr>
-            </a:lvl8pPr>
-            <a:lvl9pPr marL="3657600" indent="0" algn="ctr" defTabSz="914400" rtl="0" eaLnBrk="1" latinLnBrk="0" hangingPunct="1">
-              <a:lnSpc>
-                <a:spcPct val="90000"/>
-              </a:lnSpc>
-              <a:spcBef>
-                <a:spcPts val="500"/>
-              </a:spcBef>
-              <a:buFont typeface="Arial" panose="020B0604020202020204" pitchFamily="34" charset="0"/>
-              <a:buNone/>
-              <a:defRPr sz="1600" kern="1200">
-                <a:solidFill>
-                  <a:schemeClr val="tx1"/>
-                </a:solidFill>
-                <a:latin typeface="+mn-lt"/>
-                <a:ea typeface="+mn-ea"/>
-                <a:cs typeface="+mn-cs"/>
-              </a:defRPr>
-            </a:lvl9pPr>
-          </a:lstStyle>
-          <a:p>
-            <a:pPr lvl="1" algn="just"/>
-            <a:endParaRPr lang="en-US" sz="2800" dirty="0" smtClean="0">
-              <a:effectLst/>
-              <a:latin typeface="Times New Roman" panose="02020603050405020304" pitchFamily="18" charset="0"/>
-              <a:ea typeface="Calibri" panose="020F0502020204030204" pitchFamily="34" charset="0"/>
-            </a:endParaRPr>
-          </a:p>
-        </p:txBody>
-      </p:sp>
-      <p:pic>
-        <p:nvPicPr>
-          <p:cNvPr id="7" name="Picture 6"/>
-          <p:cNvPicPr/>
-          <p:nvPr/>
-        </p:nvPicPr>
-        <p:blipFill>
-          <a:blip r:embed="rId3">
-            <a:extLst>
-              <a:ext uri="{28A0092B-C50C-407E-A947-70E740481C1C}">
-                <a14:useLocalDpi xmlns:a14="http://schemas.microsoft.com/office/drawing/2010/main" val="0"/>
-              </a:ext>
-            </a:extLst>
-          </a:blip>
-          <a:stretch>
-            <a:fillRect/>
-          </a:stretch>
-        </p:blipFill>
-        <p:spPr>
-          <a:xfrm>
-            <a:off x="591241" y="1437409"/>
-            <a:ext cx="11013325" cy="4314998"/>
-          </a:xfrm>
-          <a:prstGeom prst="rect">
-            <a:avLst/>
-          </a:prstGeom>
-        </p:spPr>
-      </p:pic>
-      <mc:AlternateContent xmlns:mc="http://schemas.openxmlformats.org/markup-compatibility/2006">
-        <mc:Choice xmlns:p14="http://schemas.microsoft.com/office/powerpoint/2010/main" Requires="p14">
-          <p:contentPart p14:bwMode="auto" r:id="rId4">
-            <p14:nvContentPartPr>
-              <p14:cNvPr id="2" name="Ink 1"/>
-              <p14:cNvContentPartPr/>
-              <p14:nvPr/>
-            </p14:nvContentPartPr>
-            <p14:xfrm>
-              <a:off x="9150480" y="1422360"/>
-              <a:ext cx="2603880" cy="540000"/>
-            </p14:xfrm>
-          </p:contentPart>
-        </mc:Choice>
-        <mc:Fallback>
-          <p:pic>
-            <p:nvPicPr>
-              <p:cNvPr id="2" name="Ink 1"/>
-              <p:cNvPicPr/>
-              <p:nvPr/>
-            </p:nvPicPr>
-            <p:blipFill>
-              <a:blip r:embed="rId5"/>
-              <a:stretch>
-                <a:fillRect/>
-              </a:stretch>
-            </p:blipFill>
-            <p:spPr>
-              <a:xfrm>
-                <a:off x="9141120" y="1413000"/>
-                <a:ext cx="2622600" cy="558720"/>
-              </a:xfrm>
-              <a:prstGeom prst="rect">
-                <a:avLst/>
-              </a:prstGeom>
-            </p:spPr>
-          </p:pic>
-        </mc:Fallback>
-      </mc:AlternateContent>
-    </p:spTree>
-    <p:extLst>
-      <p:ext uri="{BB962C8B-B14F-4D97-AF65-F5344CB8AC3E}">
-        <p14:creationId xmlns:p14="http://schemas.microsoft.com/office/powerpoint/2010/main" val="4282888988"/>
-      </p:ext>
-    </p:extLst>
-  </p:cSld>
-  <p:clrMapOvr>
-    <a:masterClrMapping/>
-  </p:clrMapOvr>
-  <p:timing>
-    <p:tnLst>
-      <p:par>
-        <p:cTn id="1" dur="indefinite" restart="never" nodeType="tmRoot">
-          <p:childTnLst>
-            <p:seq concurrent="1" nextAc="seek">
-              <p:cTn id="2" dur="indefinite" nodeType="mainSeq">
-                <p:childTnLst>
-                  <p:par>
-                    <p:cTn id="3" fill="hold">
-                      <p:stCondLst>
-                        <p:cond delay="indefinite"/>
-                      </p:stCondLst>
-                      <p:childTnLst>
-                        <p:par>
-                          <p:cTn id="4" fill="hold">
-                            <p:stCondLst>
-                              <p:cond delay="0"/>
-                            </p:stCondLst>
-                            <p:childTnLst>
-                              <p:par>
-                                <p:cTn id="5" presetID="1" presetClass="entr" presetSubtype="0" fill="hold" nodeType="clickEffect">
-                                  <p:stCondLst>
-                                    <p:cond delay="0"/>
-                                  </p:stCondLst>
-                                  <p:childTnLst>
-                                    <p:set>
-                                      <p:cBhvr>
-                                        <p:cTn id="6" dur="1" fill="hold">
-                                          <p:stCondLst>
-                                            <p:cond delay="0"/>
-                                          </p:stCondLst>
-                                        </p:cTn>
-                                        <p:tgtEl>
-                                          <p:spTgt spid="2"/>
-                                        </p:tgtEl>
-                                        <p:attrNameLst>
-                                          <p:attrName>style.visibility</p:attrName>
-                                        </p:attrNameLst>
-                                      </p:cBhvr>
-                                      <p:to>
-                                        <p:strVal val="visible"/>
-                                      </p:to>
-                                    </p:set>
-                                  </p:childTnLst>
-                                </p:cTn>
-                              </p:par>
-                            </p:childTnLst>
-                          </p:cTn>
-                        </p:par>
-                      </p:childTnLst>
-                    </p:cTn>
-                  </p:par>
-                </p:childTnLst>
-              </p:cTn>
-              <p:prevCondLst>
-                <p:cond evt="onPrev" delay="0">
-                  <p:tgtEl>
-                    <p:sldTgt/>
-                  </p:tgtEl>
-                </p:cond>
-              </p:prevCondLst>
-              <p:nextCondLst>
-                <p:cond evt="onNext" delay="0">
-                  <p:tgtEl>
-                    <p:sldTgt/>
-                  </p:tgtEl>
-                </p:cond>
-              </p:nextCondLst>
-            </p:seq>
-          </p:childTnLst>
-        </p:cTn>
-      </p:par>
-    </p:tnLst>
-  </p:timing>
-</p:sld>
-</file>
-
-<file path=ppt/slides/slide29.xml><?xml version="1.0" encoding="utf-8"?>
-<p:sld xmlns:a="http://schemas.openxmlformats.org/drawingml/2006/main" xmlns:r="http://schemas.openxmlformats.org/officeDocument/2006/relationships" xmlns:p="http://schemas.openxmlformats.org/presentationml/2006/main">
-  <p:cSld>
-    <p:spTree>
-      <p:nvGrpSpPr>
-        <p:cNvPr id="1" name=""/>
-        <p:cNvGrpSpPr/>
-        <p:nvPr/>
-      </p:nvGrpSpPr>
-      <p:grpSpPr>
-        <a:xfrm>
-          <a:off x="0" y="0"/>
-          <a:ext cx="0" cy="0"/>
-          <a:chOff x="0" y="0"/>
-          <a:chExt cx="0" cy="0"/>
-        </a:xfrm>
-      </p:grpSpPr>
-      <mc:AlternateContent xmlns:mc="http://schemas.openxmlformats.org/markup-compatibility/2006">
-        <mc:Choice xmlns:a14="http://schemas.microsoft.com/office/drawing/2010/main" Requires="a14">
-          <p:sp>
-            <p:nvSpPr>
-              <p:cNvPr id="4" name="Title 1"/>
-              <p:cNvSpPr txBox="1">
-                <a:spLocks/>
-              </p:cNvSpPr>
-              <p:nvPr/>
-            </p:nvSpPr>
-            <p:spPr>
-              <a:xfrm>
-                <a:off x="0" y="0"/>
-                <a:ext cx="12192000" cy="751950"/>
-              </a:xfrm>
-              <a:prstGeom prst="rect">
-                <a:avLst/>
-              </a:prstGeom>
-            </p:spPr>
-            <p:txBody>
-              <a:bodyPr vert="horz" lIns="91440" tIns="45720" rIns="91440" bIns="45720" rtlCol="0" anchor="b">
-                <a:normAutofit/>
-              </a:bodyPr>
-              <a:lstStyle>
-                <a:lvl1pPr algn="ctr" defTabSz="914400" rtl="0" eaLnBrk="1" latinLnBrk="0" hangingPunct="1">
-                  <a:lnSpc>
-                    <a:spcPct val="90000"/>
-                  </a:lnSpc>
-                  <a:spcBef>
-                    <a:spcPct val="0"/>
-                  </a:spcBef>
-                  <a:buNone/>
-                  <a:defRPr sz="6000" kern="1200">
-                    <a:solidFill>
-                      <a:schemeClr val="tx1"/>
-                    </a:solidFill>
-                    <a:latin typeface="+mj-lt"/>
-                    <a:ea typeface="+mj-ea"/>
-                    <a:cs typeface="+mj-cs"/>
-                  </a:defRPr>
-                </a:lvl1pPr>
-              </a:lstStyle>
-              <a:p>
-                <a:pPr algn="l"/>
-                <a:r>
-                  <a:rPr lang="en-CA" sz="4000" b="1" dirty="0" smtClean="0">
-                    <a:latin typeface="Times New Roman" panose="02020603050405020304" pitchFamily="18" charset="0"/>
-                    <a:cs typeface="Times New Roman" panose="02020603050405020304" pitchFamily="18" charset="0"/>
-                  </a:rPr>
-                  <a:t>Phép </a:t>
-                </a:r>
-                <a:r>
-                  <a:rPr lang="en-CA" sz="4000" b="1" dirty="0" err="1" smtClean="0">
-                    <a:latin typeface="Times New Roman" panose="02020603050405020304" pitchFamily="18" charset="0"/>
-                    <a:cs typeface="Times New Roman" panose="02020603050405020304" pitchFamily="18" charset="0"/>
-                  </a:rPr>
-                  <a:t>kết</a:t>
-                </a:r>
-                <a:r>
-                  <a:rPr lang="en-CA" sz="4000" b="1" dirty="0" smtClean="0">
-                    <a:latin typeface="Times New Roman" panose="02020603050405020304" pitchFamily="18" charset="0"/>
-                    <a:cs typeface="Times New Roman" panose="02020603050405020304" pitchFamily="18" charset="0"/>
-                  </a:rPr>
-                  <a:t> </a:t>
-                </a:r>
-                <a:r>
-                  <a:rPr lang="en-CA" sz="4000" b="1" dirty="0" err="1" smtClean="0">
-                    <a:latin typeface="Times New Roman" panose="02020603050405020304" pitchFamily="18" charset="0"/>
-                    <a:cs typeface="Times New Roman" panose="02020603050405020304" pitchFamily="18" charset="0"/>
-                  </a:rPr>
-                  <a:t>tự</a:t>
-                </a:r>
-                <a:r>
-                  <a:rPr lang="en-CA" sz="4000" b="1" dirty="0" smtClean="0">
-                    <a:latin typeface="Times New Roman" panose="02020603050405020304" pitchFamily="18" charset="0"/>
-                    <a:cs typeface="Times New Roman" panose="02020603050405020304" pitchFamily="18" charset="0"/>
-                  </a:rPr>
-                  <a:t> </a:t>
-                </a:r>
-                <a:r>
-                  <a:rPr lang="en-CA" sz="4000" b="1" dirty="0" err="1" smtClean="0">
-                    <a:latin typeface="Times New Roman" panose="02020603050405020304" pitchFamily="18" charset="0"/>
-                    <a:cs typeface="Times New Roman" panose="02020603050405020304" pitchFamily="18" charset="0"/>
-                  </a:rPr>
-                  <a:t>nhiên</a:t>
-                </a:r>
-                <a:r>
-                  <a:rPr lang="en-CA" sz="4000" b="1" dirty="0" smtClean="0">
-                    <a:latin typeface="Times New Roman" panose="02020603050405020304" pitchFamily="18" charset="0"/>
-                    <a:cs typeface="Times New Roman" panose="02020603050405020304" pitchFamily="18" charset="0"/>
-                  </a:rPr>
-                  <a:t> (</a:t>
-                </a:r>
-                <a14:m>
-                  <m:oMath xmlns:m="http://schemas.openxmlformats.org/officeDocument/2006/math">
-                    <m:r>
-                      <m:rPr>
-                        <m:sty m:val="p"/>
-                      </m:rPr>
-                      <a:rPr lang="en-US" sz="4000" b="0" i="0" dirty="0" smtClean="0">
-                        <a:latin typeface="Cambria Math" panose="02040503050406030204" pitchFamily="18" charset="0"/>
-                        <a:cs typeface="Times New Roman" panose="02020603050405020304" pitchFamily="18" charset="0"/>
-                      </a:rPr>
-                      <m:t>natural</m:t>
-                    </m:r>
-                    <m:r>
-                      <a:rPr lang="en-US" sz="4000" b="0" i="0" dirty="0" smtClean="0">
-                        <a:latin typeface="Cambria Math" panose="02040503050406030204" pitchFamily="18" charset="0"/>
-                        <a:cs typeface="Times New Roman" panose="02020603050405020304" pitchFamily="18" charset="0"/>
-                      </a:rPr>
-                      <m:t>−</m:t>
-                    </m:r>
-                    <m:r>
-                      <m:rPr>
-                        <m:sty m:val="p"/>
-                      </m:rPr>
-                      <a:rPr lang="en-US" sz="4000" b="0" i="0">
-                        <a:latin typeface="Cambria Math" panose="02040503050406030204" pitchFamily="18" charset="0"/>
-                        <a:ea typeface="Calibri" panose="020F0502020204030204" pitchFamily="34" charset="0"/>
-                        <a:cs typeface="Times New Roman" panose="02020603050405020304" pitchFamily="18" charset="0"/>
-                      </a:rPr>
-                      <m:t>join</m:t>
-                    </m:r>
-                  </m:oMath>
-                </a14:m>
-                <a:r>
-                  <a:rPr lang="en-CA" sz="4000" b="1" dirty="0" smtClean="0">
-                    <a:latin typeface="Times New Roman" panose="02020603050405020304" pitchFamily="18" charset="0"/>
-                    <a:cs typeface="Times New Roman" panose="02020603050405020304" pitchFamily="18" charset="0"/>
-                  </a:rPr>
-                  <a:t>). </a:t>
-                </a:r>
-                <a:r>
-                  <a:rPr lang="en-CA" sz="4000" b="1" dirty="0" err="1" smtClean="0">
-                    <a:latin typeface="Times New Roman" panose="02020603050405020304" pitchFamily="18" charset="0"/>
-                    <a:cs typeface="Times New Roman" panose="02020603050405020304" pitchFamily="18" charset="0"/>
-                  </a:rPr>
-                  <a:t>Ví</a:t>
-                </a:r>
-                <a:r>
-                  <a:rPr lang="en-CA" sz="4000" b="1" dirty="0" smtClean="0">
-                    <a:latin typeface="Times New Roman" panose="02020603050405020304" pitchFamily="18" charset="0"/>
-                    <a:cs typeface="Times New Roman" panose="02020603050405020304" pitchFamily="18" charset="0"/>
-                  </a:rPr>
-                  <a:t> </a:t>
-                </a:r>
-                <a:r>
-                  <a:rPr lang="en-CA" sz="4000" b="1" dirty="0" err="1" smtClean="0">
-                    <a:latin typeface="Times New Roman" panose="02020603050405020304" pitchFamily="18" charset="0"/>
-                    <a:cs typeface="Times New Roman" panose="02020603050405020304" pitchFamily="18" charset="0"/>
-                  </a:rPr>
-                  <a:t>dụ</a:t>
-                </a:r>
-                <a:r>
-                  <a:rPr lang="en-CA" sz="4000" b="1" dirty="0" smtClean="0">
-                    <a:latin typeface="Times New Roman" panose="02020603050405020304" pitchFamily="18" charset="0"/>
-                    <a:cs typeface="Times New Roman" panose="02020603050405020304" pitchFamily="18" charset="0"/>
-                  </a:rPr>
-                  <a:t>.</a:t>
-                </a:r>
-                <a:endParaRPr lang="en-CA" sz="4000" b="1" dirty="0">
-                  <a:latin typeface="Times New Roman" panose="02020603050405020304" pitchFamily="18" charset="0"/>
-                  <a:cs typeface="Times New Roman" panose="02020603050405020304" pitchFamily="18" charset="0"/>
-                </a:endParaRPr>
-              </a:p>
-            </p:txBody>
-          </p:sp>
-        </mc:Choice>
-        <mc:Fallback>
-          <p:sp>
-            <p:nvSpPr>
-              <p:cNvPr id="4" name="Title 1"/>
-              <p:cNvSpPr txBox="1">
-                <a:spLocks noRot="1" noChangeAspect="1" noMove="1" noResize="1" noEditPoints="1" noAdjustHandles="1" noChangeArrowheads="1" noChangeShapeType="1" noTextEdit="1"/>
-              </p:cNvSpPr>
-              <p:nvPr/>
-            </p:nvSpPr>
-            <p:spPr>
-              <a:xfrm>
-                <a:off x="0" y="0"/>
-                <a:ext cx="12192000" cy="751950"/>
-              </a:xfrm>
-              <a:prstGeom prst="rect">
-                <a:avLst/>
-              </a:prstGeom>
-              <a:blipFill>
-                <a:blip r:embed="rId2"/>
-                <a:stretch>
-                  <a:fillRect l="-1750" t="-8130" b="-34959"/>
-                </a:stretch>
-              </a:blipFill>
-            </p:spPr>
-            <p:txBody>
-              <a:bodyPr/>
-              <a:lstStyle/>
-              <a:p>
-                <a:r>
-                  <a:rPr lang="en-US">
-                    <a:noFill/>
-                  </a:rPr>
-                  <a:t> </a:t>
-                </a:r>
-              </a:p>
-            </p:txBody>
-          </p:sp>
-        </mc:Fallback>
-      </mc:AlternateContent>
-      <p:sp>
-        <p:nvSpPr>
-          <p:cNvPr id="5" name="Content Placeholder 2"/>
-          <p:cNvSpPr txBox="1">
-            <a:spLocks/>
-          </p:cNvSpPr>
-          <p:nvPr/>
-        </p:nvSpPr>
-        <p:spPr>
-          <a:xfrm>
-            <a:off x="0" y="751950"/>
-            <a:ext cx="12192000" cy="6106050"/>
-          </a:xfrm>
-          <a:prstGeom prst="rect">
-            <a:avLst/>
-          </a:prstGeom>
-        </p:spPr>
-        <p:txBody>
-          <a:bodyPr vert="horz" lIns="91440" tIns="45720" rIns="91440" bIns="45720" rtlCol="0">
-            <a:normAutofit/>
-          </a:bodyPr>
-          <a:lstStyle>
-            <a:lvl1pPr marL="0" indent="0" algn="ctr" defTabSz="914400" rtl="0" eaLnBrk="1" latinLnBrk="0" hangingPunct="1">
-              <a:lnSpc>
-                <a:spcPct val="90000"/>
-              </a:lnSpc>
-              <a:spcBef>
-                <a:spcPts val="1000"/>
-              </a:spcBef>
-              <a:buFont typeface="Arial" panose="020B0604020202020204" pitchFamily="34" charset="0"/>
-              <a:buNone/>
-              <a:defRPr sz="2400" kern="1200">
-                <a:solidFill>
-                  <a:schemeClr val="tx1"/>
-                </a:solidFill>
-                <a:latin typeface="+mn-lt"/>
-                <a:ea typeface="+mn-ea"/>
-                <a:cs typeface="+mn-cs"/>
-              </a:defRPr>
-            </a:lvl1pPr>
-            <a:lvl2pPr marL="457200" indent="0" algn="ctr" defTabSz="914400" rtl="0" eaLnBrk="1" latinLnBrk="0" hangingPunct="1">
-              <a:lnSpc>
-                <a:spcPct val="90000"/>
-              </a:lnSpc>
-              <a:spcBef>
-                <a:spcPts val="500"/>
-              </a:spcBef>
-              <a:buFont typeface="Arial" panose="020B0604020202020204" pitchFamily="34" charset="0"/>
-              <a:buNone/>
-              <a:defRPr sz="2000" kern="1200">
-                <a:solidFill>
-                  <a:schemeClr val="tx1"/>
-                </a:solidFill>
-                <a:latin typeface="+mn-lt"/>
-                <a:ea typeface="+mn-ea"/>
-                <a:cs typeface="+mn-cs"/>
-              </a:defRPr>
-            </a:lvl2pPr>
-            <a:lvl3pPr marL="914400" indent="0" algn="ctr" defTabSz="914400" rtl="0" eaLnBrk="1" latinLnBrk="0" hangingPunct="1">
-              <a:lnSpc>
-                <a:spcPct val="90000"/>
-              </a:lnSpc>
-              <a:spcBef>
-                <a:spcPts val="500"/>
-              </a:spcBef>
-              <a:buFont typeface="Arial" panose="020B0604020202020204" pitchFamily="34" charset="0"/>
-              <a:buNone/>
-              <a:defRPr sz="1800" kern="1200">
-                <a:solidFill>
-                  <a:schemeClr val="tx1"/>
-                </a:solidFill>
-                <a:latin typeface="+mn-lt"/>
-                <a:ea typeface="+mn-ea"/>
-                <a:cs typeface="+mn-cs"/>
-              </a:defRPr>
-            </a:lvl3pPr>
-            <a:lvl4pPr marL="1371600" indent="0" algn="ctr" defTabSz="914400" rtl="0" eaLnBrk="1" latinLnBrk="0" hangingPunct="1">
-              <a:lnSpc>
-                <a:spcPct val="90000"/>
-              </a:lnSpc>
-              <a:spcBef>
-                <a:spcPts val="500"/>
-              </a:spcBef>
-              <a:buFont typeface="Arial" panose="020B0604020202020204" pitchFamily="34" charset="0"/>
-              <a:buNone/>
-              <a:defRPr sz="1600" kern="1200">
-                <a:solidFill>
-                  <a:schemeClr val="tx1"/>
-                </a:solidFill>
-                <a:latin typeface="+mn-lt"/>
-                <a:ea typeface="+mn-ea"/>
-                <a:cs typeface="+mn-cs"/>
-              </a:defRPr>
-            </a:lvl4pPr>
-            <a:lvl5pPr marL="1828800" indent="0" algn="ctr" defTabSz="914400" rtl="0" eaLnBrk="1" latinLnBrk="0" hangingPunct="1">
-              <a:lnSpc>
-                <a:spcPct val="90000"/>
-              </a:lnSpc>
-              <a:spcBef>
-                <a:spcPts val="500"/>
-              </a:spcBef>
-              <a:buFont typeface="Arial" panose="020B0604020202020204" pitchFamily="34" charset="0"/>
-              <a:buNone/>
-              <a:defRPr sz="1600" kern="1200">
-                <a:solidFill>
-                  <a:schemeClr val="tx1"/>
-                </a:solidFill>
-                <a:latin typeface="+mn-lt"/>
-                <a:ea typeface="+mn-ea"/>
-                <a:cs typeface="+mn-cs"/>
-              </a:defRPr>
-            </a:lvl5pPr>
-            <a:lvl6pPr marL="2286000" indent="0" algn="ctr" defTabSz="914400" rtl="0" eaLnBrk="1" latinLnBrk="0" hangingPunct="1">
-              <a:lnSpc>
-                <a:spcPct val="90000"/>
-              </a:lnSpc>
-              <a:spcBef>
-                <a:spcPts val="500"/>
-              </a:spcBef>
-              <a:buFont typeface="Arial" panose="020B0604020202020204" pitchFamily="34" charset="0"/>
-              <a:buNone/>
-              <a:defRPr sz="1600" kern="1200">
-                <a:solidFill>
-                  <a:schemeClr val="tx1"/>
-                </a:solidFill>
-                <a:latin typeface="+mn-lt"/>
-                <a:ea typeface="+mn-ea"/>
-                <a:cs typeface="+mn-cs"/>
-              </a:defRPr>
-            </a:lvl6pPr>
-            <a:lvl7pPr marL="2743200" indent="0" algn="ctr" defTabSz="914400" rtl="0" eaLnBrk="1" latinLnBrk="0" hangingPunct="1">
-              <a:lnSpc>
-                <a:spcPct val="90000"/>
-              </a:lnSpc>
-              <a:spcBef>
-                <a:spcPts val="500"/>
-              </a:spcBef>
-              <a:buFont typeface="Arial" panose="020B0604020202020204" pitchFamily="34" charset="0"/>
-              <a:buNone/>
-              <a:defRPr sz="1600" kern="1200">
-                <a:solidFill>
-                  <a:schemeClr val="tx1"/>
-                </a:solidFill>
-                <a:latin typeface="+mn-lt"/>
-                <a:ea typeface="+mn-ea"/>
-                <a:cs typeface="+mn-cs"/>
-              </a:defRPr>
-            </a:lvl7pPr>
-            <a:lvl8pPr marL="3200400" indent="0" algn="ctr" defTabSz="914400" rtl="0" eaLnBrk="1" latinLnBrk="0" hangingPunct="1">
-              <a:lnSpc>
-                <a:spcPct val="90000"/>
-              </a:lnSpc>
-              <a:spcBef>
-                <a:spcPts val="500"/>
-              </a:spcBef>
-              <a:buFont typeface="Arial" panose="020B0604020202020204" pitchFamily="34" charset="0"/>
-              <a:buNone/>
-              <a:defRPr sz="1600" kern="1200">
-                <a:solidFill>
-                  <a:schemeClr val="tx1"/>
-                </a:solidFill>
-                <a:latin typeface="+mn-lt"/>
-                <a:ea typeface="+mn-ea"/>
-                <a:cs typeface="+mn-cs"/>
-              </a:defRPr>
-            </a:lvl8pPr>
-            <a:lvl9pPr marL="3657600" indent="0" algn="ctr" defTabSz="914400" rtl="0" eaLnBrk="1" latinLnBrk="0" hangingPunct="1">
-              <a:lnSpc>
-                <a:spcPct val="90000"/>
-              </a:lnSpc>
-              <a:spcBef>
-                <a:spcPts val="500"/>
-              </a:spcBef>
-              <a:buFont typeface="Arial" panose="020B0604020202020204" pitchFamily="34" charset="0"/>
-              <a:buNone/>
-              <a:defRPr sz="1600" kern="1200">
-                <a:solidFill>
-                  <a:schemeClr val="tx1"/>
-                </a:solidFill>
-                <a:latin typeface="+mn-lt"/>
-                <a:ea typeface="+mn-ea"/>
-                <a:cs typeface="+mn-cs"/>
-              </a:defRPr>
-            </a:lvl9pPr>
-          </a:lstStyle>
-          <a:p>
-            <a:pPr marL="914400" lvl="1" indent="-457200" algn="just">
-              <a:buFont typeface="Courier New" panose="02070309020205020404" pitchFamily="49" charset="0"/>
-              <a:buChar char="o"/>
-            </a:pPr>
-            <a:endParaRPr lang="en-US" sz="2800" dirty="0" smtClean="0">
-              <a:effectLst/>
-              <a:latin typeface="Times New Roman" panose="02020603050405020304" pitchFamily="18" charset="0"/>
-              <a:ea typeface="Calibri" panose="020F0502020204030204" pitchFamily="34" charset="0"/>
-            </a:endParaRPr>
-          </a:p>
-        </p:txBody>
-      </p:sp>
-      <p:pic>
-        <p:nvPicPr>
-          <p:cNvPr id="6" name="Picture 5"/>
-          <p:cNvPicPr/>
-          <p:nvPr/>
-        </p:nvPicPr>
-        <p:blipFill>
-          <a:blip r:embed="rId3">
-            <a:extLst>
-              <a:ext uri="{28A0092B-C50C-407E-A947-70E740481C1C}">
-                <a14:useLocalDpi xmlns:a14="http://schemas.microsoft.com/office/drawing/2010/main" val="0"/>
-              </a:ext>
-            </a:extLst>
-          </a:blip>
-          <a:stretch>
-            <a:fillRect/>
-          </a:stretch>
-        </p:blipFill>
-        <p:spPr>
-          <a:xfrm>
-            <a:off x="308609" y="971897"/>
-            <a:ext cx="11379085" cy="5229398"/>
-          </a:xfrm>
-          <a:prstGeom prst="rect">
-            <a:avLst/>
-          </a:prstGeom>
-        </p:spPr>
-      </p:pic>
-    </p:spTree>
-    <p:extLst>
-      <p:ext uri="{BB962C8B-B14F-4D97-AF65-F5344CB8AC3E}">
-        <p14:creationId xmlns:p14="http://schemas.microsoft.com/office/powerpoint/2010/main" val="3855736533"/>
-      </p:ext>
-    </p:extLst>
-  </p:cSld>
-  <p:clrMapOvr>
-    <a:masterClrMapping/>
-  </p:clrMapOvr>
-  <p:timing>
-    <p:tnLst>
-      <p:par>
-        <p:cTn id="1" dur="indefinite" restart="never" nodeType="tmRoot"/>
-      </p:par>
-    </p:tnLst>
-  </p:timing>
-</p:sld>
-</file>
-
-<file path=ppt/slides/slide3.xml><?xml version="1.0" encoding="utf-8"?>
-<p:sld xmlns:a="http://schemas.openxmlformats.org/drawingml/2006/main" xmlns:r="http://schemas.openxmlformats.org/officeDocument/2006/relationships" xmlns:p="http://schemas.openxmlformats.org/presentationml/2006/main">
-  <p:cSld>
-    <p:spTree>
-      <p:nvGrpSpPr>
-        <p:cNvPr id="1" name=""/>
-        <p:cNvGrpSpPr/>
-        <p:nvPr/>
-      </p:nvGrpSpPr>
-      <p:grpSpPr>
-        <a:xfrm>
-          <a:off x="0" y="0"/>
-          <a:ext cx="0" cy="0"/>
-          <a:chOff x="0" y="0"/>
-          <a:chExt cx="0" cy="0"/>
-        </a:xfrm>
-      </p:grpSpPr>
-      <p:sp>
-        <p:nvSpPr>
-          <p:cNvPr id="4" name="Title 1"/>
-          <p:cNvSpPr txBox="1">
-            <a:spLocks/>
-          </p:cNvSpPr>
-          <p:nvPr/>
-        </p:nvSpPr>
-        <p:spPr>
-          <a:xfrm>
-            <a:off x="0" y="0"/>
-            <a:ext cx="12192000" cy="751950"/>
-          </a:xfrm>
-          <a:prstGeom prst="rect">
-            <a:avLst/>
-          </a:prstGeom>
-        </p:spPr>
-        <p:txBody>
-          <a:bodyPr vert="horz" lIns="91440" tIns="45720" rIns="91440" bIns="45720" rtlCol="0" anchor="b">
-            <a:normAutofit/>
-          </a:bodyPr>
-          <a:lstStyle>
-            <a:lvl1pPr algn="ctr" defTabSz="914400" rtl="0" eaLnBrk="1" latinLnBrk="0" hangingPunct="1">
-              <a:lnSpc>
-                <a:spcPct val="90000"/>
-              </a:lnSpc>
-              <a:spcBef>
-                <a:spcPct val="0"/>
-              </a:spcBef>
-              <a:buNone/>
-              <a:defRPr sz="6000" kern="1200">
-                <a:solidFill>
-                  <a:schemeClr val="tx1"/>
-                </a:solidFill>
-                <a:latin typeface="+mj-lt"/>
-                <a:ea typeface="+mj-ea"/>
-                <a:cs typeface="+mj-cs"/>
-              </a:defRPr>
-            </a:lvl1pPr>
-          </a:lstStyle>
-          <a:p>
-            <a:pPr algn="l"/>
-            <a:r>
-              <a:rPr lang="en-CA" sz="4000" b="1" dirty="0" err="1" smtClean="0">
-                <a:latin typeface="Times New Roman" panose="02020603050405020304" pitchFamily="18" charset="0"/>
-                <a:cs typeface="Times New Roman" panose="02020603050405020304" pitchFamily="18" charset="0"/>
-              </a:rPr>
-              <a:t>Phép</a:t>
-            </a:r>
-            <a:r>
-              <a:rPr lang="en-CA" sz="4000" b="1" dirty="0" smtClean="0">
-                <a:latin typeface="Times New Roman" panose="02020603050405020304" pitchFamily="18" charset="0"/>
-                <a:cs typeface="Times New Roman" panose="02020603050405020304" pitchFamily="18" charset="0"/>
-              </a:rPr>
-              <a:t> </a:t>
-            </a:r>
-            <a:r>
-              <a:rPr lang="en-CA" sz="4000" b="1" dirty="0" err="1" smtClean="0">
-                <a:latin typeface="Times New Roman" panose="02020603050405020304" pitchFamily="18" charset="0"/>
-                <a:cs typeface="Times New Roman" panose="02020603050405020304" pitchFamily="18" charset="0"/>
-              </a:rPr>
-              <a:t>chọn</a:t>
-            </a:r>
-            <a:r>
-              <a:rPr lang="en-CA" sz="4000" b="1" dirty="0" smtClean="0">
-                <a:latin typeface="Times New Roman" panose="02020603050405020304" pitchFamily="18" charset="0"/>
-                <a:cs typeface="Times New Roman" panose="02020603050405020304" pitchFamily="18" charset="0"/>
-              </a:rPr>
-              <a:t> (Selection </a:t>
-            </a:r>
-            <a:r>
-              <a:rPr lang="en-US" sz="4000" b="1" dirty="0">
-                <a:latin typeface="Times New Roman" panose="02020603050405020304" pitchFamily="18" charset="0"/>
-                <a:cs typeface="Times New Roman" panose="02020603050405020304" pitchFamily="18" charset="0"/>
-              </a:rPr>
-              <a:t>σ</a:t>
-            </a:r>
-            <a:r>
-              <a:rPr lang="en-CA" sz="4000" b="1" dirty="0" smtClean="0">
-                <a:latin typeface="Times New Roman" panose="02020603050405020304" pitchFamily="18" charset="0"/>
-                <a:cs typeface="Times New Roman" panose="02020603050405020304" pitchFamily="18" charset="0"/>
-              </a:rPr>
-              <a:t>)</a:t>
-            </a:r>
-            <a:endParaRPr lang="en-CA" sz="4000" b="1" dirty="0">
-              <a:latin typeface="Times New Roman" panose="02020603050405020304" pitchFamily="18" charset="0"/>
-              <a:cs typeface="Times New Roman" panose="02020603050405020304" pitchFamily="18" charset="0"/>
-            </a:endParaRPr>
-          </a:p>
-        </p:txBody>
-      </p:sp>
-      <mc:AlternateContent xmlns:mc="http://schemas.openxmlformats.org/markup-compatibility/2006">
-        <mc:Choice xmlns:a14="http://schemas.microsoft.com/office/drawing/2010/main" Requires="a14">
-          <p:sp>
-            <p:nvSpPr>
-              <p:cNvPr id="5" name="Content Placeholder 2"/>
-              <p:cNvSpPr txBox="1">
-                <a:spLocks/>
-              </p:cNvSpPr>
-              <p:nvPr/>
-            </p:nvSpPr>
-            <p:spPr>
-              <a:xfrm>
-                <a:off x="0" y="751950"/>
-                <a:ext cx="12192000" cy="6106050"/>
-              </a:xfrm>
-              <a:prstGeom prst="rect">
-                <a:avLst/>
-              </a:prstGeom>
-            </p:spPr>
-            <p:txBody>
-              <a:bodyPr vert="horz" lIns="91440" tIns="45720" rIns="91440" bIns="45720" rtlCol="0">
-                <a:normAutofit/>
-              </a:bodyPr>
-              <a:lstStyle>
-                <a:lvl1pPr marL="0" indent="0" algn="ctr" defTabSz="914400" rtl="0" eaLnBrk="1" latinLnBrk="0" hangingPunct="1">
-                  <a:lnSpc>
-                    <a:spcPct val="90000"/>
-                  </a:lnSpc>
-                  <a:spcBef>
-                    <a:spcPts val="1000"/>
-                  </a:spcBef>
-                  <a:buFont typeface="Arial" panose="020B0604020202020204" pitchFamily="34" charset="0"/>
-                  <a:buNone/>
-                  <a:defRPr sz="2400" kern="1200">
-                    <a:solidFill>
-                      <a:schemeClr val="tx1"/>
-                    </a:solidFill>
-                    <a:latin typeface="+mn-lt"/>
-                    <a:ea typeface="+mn-ea"/>
-                    <a:cs typeface="+mn-cs"/>
-                  </a:defRPr>
-                </a:lvl1pPr>
-                <a:lvl2pPr marL="457200" indent="0" algn="ctr" defTabSz="914400" rtl="0" eaLnBrk="1" latinLnBrk="0" hangingPunct="1">
-                  <a:lnSpc>
-                    <a:spcPct val="90000"/>
-                  </a:lnSpc>
-                  <a:spcBef>
-                    <a:spcPts val="500"/>
-                  </a:spcBef>
-                  <a:buFont typeface="Arial" panose="020B0604020202020204" pitchFamily="34" charset="0"/>
-                  <a:buNone/>
-                  <a:defRPr sz="2000" kern="1200">
-                    <a:solidFill>
-                      <a:schemeClr val="tx1"/>
-                    </a:solidFill>
-                    <a:latin typeface="+mn-lt"/>
-                    <a:ea typeface="+mn-ea"/>
-                    <a:cs typeface="+mn-cs"/>
-                  </a:defRPr>
-                </a:lvl2pPr>
-                <a:lvl3pPr marL="914400" indent="0" algn="ctr" defTabSz="914400" rtl="0" eaLnBrk="1" latinLnBrk="0" hangingPunct="1">
-                  <a:lnSpc>
-                    <a:spcPct val="90000"/>
-                  </a:lnSpc>
-                  <a:spcBef>
-                    <a:spcPts val="500"/>
-                  </a:spcBef>
-                  <a:buFont typeface="Arial" panose="020B0604020202020204" pitchFamily="34" charset="0"/>
-                  <a:buNone/>
-                  <a:defRPr sz="1800" kern="1200">
-                    <a:solidFill>
-                      <a:schemeClr val="tx1"/>
-                    </a:solidFill>
-                    <a:latin typeface="+mn-lt"/>
-                    <a:ea typeface="+mn-ea"/>
-                    <a:cs typeface="+mn-cs"/>
-                  </a:defRPr>
-                </a:lvl3pPr>
-                <a:lvl4pPr marL="1371600" indent="0" algn="ctr" defTabSz="914400" rtl="0" eaLnBrk="1" latinLnBrk="0" hangingPunct="1">
-                  <a:lnSpc>
-                    <a:spcPct val="90000"/>
-                  </a:lnSpc>
-                  <a:spcBef>
-                    <a:spcPts val="500"/>
-                  </a:spcBef>
-                  <a:buFont typeface="Arial" panose="020B0604020202020204" pitchFamily="34" charset="0"/>
-                  <a:buNone/>
-                  <a:defRPr sz="1600" kern="1200">
-                    <a:solidFill>
-                      <a:schemeClr val="tx1"/>
-                    </a:solidFill>
-                    <a:latin typeface="+mn-lt"/>
-                    <a:ea typeface="+mn-ea"/>
-                    <a:cs typeface="+mn-cs"/>
-                  </a:defRPr>
-                </a:lvl4pPr>
-                <a:lvl5pPr marL="1828800" indent="0" algn="ctr" defTabSz="914400" rtl="0" eaLnBrk="1" latinLnBrk="0" hangingPunct="1">
-                  <a:lnSpc>
-                    <a:spcPct val="90000"/>
-                  </a:lnSpc>
-                  <a:spcBef>
-                    <a:spcPts val="500"/>
-                  </a:spcBef>
-                  <a:buFont typeface="Arial" panose="020B0604020202020204" pitchFamily="34" charset="0"/>
-                  <a:buNone/>
-                  <a:defRPr sz="1600" kern="1200">
-                    <a:solidFill>
-                      <a:schemeClr val="tx1"/>
-                    </a:solidFill>
-                    <a:latin typeface="+mn-lt"/>
-                    <a:ea typeface="+mn-ea"/>
-                    <a:cs typeface="+mn-cs"/>
-                  </a:defRPr>
-                </a:lvl5pPr>
-                <a:lvl6pPr marL="2286000" indent="0" algn="ctr" defTabSz="914400" rtl="0" eaLnBrk="1" latinLnBrk="0" hangingPunct="1">
-                  <a:lnSpc>
-                    <a:spcPct val="90000"/>
-                  </a:lnSpc>
-                  <a:spcBef>
-                    <a:spcPts val="500"/>
-                  </a:spcBef>
-                  <a:buFont typeface="Arial" panose="020B0604020202020204" pitchFamily="34" charset="0"/>
-                  <a:buNone/>
-                  <a:defRPr sz="1600" kern="1200">
-                    <a:solidFill>
-                      <a:schemeClr val="tx1"/>
-                    </a:solidFill>
-                    <a:latin typeface="+mn-lt"/>
-                    <a:ea typeface="+mn-ea"/>
-                    <a:cs typeface="+mn-cs"/>
-                  </a:defRPr>
-                </a:lvl6pPr>
-                <a:lvl7pPr marL="2743200" indent="0" algn="ctr" defTabSz="914400" rtl="0" eaLnBrk="1" latinLnBrk="0" hangingPunct="1">
-                  <a:lnSpc>
-                    <a:spcPct val="90000"/>
-                  </a:lnSpc>
-                  <a:spcBef>
-                    <a:spcPts val="500"/>
-                  </a:spcBef>
-                  <a:buFont typeface="Arial" panose="020B0604020202020204" pitchFamily="34" charset="0"/>
-                  <a:buNone/>
-                  <a:defRPr sz="1600" kern="1200">
-                    <a:solidFill>
-                      <a:schemeClr val="tx1"/>
-                    </a:solidFill>
-                    <a:latin typeface="+mn-lt"/>
-                    <a:ea typeface="+mn-ea"/>
-                    <a:cs typeface="+mn-cs"/>
-                  </a:defRPr>
-                </a:lvl7pPr>
-                <a:lvl8pPr marL="3200400" indent="0" algn="ctr" defTabSz="914400" rtl="0" eaLnBrk="1" latinLnBrk="0" hangingPunct="1">
-                  <a:lnSpc>
-                    <a:spcPct val="90000"/>
-                  </a:lnSpc>
-                  <a:spcBef>
-                    <a:spcPts val="500"/>
-                  </a:spcBef>
-                  <a:buFont typeface="Arial" panose="020B0604020202020204" pitchFamily="34" charset="0"/>
-                  <a:buNone/>
-                  <a:defRPr sz="1600" kern="1200">
-                    <a:solidFill>
-                      <a:schemeClr val="tx1"/>
-                    </a:solidFill>
-                    <a:latin typeface="+mn-lt"/>
-                    <a:ea typeface="+mn-ea"/>
-                    <a:cs typeface="+mn-cs"/>
-                  </a:defRPr>
-                </a:lvl8pPr>
-                <a:lvl9pPr marL="3657600" indent="0" algn="ctr" defTabSz="914400" rtl="0" eaLnBrk="1" latinLnBrk="0" hangingPunct="1">
-                  <a:lnSpc>
-                    <a:spcPct val="90000"/>
-                  </a:lnSpc>
-                  <a:spcBef>
-                    <a:spcPts val="500"/>
-                  </a:spcBef>
-                  <a:buFont typeface="Arial" panose="020B0604020202020204" pitchFamily="34" charset="0"/>
-                  <a:buNone/>
-                  <a:defRPr sz="1600" kern="1200">
-                    <a:solidFill>
-                      <a:schemeClr val="tx1"/>
-                    </a:solidFill>
-                    <a:latin typeface="+mn-lt"/>
-                    <a:ea typeface="+mn-ea"/>
-                    <a:cs typeface="+mn-cs"/>
-                  </a:defRPr>
-                </a:lvl9pPr>
-              </a:lstStyle>
-              <a:p>
-                <a:pPr lvl="0"/>
-                <a:endParaRPr lang="en-US" sz="2600" dirty="0" smtClean="0">
-                  <a:latin typeface="Times New Roman" panose="02020603050405020304" pitchFamily="18" charset="0"/>
-                  <a:cs typeface="Times New Roman" panose="02020603050405020304" pitchFamily="18" charset="0"/>
-                </a:endParaRPr>
-              </a:p>
-              <a:p>
-                <a:pPr lvl="0" algn="l"/>
-                <a:r>
-                  <a:rPr lang="en-US" sz="2600" dirty="0" smtClean="0">
-                    <a:latin typeface="Times New Roman" panose="02020603050405020304" pitchFamily="18" charset="0"/>
-                    <a:cs typeface="Times New Roman" panose="02020603050405020304" pitchFamily="18" charset="0"/>
-                  </a:rPr>
-                  <a:t>	</a:t>
-                </a:r>
-              </a:p>
-              <a:p>
-                <a:pPr lvl="0" algn="l"/>
-                <a:r>
-                  <a:rPr lang="en-US" sz="2600" dirty="0">
-                    <a:latin typeface="Times New Roman" panose="02020603050405020304" pitchFamily="18" charset="0"/>
-                    <a:cs typeface="Times New Roman" panose="02020603050405020304" pitchFamily="18" charset="0"/>
-                  </a:rPr>
-                  <a:t>	</a:t>
-                </a:r>
-                <a:r>
-                  <a:rPr lang="en-US" sz="2600" dirty="0" err="1" smtClean="0">
-                    <a:latin typeface="Times New Roman" panose="02020603050405020304" pitchFamily="18" charset="0"/>
-                    <a:cs typeface="Times New Roman" panose="02020603050405020304" pitchFamily="18" charset="0"/>
-                  </a:rPr>
-                  <a:t>Chọn</a:t>
-                </a:r>
-                <a:r>
-                  <a:rPr lang="en-US" sz="2600" dirty="0" smtClean="0">
-                    <a:latin typeface="Times New Roman" panose="02020603050405020304" pitchFamily="18" charset="0"/>
-                    <a:cs typeface="Times New Roman" panose="02020603050405020304" pitchFamily="18" charset="0"/>
-                  </a:rPr>
-                  <a:t> </a:t>
-                </a:r>
-                <a:r>
-                  <a:rPr lang="en-US" sz="2600" dirty="0" err="1">
-                    <a:latin typeface="Times New Roman" panose="02020603050405020304" pitchFamily="18" charset="0"/>
-                    <a:cs typeface="Times New Roman" panose="02020603050405020304" pitchFamily="18" charset="0"/>
-                  </a:rPr>
-                  <a:t>các</a:t>
-                </a:r>
-                <a:r>
-                  <a:rPr lang="en-US" sz="2600" dirty="0">
-                    <a:latin typeface="Times New Roman" panose="02020603050405020304" pitchFamily="18" charset="0"/>
-                    <a:cs typeface="Times New Roman" panose="02020603050405020304" pitchFamily="18" charset="0"/>
-                  </a:rPr>
-                  <a:t> </a:t>
-                </a:r>
-                <a:r>
-                  <a:rPr lang="en-US" sz="2600" dirty="0" err="1">
-                    <a:latin typeface="Times New Roman" panose="02020603050405020304" pitchFamily="18" charset="0"/>
-                    <a:cs typeface="Times New Roman" panose="02020603050405020304" pitchFamily="18" charset="0"/>
-                  </a:rPr>
-                  <a:t>dòng</a:t>
-                </a:r>
-                <a:r>
-                  <a:rPr lang="en-US" sz="2600" dirty="0">
-                    <a:latin typeface="Times New Roman" panose="02020603050405020304" pitchFamily="18" charset="0"/>
-                    <a:cs typeface="Times New Roman" panose="02020603050405020304" pitchFamily="18" charset="0"/>
-                  </a:rPr>
-                  <a:t> </a:t>
-                </a:r>
-                <a:r>
-                  <a:rPr lang="en-US" sz="2600" dirty="0" err="1">
-                    <a:latin typeface="Times New Roman" panose="02020603050405020304" pitchFamily="18" charset="0"/>
-                    <a:cs typeface="Times New Roman" panose="02020603050405020304" pitchFamily="18" charset="0"/>
-                  </a:rPr>
-                  <a:t>từ</a:t>
-                </a:r>
-                <a:r>
-                  <a:rPr lang="en-US" sz="2600" dirty="0">
-                    <a:latin typeface="Times New Roman" panose="02020603050405020304" pitchFamily="18" charset="0"/>
-                    <a:cs typeface="Times New Roman" panose="02020603050405020304" pitchFamily="18" charset="0"/>
-                  </a:rPr>
-                  <a:t> </a:t>
-                </a:r>
-                <a:r>
-                  <a:rPr lang="en-US" sz="2600" dirty="0" err="1">
-                    <a:latin typeface="Times New Roman" panose="02020603050405020304" pitchFamily="18" charset="0"/>
-                    <a:cs typeface="Times New Roman" panose="02020603050405020304" pitchFamily="18" charset="0"/>
-                  </a:rPr>
-                  <a:t>một</a:t>
-                </a:r>
-                <a:r>
-                  <a:rPr lang="en-US" sz="2600" dirty="0">
-                    <a:latin typeface="Times New Roman" panose="02020603050405020304" pitchFamily="18" charset="0"/>
-                    <a:cs typeface="Times New Roman" panose="02020603050405020304" pitchFamily="18" charset="0"/>
-                  </a:rPr>
-                  <a:t> </a:t>
-                </a:r>
-                <a:r>
-                  <a:rPr lang="en-US" sz="2600" dirty="0" err="1">
-                    <a:latin typeface="Times New Roman" panose="02020603050405020304" pitchFamily="18" charset="0"/>
-                    <a:cs typeface="Times New Roman" panose="02020603050405020304" pitchFamily="18" charset="0"/>
-                  </a:rPr>
-                  <a:t>quan</a:t>
-                </a:r>
-                <a:r>
-                  <a:rPr lang="en-US" sz="2600" dirty="0">
-                    <a:latin typeface="Times New Roman" panose="02020603050405020304" pitchFamily="18" charset="0"/>
-                    <a:cs typeface="Times New Roman" panose="02020603050405020304" pitchFamily="18" charset="0"/>
-                  </a:rPr>
-                  <a:t> </a:t>
-                </a:r>
-                <a:r>
-                  <a:rPr lang="en-US" sz="2600" dirty="0" err="1">
-                    <a:latin typeface="Times New Roman" panose="02020603050405020304" pitchFamily="18" charset="0"/>
-                    <a:cs typeface="Times New Roman" panose="02020603050405020304" pitchFamily="18" charset="0"/>
-                  </a:rPr>
-                  <a:t>hệ</a:t>
-                </a:r>
-                <a:r>
-                  <a:rPr lang="en-US" sz="2600" dirty="0">
-                    <a:latin typeface="Times New Roman" panose="02020603050405020304" pitchFamily="18" charset="0"/>
-                    <a:cs typeface="Times New Roman" panose="02020603050405020304" pitchFamily="18" charset="0"/>
-                  </a:rPr>
-                  <a:t> (</a:t>
-                </a:r>
-                <a:r>
-                  <a:rPr lang="en-US" sz="2600" dirty="0" err="1">
-                    <a:latin typeface="Times New Roman" panose="02020603050405020304" pitchFamily="18" charset="0"/>
-                    <a:cs typeface="Times New Roman" panose="02020603050405020304" pitchFamily="18" charset="0"/>
-                  </a:rPr>
-                  <a:t>chiều</a:t>
-                </a:r>
-                <a:r>
-                  <a:rPr lang="en-US" sz="2600" dirty="0">
-                    <a:latin typeface="Times New Roman" panose="02020603050405020304" pitchFamily="18" charset="0"/>
-                    <a:cs typeface="Times New Roman" panose="02020603050405020304" pitchFamily="18" charset="0"/>
-                  </a:rPr>
-                  <a:t> </a:t>
-                </a:r>
-                <a:r>
-                  <a:rPr lang="en-US" sz="2600" dirty="0" err="1">
-                    <a:latin typeface="Times New Roman" panose="02020603050405020304" pitchFamily="18" charset="0"/>
-                    <a:cs typeface="Times New Roman" panose="02020603050405020304" pitchFamily="18" charset="0"/>
-                  </a:rPr>
-                  <a:t>ngang</a:t>
-                </a:r>
-                <a:r>
-                  <a:rPr lang="en-US" sz="2600" dirty="0" smtClean="0">
-                    <a:latin typeface="Times New Roman" panose="02020603050405020304" pitchFamily="18" charset="0"/>
-                    <a:cs typeface="Times New Roman" panose="02020603050405020304" pitchFamily="18" charset="0"/>
-                  </a:rPr>
-                  <a:t>).</a:t>
-                </a:r>
-              </a:p>
-              <a:p>
-                <a:pPr lvl="0" algn="l"/>
-                <a:endParaRPr lang="en-US" sz="2600" dirty="0">
-                  <a:latin typeface="Times New Roman" panose="02020603050405020304" pitchFamily="18" charset="0"/>
-                  <a:cs typeface="Times New Roman" panose="02020603050405020304" pitchFamily="18" charset="0"/>
-                </a:endParaRPr>
-              </a:p>
-              <a:p>
-                <a:pPr algn="l"/>
-                <a:r>
-                  <a:rPr lang="en-US" sz="2600" dirty="0" smtClean="0">
-                    <a:latin typeface="Times New Roman" panose="02020603050405020304" pitchFamily="18" charset="0"/>
-                    <a:cs typeface="Times New Roman" panose="02020603050405020304" pitchFamily="18" charset="0"/>
-                  </a:rPr>
-                  <a:t>			</a:t>
-                </a:r>
-                <a14:m>
-                  <m:oMath xmlns:m="http://schemas.openxmlformats.org/officeDocument/2006/math">
-                    <m:sSub>
-                      <m:sSubPr>
-                        <m:ctrlPr>
-                          <a:rPr lang="en-US" sz="4000" i="1">
-                            <a:latin typeface="Cambria Math" panose="02040503050406030204" pitchFamily="18" charset="0"/>
-                          </a:rPr>
-                        </m:ctrlPr>
-                      </m:sSubPr>
-                      <m:e>
-                        <m:r>
-                          <a:rPr lang="en-US" sz="4000" i="1">
-                            <a:latin typeface="Cambria Math" panose="02040503050406030204" pitchFamily="18" charset="0"/>
-                          </a:rPr>
-                          <m:t>𝜎</m:t>
-                        </m:r>
-                      </m:e>
-                      <m:sub>
-                        <m:r>
-                          <a:rPr lang="en-US" sz="4000" i="1">
-                            <a:latin typeface="Cambria Math" panose="02040503050406030204" pitchFamily="18" charset="0"/>
-                          </a:rPr>
-                          <m:t>𝐹</m:t>
-                        </m:r>
-                      </m:sub>
-                    </m:sSub>
-                    <m:d>
-                      <m:dPr>
-                        <m:ctrlPr>
-                          <a:rPr lang="en-US" sz="4000" i="1">
-                            <a:latin typeface="Cambria Math" panose="02040503050406030204" pitchFamily="18" charset="0"/>
-                          </a:rPr>
-                        </m:ctrlPr>
-                      </m:dPr>
-                      <m:e>
-                        <m:r>
-                          <a:rPr lang="en-US" sz="4000" i="1">
-                            <a:latin typeface="Cambria Math" panose="02040503050406030204" pitchFamily="18" charset="0"/>
-                          </a:rPr>
-                          <m:t>𝑅</m:t>
-                        </m:r>
-                      </m:e>
-                    </m:d>
-                  </m:oMath>
-                </a14:m>
-                <a:endParaRPr lang="en-US" sz="4000" i="1" dirty="0" smtClean="0">
-                  <a:latin typeface="Times New Roman" panose="02020603050405020304" pitchFamily="18" charset="0"/>
-                  <a:cs typeface="Times New Roman" panose="02020603050405020304" pitchFamily="18" charset="0"/>
-                </a:endParaRPr>
-              </a:p>
-              <a:p>
-                <a:pPr algn="l"/>
-                <a:endParaRPr lang="en-US" sz="2600" i="1" dirty="0" smtClean="0">
-                  <a:latin typeface="Times New Roman" panose="02020603050405020304" pitchFamily="18" charset="0"/>
-                  <a:cs typeface="Times New Roman" panose="02020603050405020304" pitchFamily="18" charset="0"/>
-                </a:endParaRPr>
-              </a:p>
-              <a:p>
-                <a:pPr algn="l"/>
-                <a:r>
-                  <a:rPr lang="en-US" sz="2600" i="1" dirty="0">
-                    <a:latin typeface="Times New Roman" panose="02020603050405020304" pitchFamily="18" charset="0"/>
-                    <a:cs typeface="Times New Roman" panose="02020603050405020304" pitchFamily="18" charset="0"/>
-                  </a:rPr>
-                  <a:t>	</a:t>
-                </a:r>
-                <a14:m>
-                  <m:oMath xmlns:m="http://schemas.openxmlformats.org/officeDocument/2006/math">
-                    <m:r>
-                      <a:rPr lang="en-US" sz="2600" i="1">
-                        <a:latin typeface="Cambria Math" panose="02040503050406030204" pitchFamily="18" charset="0"/>
-                      </a:rPr>
-                      <m:t>𝑅</m:t>
-                    </m:r>
-                  </m:oMath>
-                </a14:m>
-                <a:r>
-                  <a:rPr lang="en-US" sz="2600" dirty="0">
-                    <a:latin typeface="Times New Roman" panose="02020603050405020304" pitchFamily="18" charset="0"/>
-                    <a:cs typeface="Times New Roman" panose="02020603050405020304" pitchFamily="18" charset="0"/>
-                  </a:rPr>
-                  <a:t>: </a:t>
-                </a:r>
-                <a:r>
-                  <a:rPr lang="en-US" sz="2600" dirty="0" err="1">
-                    <a:latin typeface="Times New Roman" panose="02020603050405020304" pitchFamily="18" charset="0"/>
-                    <a:cs typeface="Times New Roman" panose="02020603050405020304" pitchFamily="18" charset="0"/>
-                  </a:rPr>
-                  <a:t>quan</a:t>
-                </a:r>
-                <a:r>
-                  <a:rPr lang="en-US" sz="2600" dirty="0">
-                    <a:latin typeface="Times New Roman" panose="02020603050405020304" pitchFamily="18" charset="0"/>
-                    <a:cs typeface="Times New Roman" panose="02020603050405020304" pitchFamily="18" charset="0"/>
-                  </a:rPr>
-                  <a:t> </a:t>
-                </a:r>
-                <a:r>
-                  <a:rPr lang="en-US" sz="2600" dirty="0" err="1" smtClean="0">
-                    <a:latin typeface="Times New Roman" panose="02020603050405020304" pitchFamily="18" charset="0"/>
-                    <a:cs typeface="Times New Roman" panose="02020603050405020304" pitchFamily="18" charset="0"/>
-                  </a:rPr>
-                  <a:t>hệ</a:t>
-                </a:r>
-                <a:r>
-                  <a:rPr lang="en-US" sz="2600" dirty="0" smtClean="0">
-                    <a:latin typeface="Times New Roman" panose="02020603050405020304" pitchFamily="18" charset="0"/>
-                    <a:cs typeface="Times New Roman" panose="02020603050405020304" pitchFamily="18" charset="0"/>
-                  </a:rPr>
-                  <a:t>.</a:t>
-                </a:r>
-                <a:endParaRPr lang="en-US" sz="2600" dirty="0">
-                  <a:latin typeface="Times New Roman" panose="02020603050405020304" pitchFamily="18" charset="0"/>
-                  <a:cs typeface="Times New Roman" panose="02020603050405020304" pitchFamily="18" charset="0"/>
-                </a:endParaRPr>
-              </a:p>
-              <a:p>
-                <a:pPr algn="l"/>
-                <a:r>
-                  <a:rPr lang="en-US" sz="2600" dirty="0">
-                    <a:latin typeface="Times New Roman" panose="02020603050405020304" pitchFamily="18" charset="0"/>
-                    <a:cs typeface="Times New Roman" panose="02020603050405020304" pitchFamily="18" charset="0"/>
-                  </a:rPr>
-                  <a:t>	</a:t>
-                </a:r>
-                <a14:m>
-                  <m:oMath xmlns:m="http://schemas.openxmlformats.org/officeDocument/2006/math">
-                    <m:r>
-                      <a:rPr lang="en-US" sz="2600" i="1">
-                        <a:latin typeface="Cambria Math" panose="02040503050406030204" pitchFamily="18" charset="0"/>
-                      </a:rPr>
-                      <m:t>𝐹</m:t>
-                    </m:r>
-                  </m:oMath>
-                </a14:m>
-                <a:r>
-                  <a:rPr lang="en-US" sz="2600" dirty="0">
-                    <a:latin typeface="Times New Roman" panose="02020603050405020304" pitchFamily="18" charset="0"/>
-                    <a:cs typeface="Times New Roman" panose="02020603050405020304" pitchFamily="18" charset="0"/>
-                  </a:rPr>
-                  <a:t>: </a:t>
-                </a:r>
-                <a:r>
-                  <a:rPr lang="en-US" sz="2600" dirty="0" err="1" smtClean="0">
-                    <a:latin typeface="Times New Roman" panose="02020603050405020304" pitchFamily="18" charset="0"/>
-                    <a:cs typeface="Times New Roman" panose="02020603050405020304" pitchFamily="18" charset="0"/>
-                  </a:rPr>
-                  <a:t>biểu</a:t>
-                </a:r>
-                <a:r>
-                  <a:rPr lang="en-US" sz="2600" dirty="0" smtClean="0">
-                    <a:latin typeface="Times New Roman" panose="02020603050405020304" pitchFamily="18" charset="0"/>
-                    <a:cs typeface="Times New Roman" panose="02020603050405020304" pitchFamily="18" charset="0"/>
-                  </a:rPr>
-                  <a:t> </a:t>
-                </a:r>
-                <a:r>
-                  <a:rPr lang="en-US" sz="2600" dirty="0" err="1" smtClean="0">
-                    <a:latin typeface="Times New Roman" panose="02020603050405020304" pitchFamily="18" charset="0"/>
-                    <a:cs typeface="Times New Roman" panose="02020603050405020304" pitchFamily="18" charset="0"/>
-                  </a:rPr>
-                  <a:t>thức</a:t>
-                </a:r>
-                <a:r>
-                  <a:rPr lang="en-US" sz="2600" dirty="0" smtClean="0">
-                    <a:latin typeface="Times New Roman" panose="02020603050405020304" pitchFamily="18" charset="0"/>
-                    <a:cs typeface="Times New Roman" panose="02020603050405020304" pitchFamily="18" charset="0"/>
-                  </a:rPr>
-                  <a:t> điều </a:t>
-                </a:r>
-                <a:r>
-                  <a:rPr lang="en-US" sz="2600" dirty="0" err="1" smtClean="0">
-                    <a:latin typeface="Times New Roman" panose="02020603050405020304" pitchFamily="18" charset="0"/>
-                    <a:cs typeface="Times New Roman" panose="02020603050405020304" pitchFamily="18" charset="0"/>
-                  </a:rPr>
-                  <a:t>kiện</a:t>
-                </a:r>
-                <a:r>
-                  <a:rPr lang="en-US" sz="2600" dirty="0" smtClean="0">
-                    <a:latin typeface="Times New Roman" panose="02020603050405020304" pitchFamily="18" charset="0"/>
-                    <a:cs typeface="Times New Roman" panose="02020603050405020304" pitchFamily="18" charset="0"/>
-                  </a:rPr>
-                  <a:t>, </a:t>
-                </a:r>
-                <a:r>
-                  <a:rPr lang="en-US" sz="2600" dirty="0" err="1" smtClean="0">
-                    <a:latin typeface="Times New Roman" panose="02020603050405020304" pitchFamily="18" charset="0"/>
-                    <a:cs typeface="Times New Roman" panose="02020603050405020304" pitchFamily="18" charset="0"/>
-                  </a:rPr>
-                  <a:t>gồm</a:t>
-                </a:r>
-                <a:r>
-                  <a:rPr lang="en-US" sz="2600" dirty="0" smtClean="0">
-                    <a:latin typeface="Times New Roman" panose="02020603050405020304" pitchFamily="18" charset="0"/>
-                    <a:cs typeface="Times New Roman" panose="02020603050405020304" pitchFamily="18" charset="0"/>
-                  </a:rPr>
-                  <a:t>:</a:t>
-                </a:r>
-              </a:p>
-              <a:p>
-                <a:pPr algn="l"/>
-                <a:r>
-                  <a:rPr lang="en-US" sz="2600" dirty="0" smtClean="0">
-                    <a:latin typeface="Times New Roman" panose="02020603050405020304" pitchFamily="18" charset="0"/>
-                    <a:cs typeface="Times New Roman" panose="02020603050405020304" pitchFamily="18" charset="0"/>
-                  </a:rPr>
-                  <a:t>		+ </a:t>
-                </a:r>
-                <a:r>
-                  <a:rPr lang="en-US" sz="2600" dirty="0" err="1">
-                    <a:latin typeface="Times New Roman" panose="02020603050405020304" pitchFamily="18" charset="0"/>
-                    <a:cs typeface="Times New Roman" panose="02020603050405020304" pitchFamily="18" charset="0"/>
-                  </a:rPr>
-                  <a:t>C</a:t>
-                </a:r>
-                <a:r>
-                  <a:rPr lang="en-US" sz="2600" dirty="0" err="1" smtClean="0">
-                    <a:latin typeface="Times New Roman" panose="02020603050405020304" pitchFamily="18" charset="0"/>
-                    <a:cs typeface="Times New Roman" panose="02020603050405020304" pitchFamily="18" charset="0"/>
-                  </a:rPr>
-                  <a:t>ác</a:t>
-                </a:r>
-                <a:r>
-                  <a:rPr lang="en-US" sz="2600" dirty="0" smtClean="0">
-                    <a:latin typeface="Times New Roman" panose="02020603050405020304" pitchFamily="18" charset="0"/>
-                    <a:cs typeface="Times New Roman" panose="02020603050405020304" pitchFamily="18" charset="0"/>
-                  </a:rPr>
-                  <a:t> </a:t>
-                </a:r>
-                <a:r>
-                  <a:rPr lang="en-US" sz="2600" dirty="0" err="1" smtClean="0">
-                    <a:latin typeface="Times New Roman" panose="02020603050405020304" pitchFamily="18" charset="0"/>
-                    <a:cs typeface="Times New Roman" panose="02020603050405020304" pitchFamily="18" charset="0"/>
-                  </a:rPr>
-                  <a:t>hằng</a:t>
-                </a:r>
-                <a:r>
-                  <a:rPr lang="en-US" sz="2600" dirty="0" smtClean="0">
-                    <a:latin typeface="Times New Roman" panose="02020603050405020304" pitchFamily="18" charset="0"/>
-                    <a:cs typeface="Times New Roman" panose="02020603050405020304" pitchFamily="18" charset="0"/>
-                  </a:rPr>
-                  <a:t> </a:t>
-                </a:r>
-                <a:r>
-                  <a:rPr lang="en-US" sz="2600" dirty="0" err="1" smtClean="0">
-                    <a:latin typeface="Times New Roman" panose="02020603050405020304" pitchFamily="18" charset="0"/>
-                    <a:cs typeface="Times New Roman" panose="02020603050405020304" pitchFamily="18" charset="0"/>
-                  </a:rPr>
-                  <a:t>hoặc</a:t>
-                </a:r>
-                <a:r>
-                  <a:rPr lang="en-US" sz="2600" dirty="0" smtClean="0">
-                    <a:latin typeface="Times New Roman" panose="02020603050405020304" pitchFamily="18" charset="0"/>
-                    <a:cs typeface="Times New Roman" panose="02020603050405020304" pitchFamily="18" charset="0"/>
-                  </a:rPr>
-                  <a:t> </a:t>
-                </a:r>
-                <a:r>
-                  <a:rPr lang="en-US" sz="2600" dirty="0" err="1" smtClean="0">
-                    <a:latin typeface="Times New Roman" panose="02020603050405020304" pitchFamily="18" charset="0"/>
-                    <a:cs typeface="Times New Roman" panose="02020603050405020304" pitchFamily="18" charset="0"/>
-                  </a:rPr>
-                  <a:t>thuộc</a:t>
-                </a:r>
-                <a:r>
-                  <a:rPr lang="en-US" sz="2600" dirty="0" smtClean="0">
-                    <a:latin typeface="Times New Roman" panose="02020603050405020304" pitchFamily="18" charset="0"/>
-                    <a:cs typeface="Times New Roman" panose="02020603050405020304" pitchFamily="18" charset="0"/>
-                  </a:rPr>
-                  <a:t> </a:t>
-                </a:r>
-                <a:r>
-                  <a:rPr lang="en-US" sz="2600" dirty="0" err="1" smtClean="0">
-                    <a:latin typeface="Times New Roman" panose="02020603050405020304" pitchFamily="18" charset="0"/>
-                    <a:cs typeface="Times New Roman" panose="02020603050405020304" pitchFamily="18" charset="0"/>
-                  </a:rPr>
-                  <a:t>tính</a:t>
-                </a:r>
-                <a:r>
-                  <a:rPr lang="en-US" sz="2600" dirty="0" smtClean="0">
-                    <a:latin typeface="Times New Roman" panose="02020603050405020304" pitchFamily="18" charset="0"/>
-                    <a:cs typeface="Times New Roman" panose="02020603050405020304" pitchFamily="18" charset="0"/>
-                  </a:rPr>
-                  <a:t>.</a:t>
-                </a:r>
-              </a:p>
-              <a:p>
-                <a:pPr algn="l"/>
-                <a:r>
-                  <a:rPr lang="en-US" sz="2600" dirty="0">
-                    <a:effectLst/>
-                    <a:latin typeface="Times New Roman" panose="02020603050405020304" pitchFamily="18" charset="0"/>
-                    <a:ea typeface="Calibri" panose="020F0502020204030204" pitchFamily="34" charset="0"/>
-                    <a:cs typeface="Times New Roman" panose="02020603050405020304" pitchFamily="18" charset="0"/>
-                  </a:rPr>
-                  <a:t>	</a:t>
-                </a:r>
-                <a:r>
-                  <a:rPr lang="en-US" sz="2600" dirty="0" smtClean="0">
-                    <a:effectLst/>
-                    <a:latin typeface="Times New Roman" panose="02020603050405020304" pitchFamily="18" charset="0"/>
-                    <a:ea typeface="Calibri" panose="020F0502020204030204" pitchFamily="34" charset="0"/>
-                    <a:cs typeface="Times New Roman" panose="02020603050405020304" pitchFamily="18" charset="0"/>
-                  </a:rPr>
-                  <a:t>	+ </a:t>
-                </a:r>
-                <a:r>
-                  <a:rPr lang="en-US" sz="2600" dirty="0" err="1" smtClean="0">
-                    <a:effectLst/>
-                    <a:latin typeface="Times New Roman" panose="02020603050405020304" pitchFamily="18" charset="0"/>
-                    <a:ea typeface="Calibri" panose="020F0502020204030204" pitchFamily="34" charset="0"/>
-                    <a:cs typeface="Times New Roman" panose="02020603050405020304" pitchFamily="18" charset="0"/>
-                  </a:rPr>
-                  <a:t>Các</a:t>
-                </a:r>
-                <a:r>
-                  <a:rPr lang="en-US" sz="2600" dirty="0" smtClean="0">
-                    <a:effectLst/>
-                    <a:latin typeface="Times New Roman" panose="02020603050405020304" pitchFamily="18" charset="0"/>
-                    <a:ea typeface="Calibri" panose="020F0502020204030204" pitchFamily="34" charset="0"/>
-                    <a:cs typeface="Times New Roman" panose="02020603050405020304" pitchFamily="18" charset="0"/>
-                  </a:rPr>
-                  <a:t> </a:t>
-                </a:r>
-                <a:r>
-                  <a:rPr lang="en-US" sz="2600" dirty="0" err="1" smtClean="0">
-                    <a:effectLst/>
-                    <a:latin typeface="Times New Roman" panose="02020603050405020304" pitchFamily="18" charset="0"/>
-                    <a:ea typeface="Calibri" panose="020F0502020204030204" pitchFamily="34" charset="0"/>
-                    <a:cs typeface="Times New Roman" panose="02020603050405020304" pitchFamily="18" charset="0"/>
-                  </a:rPr>
-                  <a:t>phép</a:t>
-                </a:r>
-                <a:r>
-                  <a:rPr lang="en-US" sz="2600" dirty="0" smtClean="0">
-                    <a:effectLst/>
-                    <a:latin typeface="Times New Roman" panose="02020603050405020304" pitchFamily="18" charset="0"/>
-                    <a:ea typeface="Calibri" panose="020F0502020204030204" pitchFamily="34" charset="0"/>
-                    <a:cs typeface="Times New Roman" panose="02020603050405020304" pitchFamily="18" charset="0"/>
-                  </a:rPr>
-                  <a:t> so </a:t>
-                </a:r>
-                <a:r>
-                  <a:rPr lang="en-US" sz="2600" dirty="0" err="1" smtClean="0">
-                    <a:effectLst/>
-                    <a:latin typeface="Times New Roman" panose="02020603050405020304" pitchFamily="18" charset="0"/>
-                    <a:ea typeface="Calibri" panose="020F0502020204030204" pitchFamily="34" charset="0"/>
-                    <a:cs typeface="Times New Roman" panose="02020603050405020304" pitchFamily="18" charset="0"/>
-                  </a:rPr>
-                  <a:t>sánh</a:t>
-                </a:r>
-                <a:r>
-                  <a:rPr lang="en-US" sz="2600" dirty="0" smtClean="0">
-                    <a:effectLst/>
-                    <a:latin typeface="Times New Roman" panose="02020603050405020304" pitchFamily="18" charset="0"/>
-                    <a:ea typeface="Calibri" panose="020F0502020204030204" pitchFamily="34" charset="0"/>
-                    <a:cs typeface="Times New Roman" panose="02020603050405020304" pitchFamily="18" charset="0"/>
-                  </a:rPr>
-                  <a:t>: </a:t>
-                </a:r>
-                <a:r>
-                  <a:rPr lang="en-US" sz="2600" dirty="0">
-                    <a:latin typeface="Times New Roman" panose="02020603050405020304" pitchFamily="18" charset="0"/>
-                    <a:cs typeface="Times New Roman" panose="02020603050405020304" pitchFamily="18" charset="0"/>
-                  </a:rPr>
-                  <a:t>&lt;, &gt;, =, </a:t>
-                </a:r>
-                <a:r>
-                  <a:rPr lang="en-US" sz="2600" dirty="0">
-                    <a:latin typeface="Times New Roman" panose="02020603050405020304" pitchFamily="18" charset="0"/>
-                    <a:cs typeface="Times New Roman" panose="02020603050405020304" pitchFamily="18" charset="0"/>
-                    <a:sym typeface="Symbol" charset="0"/>
-                  </a:rPr>
-                  <a:t></a:t>
-                </a:r>
-                <a:r>
-                  <a:rPr lang="en-US" sz="2600" dirty="0">
-                    <a:latin typeface="Times New Roman" panose="02020603050405020304" pitchFamily="18" charset="0"/>
-                    <a:cs typeface="Times New Roman" panose="02020603050405020304" pitchFamily="18" charset="0"/>
-                  </a:rPr>
-                  <a:t>, </a:t>
-                </a:r>
-                <a:r>
-                  <a:rPr lang="en-US" sz="2600" dirty="0">
-                    <a:latin typeface="Times New Roman" panose="02020603050405020304" pitchFamily="18" charset="0"/>
-                    <a:cs typeface="Times New Roman" panose="02020603050405020304" pitchFamily="18" charset="0"/>
-                    <a:sym typeface="Symbol"/>
-                  </a:rPr>
-                  <a:t></a:t>
-                </a:r>
-                <a:r>
-                  <a:rPr lang="en-US" sz="2600" dirty="0">
-                    <a:latin typeface="Times New Roman" panose="02020603050405020304" pitchFamily="18" charset="0"/>
-                    <a:cs typeface="Times New Roman" panose="02020603050405020304" pitchFamily="18" charset="0"/>
-                  </a:rPr>
-                  <a:t>, </a:t>
-                </a:r>
-                <a:r>
-                  <a:rPr lang="en-US" sz="2600" dirty="0" smtClean="0">
-                    <a:latin typeface="Times New Roman" panose="02020603050405020304" pitchFamily="18" charset="0"/>
-                    <a:cs typeface="Times New Roman" panose="02020603050405020304" pitchFamily="18" charset="0"/>
-                    <a:sym typeface="Symbol" charset="0"/>
-                  </a:rPr>
-                  <a:t></a:t>
-                </a:r>
-              </a:p>
-              <a:p>
-                <a:pPr algn="l"/>
-                <a:r>
-                  <a:rPr lang="en-US" sz="2600" dirty="0">
-                    <a:effectLst/>
-                    <a:latin typeface="Times New Roman" panose="02020603050405020304" pitchFamily="18" charset="0"/>
-                    <a:ea typeface="Calibri" panose="020F0502020204030204" pitchFamily="34" charset="0"/>
-                    <a:cs typeface="Times New Roman" panose="02020603050405020304" pitchFamily="18" charset="0"/>
-                    <a:sym typeface="Symbol" charset="0"/>
-                  </a:rPr>
-                  <a:t>	</a:t>
-                </a:r>
-                <a:r>
-                  <a:rPr lang="en-US" sz="2600" dirty="0" smtClean="0">
-                    <a:effectLst/>
-                    <a:latin typeface="Times New Roman" panose="02020603050405020304" pitchFamily="18" charset="0"/>
-                    <a:ea typeface="Calibri" panose="020F0502020204030204" pitchFamily="34" charset="0"/>
-                    <a:cs typeface="Times New Roman" panose="02020603050405020304" pitchFamily="18" charset="0"/>
-                    <a:sym typeface="Symbol" charset="0"/>
-                  </a:rPr>
-                  <a:t>	</a:t>
-                </a:r>
-                <a:r>
-                  <a:rPr lang="en-US" sz="2600" dirty="0">
-                    <a:latin typeface="Times New Roman" panose="02020603050405020304" pitchFamily="18" charset="0"/>
-                    <a:ea typeface="Calibri" panose="020F0502020204030204" pitchFamily="34" charset="0"/>
-                    <a:cs typeface="Times New Roman" panose="02020603050405020304" pitchFamily="18" charset="0"/>
-                    <a:sym typeface="Symbol" charset="0"/>
-                  </a:rPr>
-                  <a:t>+ </a:t>
-                </a:r>
-                <a:r>
-                  <a:rPr lang="en-US" sz="2600" dirty="0" err="1" smtClean="0">
-                    <a:latin typeface="Times New Roman" panose="02020603050405020304" pitchFamily="18" charset="0"/>
-                    <a:ea typeface="Calibri" panose="020F0502020204030204" pitchFamily="34" charset="0"/>
-                    <a:cs typeface="Times New Roman" panose="02020603050405020304" pitchFamily="18" charset="0"/>
-                    <a:sym typeface="Symbol" charset="0"/>
-                  </a:rPr>
-                  <a:t>Các</a:t>
-                </a:r>
-                <a:r>
-                  <a:rPr lang="en-US" sz="2600" dirty="0" smtClean="0">
-                    <a:latin typeface="Times New Roman" panose="02020603050405020304" pitchFamily="18" charset="0"/>
-                    <a:ea typeface="Calibri" panose="020F0502020204030204" pitchFamily="34" charset="0"/>
-                    <a:cs typeface="Times New Roman" panose="02020603050405020304" pitchFamily="18" charset="0"/>
-                    <a:sym typeface="Symbol" charset="0"/>
-                  </a:rPr>
-                  <a:t> </a:t>
-                </a:r>
-                <a:r>
-                  <a:rPr lang="en-US" sz="2600" dirty="0" err="1" smtClean="0">
-                    <a:latin typeface="Times New Roman" panose="02020603050405020304" pitchFamily="18" charset="0"/>
-                    <a:ea typeface="Calibri" panose="020F0502020204030204" pitchFamily="34" charset="0"/>
-                    <a:cs typeface="Times New Roman" panose="02020603050405020304" pitchFamily="18" charset="0"/>
-                    <a:sym typeface="Symbol" charset="0"/>
-                  </a:rPr>
-                  <a:t>toán</a:t>
-                </a:r>
-                <a:r>
-                  <a:rPr lang="en-US" sz="2600" dirty="0" smtClean="0">
-                    <a:latin typeface="Times New Roman" panose="02020603050405020304" pitchFamily="18" charset="0"/>
-                    <a:ea typeface="Calibri" panose="020F0502020204030204" pitchFamily="34" charset="0"/>
-                    <a:cs typeface="Times New Roman" panose="02020603050405020304" pitchFamily="18" charset="0"/>
-                    <a:sym typeface="Symbol" charset="0"/>
-                  </a:rPr>
-                  <a:t> </a:t>
-                </a:r>
-                <a:r>
-                  <a:rPr lang="en-US" sz="2600" dirty="0" err="1" smtClean="0">
-                    <a:latin typeface="Times New Roman" panose="02020603050405020304" pitchFamily="18" charset="0"/>
-                    <a:ea typeface="Calibri" panose="020F0502020204030204" pitchFamily="34" charset="0"/>
-                    <a:cs typeface="Times New Roman" panose="02020603050405020304" pitchFamily="18" charset="0"/>
-                    <a:sym typeface="Symbol" charset="0"/>
-                  </a:rPr>
-                  <a:t>tử</a:t>
-                </a:r>
-                <a:r>
-                  <a:rPr lang="en-US" sz="2600" dirty="0" smtClean="0">
-                    <a:latin typeface="Times New Roman" panose="02020603050405020304" pitchFamily="18" charset="0"/>
-                    <a:ea typeface="Calibri" panose="020F0502020204030204" pitchFamily="34" charset="0"/>
-                    <a:cs typeface="Times New Roman" panose="02020603050405020304" pitchFamily="18" charset="0"/>
-                    <a:sym typeface="Symbol" charset="0"/>
-                  </a:rPr>
-                  <a:t> logic: </a:t>
-                </a:r>
-                <a:r>
-                  <a:rPr lang="en-US" sz="2600" dirty="0">
-                    <a:latin typeface="Times New Roman" panose="02020603050405020304" pitchFamily="18" charset="0"/>
-                    <a:cs typeface="Times New Roman" panose="02020603050405020304" pitchFamily="18" charset="0"/>
-                    <a:sym typeface="Symbol"/>
-                  </a:rPr>
-                  <a:t></a:t>
-                </a:r>
-                <a:r>
-                  <a:rPr lang="en-US" sz="2600" dirty="0">
-                    <a:latin typeface="Times New Roman" panose="02020603050405020304" pitchFamily="18" charset="0"/>
-                    <a:cs typeface="Times New Roman" panose="02020603050405020304" pitchFamily="18" charset="0"/>
-                  </a:rPr>
-                  <a:t>, </a:t>
-                </a:r>
-                <a:r>
-                  <a:rPr lang="en-US" sz="2600" dirty="0">
-                    <a:latin typeface="Times New Roman" panose="02020603050405020304" pitchFamily="18" charset="0"/>
-                    <a:cs typeface="Times New Roman" panose="02020603050405020304" pitchFamily="18" charset="0"/>
-                    <a:sym typeface="Symbol"/>
-                  </a:rPr>
-                  <a:t></a:t>
-                </a:r>
-                <a:r>
-                  <a:rPr lang="en-US" sz="2600" dirty="0">
-                    <a:latin typeface="Times New Roman" panose="02020603050405020304" pitchFamily="18" charset="0"/>
-                    <a:cs typeface="Times New Roman" panose="02020603050405020304" pitchFamily="18" charset="0"/>
-                  </a:rPr>
-                  <a:t>, ¬</a:t>
-                </a:r>
-                <a:endParaRPr lang="en-US" sz="2600" dirty="0" smtClean="0">
-                  <a:effectLst/>
-                  <a:latin typeface="Times New Roman" panose="02020603050405020304" pitchFamily="18" charset="0"/>
-                  <a:ea typeface="Calibri" panose="020F0502020204030204" pitchFamily="34" charset="0"/>
-                  <a:cs typeface="Times New Roman" panose="02020603050405020304" pitchFamily="18" charset="0"/>
-                </a:endParaRPr>
-              </a:p>
-            </p:txBody>
-          </p:sp>
-        </mc:Choice>
-        <mc:Fallback>
-          <p:sp>
-            <p:nvSpPr>
-              <p:cNvPr id="5" name="Content Placeholder 2"/>
-              <p:cNvSpPr txBox="1">
-                <a:spLocks noRot="1" noChangeAspect="1" noMove="1" noResize="1" noEditPoints="1" noAdjustHandles="1" noChangeArrowheads="1" noChangeShapeType="1" noTextEdit="1"/>
-              </p:cNvSpPr>
-              <p:nvPr/>
-            </p:nvSpPr>
-            <p:spPr>
-              <a:xfrm>
-                <a:off x="0" y="751950"/>
-                <a:ext cx="12192000" cy="6106050"/>
-              </a:xfrm>
-              <a:prstGeom prst="rect">
-                <a:avLst/>
-              </a:prstGeom>
-              <a:blipFill>
-                <a:blip r:embed="rId2"/>
-                <a:stretch>
-                  <a:fillRect/>
-                </a:stretch>
-              </a:blipFill>
-            </p:spPr>
-            <p:txBody>
-              <a:bodyPr/>
-              <a:lstStyle/>
-              <a:p>
-                <a:r>
-                  <a:rPr lang="en-US">
-                    <a:noFill/>
-                  </a:rPr>
-                  <a:t> </a:t>
-                </a:r>
-              </a:p>
-            </p:txBody>
-          </p:sp>
-        </mc:Fallback>
-      </mc:AlternateContent>
-      <p:pic>
-        <p:nvPicPr>
-          <p:cNvPr id="3" name="Picture 2"/>
-          <p:cNvPicPr>
-            <a:picLocks noChangeAspect="1"/>
-          </p:cNvPicPr>
-          <p:nvPr/>
-        </p:nvPicPr>
-        <p:blipFill rotWithShape="1">
-          <a:blip r:embed="rId3">
-            <a:extLst>
-              <a:ext uri="{28A0092B-C50C-407E-A947-70E740481C1C}">
-                <a14:useLocalDpi xmlns:a14="http://schemas.microsoft.com/office/drawing/2010/main" val="0"/>
-              </a:ext>
-            </a:extLst>
-          </a:blip>
-          <a:srcRect l="60631" t="31690" r="17081" b="44625"/>
-          <a:stretch/>
-        </p:blipFill>
-        <p:spPr>
-          <a:xfrm>
-            <a:off x="7315200" y="1537150"/>
-            <a:ext cx="4605250" cy="3674225"/>
-          </a:xfrm>
-          <a:prstGeom prst="rect">
-            <a:avLst/>
-          </a:prstGeom>
-        </p:spPr>
-      </p:pic>
-    </p:spTree>
-    <p:extLst>
-      <p:ext uri="{BB962C8B-B14F-4D97-AF65-F5344CB8AC3E}">
-        <p14:creationId xmlns:p14="http://schemas.microsoft.com/office/powerpoint/2010/main" val="1267808932"/>
-      </p:ext>
-    </p:extLst>
-  </p:cSld>
-  <p:clrMapOvr>
-    <a:masterClrMapping/>
-  </p:clrMapOvr>
-  <p:timing>
-    <p:tnLst>
-      <p:par>
-        <p:cTn id="1" dur="indefinite" restart="never" nodeType="tmRoot"/>
-      </p:par>
-    </p:tnLst>
-  </p:timing>
-</p:sld>
-</file>
-
-<file path=ppt/slides/slide30.xml><?xml version="1.0" encoding="utf-8"?>
 <p:sld xmlns:a="http://schemas.openxmlformats.org/drawingml/2006/main" xmlns:r="http://schemas.openxmlformats.org/officeDocument/2006/relationships" xmlns:p="http://schemas.openxmlformats.org/presentationml/2006/main">
   <p:cSld>
     <p:spTree>
@@ -24790,6 +22711,14 @@
   <p:clrMapOvr>
     <a:masterClrMapping/>
   </p:clrMapOvr>
+  <mc:AlternateContent xmlns:mc="http://schemas.openxmlformats.org/markup-compatibility/2006" xmlns:p14="http://schemas.microsoft.com/office/powerpoint/2010/main">
+    <mc:Choice Requires="p14">
+      <p:transition spd="slow" p14:dur="2000" advTm="12592"/>
+    </mc:Choice>
+    <mc:Fallback xmlns="">
+      <p:transition spd="slow" advTm="12592"/>
+    </mc:Fallback>
+  </mc:AlternateContent>
   <p:timing>
     <p:tnLst>
       <p:par>
@@ -24800,7 +22729,7 @@
 </p:sld>
 </file>
 
-<file path=ppt/slides/slide31.xml><?xml version="1.0" encoding="utf-8"?>
+<file path=ppt/slides/slide29.xml><?xml version="1.0" encoding="utf-8"?>
 <p:sld xmlns:a="http://schemas.openxmlformats.org/drawingml/2006/main" xmlns:r="http://schemas.openxmlformats.org/officeDocument/2006/relationships" xmlns:p="http://schemas.openxmlformats.org/presentationml/2006/main">
   <p:cSld>
     <p:spTree>
@@ -25157,7 +23086,7 @@
           <p:nvPr/>
         </p:nvPicPr>
         <p:blipFill rotWithShape="1">
-          <a:blip r:embed="rId2"/>
+          <a:blip r:embed="rId3"/>
           <a:srcRect l="5722" t="13638" r="89455" b="61172"/>
           <a:stretch/>
         </p:blipFill>
@@ -25178,34 +23107,6 @@
           <p:nvPr/>
         </p:nvPicPr>
         <p:blipFill>
-          <a:blip r:embed="rId3">
-            <a:extLst>
-              <a:ext uri="{28A0092B-C50C-407E-A947-70E740481C1C}">
-                <a14:useLocalDpi xmlns:a14="http://schemas.microsoft.com/office/drawing/2010/main" val="0"/>
-              </a:ext>
-            </a:extLst>
-          </a:blip>
-          <a:stretch>
-            <a:fillRect/>
-          </a:stretch>
-        </p:blipFill>
-        <p:spPr>
-          <a:xfrm>
-            <a:off x="385156" y="1200834"/>
-            <a:ext cx="3571701" cy="3470915"/>
-          </a:xfrm>
-          <a:prstGeom prst="rect">
-            <a:avLst/>
-          </a:prstGeom>
-        </p:spPr>
-      </p:pic>
-      <p:pic>
-        <p:nvPicPr>
-          <p:cNvPr id="9" name="Picture 8"/>
-          <p:cNvPicPr/>
-          <p:nvPr/>
-        </p:nvPicPr>
-        <p:blipFill>
           <a:blip r:embed="rId4">
             <a:extLst>
               <a:ext uri="{28A0092B-C50C-407E-A947-70E740481C1C}">
@@ -25219,8 +23120,8 @@
         </p:blipFill>
         <p:spPr>
           <a:xfrm>
-            <a:off x="3956857" y="1184207"/>
-            <a:ext cx="2863389" cy="2406887"/>
+            <a:off x="385156" y="1217459"/>
+            <a:ext cx="3571701" cy="3470915"/>
           </a:xfrm>
           <a:prstGeom prst="rect">
             <a:avLst/>
@@ -25229,7 +23130,7 @@
       </p:pic>
       <p:pic>
         <p:nvPicPr>
-          <p:cNvPr id="10" name="Picture 9"/>
+          <p:cNvPr id="9" name="Picture 8"/>
           <p:cNvPicPr/>
           <p:nvPr/>
         </p:nvPicPr>
@@ -25247,7 +23148,35 @@
         </p:blipFill>
         <p:spPr>
           <a:xfrm>
-            <a:off x="6820245" y="955254"/>
+            <a:off x="3956857" y="1200832"/>
+            <a:ext cx="2863389" cy="2406887"/>
+          </a:xfrm>
+          <a:prstGeom prst="rect">
+            <a:avLst/>
+          </a:prstGeom>
+        </p:spPr>
+      </p:pic>
+      <p:pic>
+        <p:nvPicPr>
+          <p:cNvPr id="10" name="Picture 9"/>
+          <p:cNvPicPr/>
+          <p:nvPr/>
+        </p:nvPicPr>
+        <p:blipFill>
+          <a:blip r:embed="rId6">
+            <a:extLst>
+              <a:ext uri="{28A0092B-C50C-407E-A947-70E740481C1C}">
+                <a14:useLocalDpi xmlns:a14="http://schemas.microsoft.com/office/drawing/2010/main" val="0"/>
+              </a:ext>
+            </a:extLst>
+          </a:blip>
+          <a:stretch>
+            <a:fillRect/>
+          </a:stretch>
+        </p:blipFill>
+        <p:spPr>
+          <a:xfrm>
+            <a:off x="6820245" y="971879"/>
             <a:ext cx="4352059" cy="4547768"/>
           </a:xfrm>
           <a:prstGeom prst="rect">
@@ -25256,6 +23185,9 @@
         </p:spPr>
       </p:pic>
     </p:spTree>
+    <p:custDataLst>
+      <p:tags r:id="rId1"/>
+    </p:custDataLst>
     <p:extLst>
       <p:ext uri="{BB962C8B-B14F-4D97-AF65-F5344CB8AC3E}">
         <p14:creationId xmlns:p14="http://schemas.microsoft.com/office/powerpoint/2010/main" val="3059598843"/>
@@ -25265,6 +23197,14 @@
   <p:clrMapOvr>
     <a:masterClrMapping/>
   </p:clrMapOvr>
+  <mc:AlternateContent xmlns:mc="http://schemas.openxmlformats.org/markup-compatibility/2006" xmlns:p14="http://schemas.microsoft.com/office/powerpoint/2010/main">
+    <mc:Choice Requires="p14">
+      <p:transition spd="slow" p14:dur="2000" advTm="28390"/>
+    </mc:Choice>
+    <mc:Fallback xmlns="">
+      <p:transition spd="slow" advTm="28390"/>
+    </mc:Fallback>
+  </mc:AlternateContent>
   <p:timing>
     <p:tnLst>
       <p:par>
@@ -25343,7 +23283,1099 @@
 </p:sld>
 </file>
 
-<file path=ppt/slides/slide32.xml><?xml version="1.0" encoding="utf-8"?>
+<file path=ppt/slides/slide3.xml><?xml version="1.0" encoding="utf-8"?>
+<p:sld xmlns:a="http://schemas.openxmlformats.org/drawingml/2006/main" xmlns:r="http://schemas.openxmlformats.org/officeDocument/2006/relationships" xmlns:p="http://schemas.openxmlformats.org/presentationml/2006/main">
+  <p:cSld>
+    <p:spTree>
+      <p:nvGrpSpPr>
+        <p:cNvPr id="1" name=""/>
+        <p:cNvGrpSpPr/>
+        <p:nvPr/>
+      </p:nvGrpSpPr>
+      <p:grpSpPr>
+        <a:xfrm>
+          <a:off x="0" y="0"/>
+          <a:ext cx="0" cy="0"/>
+          <a:chOff x="0" y="0"/>
+          <a:chExt cx="0" cy="0"/>
+        </a:xfrm>
+      </p:grpSpPr>
+      <p:sp>
+        <p:nvSpPr>
+          <p:cNvPr id="4" name="Title 1"/>
+          <p:cNvSpPr txBox="1">
+            <a:spLocks/>
+          </p:cNvSpPr>
+          <p:nvPr/>
+        </p:nvSpPr>
+        <p:spPr>
+          <a:xfrm>
+            <a:off x="0" y="0"/>
+            <a:ext cx="12192000" cy="751950"/>
+          </a:xfrm>
+          <a:prstGeom prst="rect">
+            <a:avLst/>
+          </a:prstGeom>
+        </p:spPr>
+        <p:txBody>
+          <a:bodyPr vert="horz" lIns="91440" tIns="45720" rIns="91440" bIns="45720" rtlCol="0" anchor="b">
+            <a:normAutofit/>
+          </a:bodyPr>
+          <a:lstStyle>
+            <a:lvl1pPr algn="ctr" defTabSz="914400" rtl="0" eaLnBrk="1" latinLnBrk="0" hangingPunct="1">
+              <a:lnSpc>
+                <a:spcPct val="90000"/>
+              </a:lnSpc>
+              <a:spcBef>
+                <a:spcPct val="0"/>
+              </a:spcBef>
+              <a:buNone/>
+              <a:defRPr sz="6000" kern="1200">
+                <a:solidFill>
+                  <a:schemeClr val="tx1"/>
+                </a:solidFill>
+                <a:latin typeface="+mj-lt"/>
+                <a:ea typeface="+mj-ea"/>
+                <a:cs typeface="+mj-cs"/>
+              </a:defRPr>
+            </a:lvl1pPr>
+          </a:lstStyle>
+          <a:p>
+            <a:pPr algn="l"/>
+            <a:r>
+              <a:rPr lang="en-CA" sz="4000" b="1" dirty="0" err="1" smtClean="0">
+                <a:latin typeface="Times New Roman" panose="02020603050405020304" pitchFamily="18" charset="0"/>
+                <a:cs typeface="Times New Roman" panose="02020603050405020304" pitchFamily="18" charset="0"/>
+              </a:rPr>
+              <a:t>Phép</a:t>
+            </a:r>
+            <a:r>
+              <a:rPr lang="en-CA" sz="4000" b="1" dirty="0" smtClean="0">
+                <a:latin typeface="Times New Roman" panose="02020603050405020304" pitchFamily="18" charset="0"/>
+                <a:cs typeface="Times New Roman" panose="02020603050405020304" pitchFamily="18" charset="0"/>
+              </a:rPr>
+              <a:t> </a:t>
+            </a:r>
+            <a:r>
+              <a:rPr lang="en-CA" sz="4000" b="1" dirty="0" err="1" smtClean="0">
+                <a:latin typeface="Times New Roman" panose="02020603050405020304" pitchFamily="18" charset="0"/>
+                <a:cs typeface="Times New Roman" panose="02020603050405020304" pitchFamily="18" charset="0"/>
+              </a:rPr>
+              <a:t>chọn</a:t>
+            </a:r>
+            <a:r>
+              <a:rPr lang="en-CA" sz="4000" b="1" dirty="0" smtClean="0">
+                <a:latin typeface="Times New Roman" panose="02020603050405020304" pitchFamily="18" charset="0"/>
+                <a:cs typeface="Times New Roman" panose="02020603050405020304" pitchFamily="18" charset="0"/>
+              </a:rPr>
+              <a:t> (Selection </a:t>
+            </a:r>
+            <a:r>
+              <a:rPr lang="en-US" sz="4000" b="1" dirty="0">
+                <a:latin typeface="Times New Roman" panose="02020603050405020304" pitchFamily="18" charset="0"/>
+                <a:cs typeface="Times New Roman" panose="02020603050405020304" pitchFamily="18" charset="0"/>
+              </a:rPr>
+              <a:t>σ</a:t>
+            </a:r>
+            <a:r>
+              <a:rPr lang="en-CA" sz="4000" b="1" dirty="0" smtClean="0">
+                <a:latin typeface="Times New Roman" panose="02020603050405020304" pitchFamily="18" charset="0"/>
+                <a:cs typeface="Times New Roman" panose="02020603050405020304" pitchFamily="18" charset="0"/>
+              </a:rPr>
+              <a:t>)</a:t>
+            </a:r>
+            <a:endParaRPr lang="en-CA" sz="4000" b="1" dirty="0">
+              <a:latin typeface="Times New Roman" panose="02020603050405020304" pitchFamily="18" charset="0"/>
+              <a:cs typeface="Times New Roman" panose="02020603050405020304" pitchFamily="18" charset="0"/>
+            </a:endParaRPr>
+          </a:p>
+        </p:txBody>
+      </p:sp>
+      <mc:AlternateContent xmlns:mc="http://schemas.openxmlformats.org/markup-compatibility/2006" xmlns:a14="http://schemas.microsoft.com/office/drawing/2010/main">
+        <mc:Choice Requires="a14">
+          <p:sp>
+            <p:nvSpPr>
+              <p:cNvPr id="5" name="Content Placeholder 2"/>
+              <p:cNvSpPr txBox="1">
+                <a:spLocks/>
+              </p:cNvSpPr>
+              <p:nvPr/>
+            </p:nvSpPr>
+            <p:spPr>
+              <a:xfrm>
+                <a:off x="0" y="751950"/>
+                <a:ext cx="12192000" cy="6106050"/>
+              </a:xfrm>
+              <a:prstGeom prst="rect">
+                <a:avLst/>
+              </a:prstGeom>
+            </p:spPr>
+            <p:txBody>
+              <a:bodyPr vert="horz" lIns="91440" tIns="45720" rIns="91440" bIns="45720" rtlCol="0">
+                <a:normAutofit/>
+              </a:bodyPr>
+              <a:lstStyle>
+                <a:lvl1pPr marL="0" indent="0" algn="ctr" defTabSz="914400" rtl="0" eaLnBrk="1" latinLnBrk="0" hangingPunct="1">
+                  <a:lnSpc>
+                    <a:spcPct val="90000"/>
+                  </a:lnSpc>
+                  <a:spcBef>
+                    <a:spcPts val="1000"/>
+                  </a:spcBef>
+                  <a:buFont typeface="Arial" panose="020B0604020202020204" pitchFamily="34" charset="0"/>
+                  <a:buNone/>
+                  <a:defRPr sz="2400" kern="1200">
+                    <a:solidFill>
+                      <a:schemeClr val="tx1"/>
+                    </a:solidFill>
+                    <a:latin typeface="+mn-lt"/>
+                    <a:ea typeface="+mn-ea"/>
+                    <a:cs typeface="+mn-cs"/>
+                  </a:defRPr>
+                </a:lvl1pPr>
+                <a:lvl2pPr marL="457200" indent="0" algn="ctr" defTabSz="914400" rtl="0" eaLnBrk="1" latinLnBrk="0" hangingPunct="1">
+                  <a:lnSpc>
+                    <a:spcPct val="90000"/>
+                  </a:lnSpc>
+                  <a:spcBef>
+                    <a:spcPts val="500"/>
+                  </a:spcBef>
+                  <a:buFont typeface="Arial" panose="020B0604020202020204" pitchFamily="34" charset="0"/>
+                  <a:buNone/>
+                  <a:defRPr sz="2000" kern="1200">
+                    <a:solidFill>
+                      <a:schemeClr val="tx1"/>
+                    </a:solidFill>
+                    <a:latin typeface="+mn-lt"/>
+                    <a:ea typeface="+mn-ea"/>
+                    <a:cs typeface="+mn-cs"/>
+                  </a:defRPr>
+                </a:lvl2pPr>
+                <a:lvl3pPr marL="914400" indent="0" algn="ctr" defTabSz="914400" rtl="0" eaLnBrk="1" latinLnBrk="0" hangingPunct="1">
+                  <a:lnSpc>
+                    <a:spcPct val="90000"/>
+                  </a:lnSpc>
+                  <a:spcBef>
+                    <a:spcPts val="500"/>
+                  </a:spcBef>
+                  <a:buFont typeface="Arial" panose="020B0604020202020204" pitchFamily="34" charset="0"/>
+                  <a:buNone/>
+                  <a:defRPr sz="1800" kern="1200">
+                    <a:solidFill>
+                      <a:schemeClr val="tx1"/>
+                    </a:solidFill>
+                    <a:latin typeface="+mn-lt"/>
+                    <a:ea typeface="+mn-ea"/>
+                    <a:cs typeface="+mn-cs"/>
+                  </a:defRPr>
+                </a:lvl3pPr>
+                <a:lvl4pPr marL="1371600" indent="0" algn="ctr" defTabSz="914400" rtl="0" eaLnBrk="1" latinLnBrk="0" hangingPunct="1">
+                  <a:lnSpc>
+                    <a:spcPct val="90000"/>
+                  </a:lnSpc>
+                  <a:spcBef>
+                    <a:spcPts val="500"/>
+                  </a:spcBef>
+                  <a:buFont typeface="Arial" panose="020B0604020202020204" pitchFamily="34" charset="0"/>
+                  <a:buNone/>
+                  <a:defRPr sz="1600" kern="1200">
+                    <a:solidFill>
+                      <a:schemeClr val="tx1"/>
+                    </a:solidFill>
+                    <a:latin typeface="+mn-lt"/>
+                    <a:ea typeface="+mn-ea"/>
+                    <a:cs typeface="+mn-cs"/>
+                  </a:defRPr>
+                </a:lvl4pPr>
+                <a:lvl5pPr marL="1828800" indent="0" algn="ctr" defTabSz="914400" rtl="0" eaLnBrk="1" latinLnBrk="0" hangingPunct="1">
+                  <a:lnSpc>
+                    <a:spcPct val="90000"/>
+                  </a:lnSpc>
+                  <a:spcBef>
+                    <a:spcPts val="500"/>
+                  </a:spcBef>
+                  <a:buFont typeface="Arial" panose="020B0604020202020204" pitchFamily="34" charset="0"/>
+                  <a:buNone/>
+                  <a:defRPr sz="1600" kern="1200">
+                    <a:solidFill>
+                      <a:schemeClr val="tx1"/>
+                    </a:solidFill>
+                    <a:latin typeface="+mn-lt"/>
+                    <a:ea typeface="+mn-ea"/>
+                    <a:cs typeface="+mn-cs"/>
+                  </a:defRPr>
+                </a:lvl5pPr>
+                <a:lvl6pPr marL="2286000" indent="0" algn="ctr" defTabSz="914400" rtl="0" eaLnBrk="1" latinLnBrk="0" hangingPunct="1">
+                  <a:lnSpc>
+                    <a:spcPct val="90000"/>
+                  </a:lnSpc>
+                  <a:spcBef>
+                    <a:spcPts val="500"/>
+                  </a:spcBef>
+                  <a:buFont typeface="Arial" panose="020B0604020202020204" pitchFamily="34" charset="0"/>
+                  <a:buNone/>
+                  <a:defRPr sz="1600" kern="1200">
+                    <a:solidFill>
+                      <a:schemeClr val="tx1"/>
+                    </a:solidFill>
+                    <a:latin typeface="+mn-lt"/>
+                    <a:ea typeface="+mn-ea"/>
+                    <a:cs typeface="+mn-cs"/>
+                  </a:defRPr>
+                </a:lvl6pPr>
+                <a:lvl7pPr marL="2743200" indent="0" algn="ctr" defTabSz="914400" rtl="0" eaLnBrk="1" latinLnBrk="0" hangingPunct="1">
+                  <a:lnSpc>
+                    <a:spcPct val="90000"/>
+                  </a:lnSpc>
+                  <a:spcBef>
+                    <a:spcPts val="500"/>
+                  </a:spcBef>
+                  <a:buFont typeface="Arial" panose="020B0604020202020204" pitchFamily="34" charset="0"/>
+                  <a:buNone/>
+                  <a:defRPr sz="1600" kern="1200">
+                    <a:solidFill>
+                      <a:schemeClr val="tx1"/>
+                    </a:solidFill>
+                    <a:latin typeface="+mn-lt"/>
+                    <a:ea typeface="+mn-ea"/>
+                    <a:cs typeface="+mn-cs"/>
+                  </a:defRPr>
+                </a:lvl7pPr>
+                <a:lvl8pPr marL="3200400" indent="0" algn="ctr" defTabSz="914400" rtl="0" eaLnBrk="1" latinLnBrk="0" hangingPunct="1">
+                  <a:lnSpc>
+                    <a:spcPct val="90000"/>
+                  </a:lnSpc>
+                  <a:spcBef>
+                    <a:spcPts val="500"/>
+                  </a:spcBef>
+                  <a:buFont typeface="Arial" panose="020B0604020202020204" pitchFamily="34" charset="0"/>
+                  <a:buNone/>
+                  <a:defRPr sz="1600" kern="1200">
+                    <a:solidFill>
+                      <a:schemeClr val="tx1"/>
+                    </a:solidFill>
+                    <a:latin typeface="+mn-lt"/>
+                    <a:ea typeface="+mn-ea"/>
+                    <a:cs typeface="+mn-cs"/>
+                  </a:defRPr>
+                </a:lvl8pPr>
+                <a:lvl9pPr marL="3657600" indent="0" algn="ctr" defTabSz="914400" rtl="0" eaLnBrk="1" latinLnBrk="0" hangingPunct="1">
+                  <a:lnSpc>
+                    <a:spcPct val="90000"/>
+                  </a:lnSpc>
+                  <a:spcBef>
+                    <a:spcPts val="500"/>
+                  </a:spcBef>
+                  <a:buFont typeface="Arial" panose="020B0604020202020204" pitchFamily="34" charset="0"/>
+                  <a:buNone/>
+                  <a:defRPr sz="1600" kern="1200">
+                    <a:solidFill>
+                      <a:schemeClr val="tx1"/>
+                    </a:solidFill>
+                    <a:latin typeface="+mn-lt"/>
+                    <a:ea typeface="+mn-ea"/>
+                    <a:cs typeface="+mn-cs"/>
+                  </a:defRPr>
+                </a:lvl9pPr>
+              </a:lstStyle>
+              <a:p>
+                <a:pPr lvl="0"/>
+                <a:endParaRPr lang="en-US" sz="2600" dirty="0" smtClean="0">
+                  <a:latin typeface="Times New Roman" panose="02020603050405020304" pitchFamily="18" charset="0"/>
+                  <a:cs typeface="Times New Roman" panose="02020603050405020304" pitchFamily="18" charset="0"/>
+                </a:endParaRPr>
+              </a:p>
+              <a:p>
+                <a:pPr lvl="0" algn="l"/>
+                <a:r>
+                  <a:rPr lang="en-US" sz="2600" dirty="0" smtClean="0">
+                    <a:latin typeface="Times New Roman" panose="02020603050405020304" pitchFamily="18" charset="0"/>
+                    <a:cs typeface="Times New Roman" panose="02020603050405020304" pitchFamily="18" charset="0"/>
+                  </a:rPr>
+                  <a:t>	</a:t>
+                </a:r>
+              </a:p>
+              <a:p>
+                <a:pPr lvl="0" algn="l"/>
+                <a:r>
+                  <a:rPr lang="en-US" sz="2600" dirty="0">
+                    <a:latin typeface="Times New Roman" panose="02020603050405020304" pitchFamily="18" charset="0"/>
+                    <a:cs typeface="Times New Roman" panose="02020603050405020304" pitchFamily="18" charset="0"/>
+                  </a:rPr>
+                  <a:t>	</a:t>
+                </a:r>
+                <a:r>
+                  <a:rPr lang="en-US" sz="2600" dirty="0" err="1" smtClean="0">
+                    <a:latin typeface="Times New Roman" panose="02020603050405020304" pitchFamily="18" charset="0"/>
+                    <a:cs typeface="Times New Roman" panose="02020603050405020304" pitchFamily="18" charset="0"/>
+                  </a:rPr>
+                  <a:t>Chọn</a:t>
+                </a:r>
+                <a:r>
+                  <a:rPr lang="en-US" sz="2600" dirty="0" smtClean="0">
+                    <a:latin typeface="Times New Roman" panose="02020603050405020304" pitchFamily="18" charset="0"/>
+                    <a:cs typeface="Times New Roman" panose="02020603050405020304" pitchFamily="18" charset="0"/>
+                  </a:rPr>
+                  <a:t> </a:t>
+                </a:r>
+                <a:r>
+                  <a:rPr lang="en-US" sz="2600" dirty="0" err="1">
+                    <a:latin typeface="Times New Roman" panose="02020603050405020304" pitchFamily="18" charset="0"/>
+                    <a:cs typeface="Times New Roman" panose="02020603050405020304" pitchFamily="18" charset="0"/>
+                  </a:rPr>
+                  <a:t>các</a:t>
+                </a:r>
+                <a:r>
+                  <a:rPr lang="en-US" sz="2600" dirty="0">
+                    <a:latin typeface="Times New Roman" panose="02020603050405020304" pitchFamily="18" charset="0"/>
+                    <a:cs typeface="Times New Roman" panose="02020603050405020304" pitchFamily="18" charset="0"/>
+                  </a:rPr>
+                  <a:t> </a:t>
+                </a:r>
+                <a:r>
+                  <a:rPr lang="en-US" sz="2600" dirty="0" err="1">
+                    <a:latin typeface="Times New Roman" panose="02020603050405020304" pitchFamily="18" charset="0"/>
+                    <a:cs typeface="Times New Roman" panose="02020603050405020304" pitchFamily="18" charset="0"/>
+                  </a:rPr>
+                  <a:t>dòng</a:t>
+                </a:r>
+                <a:r>
+                  <a:rPr lang="en-US" sz="2600" dirty="0">
+                    <a:latin typeface="Times New Roman" panose="02020603050405020304" pitchFamily="18" charset="0"/>
+                    <a:cs typeface="Times New Roman" panose="02020603050405020304" pitchFamily="18" charset="0"/>
+                  </a:rPr>
+                  <a:t> </a:t>
+                </a:r>
+                <a:r>
+                  <a:rPr lang="en-US" sz="2600" dirty="0" err="1">
+                    <a:latin typeface="Times New Roman" panose="02020603050405020304" pitchFamily="18" charset="0"/>
+                    <a:cs typeface="Times New Roman" panose="02020603050405020304" pitchFamily="18" charset="0"/>
+                  </a:rPr>
+                  <a:t>từ</a:t>
+                </a:r>
+                <a:r>
+                  <a:rPr lang="en-US" sz="2600" dirty="0">
+                    <a:latin typeface="Times New Roman" panose="02020603050405020304" pitchFamily="18" charset="0"/>
+                    <a:cs typeface="Times New Roman" panose="02020603050405020304" pitchFamily="18" charset="0"/>
+                  </a:rPr>
+                  <a:t> </a:t>
+                </a:r>
+                <a:r>
+                  <a:rPr lang="en-US" sz="2600" dirty="0" err="1">
+                    <a:latin typeface="Times New Roman" panose="02020603050405020304" pitchFamily="18" charset="0"/>
+                    <a:cs typeface="Times New Roman" panose="02020603050405020304" pitchFamily="18" charset="0"/>
+                  </a:rPr>
+                  <a:t>một</a:t>
+                </a:r>
+                <a:r>
+                  <a:rPr lang="en-US" sz="2600" dirty="0">
+                    <a:latin typeface="Times New Roman" panose="02020603050405020304" pitchFamily="18" charset="0"/>
+                    <a:cs typeface="Times New Roman" panose="02020603050405020304" pitchFamily="18" charset="0"/>
+                  </a:rPr>
+                  <a:t> </a:t>
+                </a:r>
+                <a:r>
+                  <a:rPr lang="en-US" sz="2600" dirty="0" err="1">
+                    <a:latin typeface="Times New Roman" panose="02020603050405020304" pitchFamily="18" charset="0"/>
+                    <a:cs typeface="Times New Roman" panose="02020603050405020304" pitchFamily="18" charset="0"/>
+                  </a:rPr>
+                  <a:t>quan</a:t>
+                </a:r>
+                <a:r>
+                  <a:rPr lang="en-US" sz="2600" dirty="0">
+                    <a:latin typeface="Times New Roman" panose="02020603050405020304" pitchFamily="18" charset="0"/>
+                    <a:cs typeface="Times New Roman" panose="02020603050405020304" pitchFamily="18" charset="0"/>
+                  </a:rPr>
+                  <a:t> </a:t>
+                </a:r>
+                <a:r>
+                  <a:rPr lang="en-US" sz="2600" dirty="0" err="1">
+                    <a:latin typeface="Times New Roman" panose="02020603050405020304" pitchFamily="18" charset="0"/>
+                    <a:cs typeface="Times New Roman" panose="02020603050405020304" pitchFamily="18" charset="0"/>
+                  </a:rPr>
+                  <a:t>hệ</a:t>
+                </a:r>
+                <a:r>
+                  <a:rPr lang="en-US" sz="2600" dirty="0">
+                    <a:latin typeface="Times New Roman" panose="02020603050405020304" pitchFamily="18" charset="0"/>
+                    <a:cs typeface="Times New Roman" panose="02020603050405020304" pitchFamily="18" charset="0"/>
+                  </a:rPr>
+                  <a:t> (</a:t>
+                </a:r>
+                <a:r>
+                  <a:rPr lang="en-US" sz="2600" dirty="0" err="1">
+                    <a:latin typeface="Times New Roman" panose="02020603050405020304" pitchFamily="18" charset="0"/>
+                    <a:cs typeface="Times New Roman" panose="02020603050405020304" pitchFamily="18" charset="0"/>
+                  </a:rPr>
+                  <a:t>chiều</a:t>
+                </a:r>
+                <a:r>
+                  <a:rPr lang="en-US" sz="2600" dirty="0">
+                    <a:latin typeface="Times New Roman" panose="02020603050405020304" pitchFamily="18" charset="0"/>
+                    <a:cs typeface="Times New Roman" panose="02020603050405020304" pitchFamily="18" charset="0"/>
+                  </a:rPr>
+                  <a:t> </a:t>
+                </a:r>
+                <a:r>
+                  <a:rPr lang="en-US" sz="2600" dirty="0" err="1">
+                    <a:latin typeface="Times New Roman" panose="02020603050405020304" pitchFamily="18" charset="0"/>
+                    <a:cs typeface="Times New Roman" panose="02020603050405020304" pitchFamily="18" charset="0"/>
+                  </a:rPr>
+                  <a:t>ngang</a:t>
+                </a:r>
+                <a:r>
+                  <a:rPr lang="en-US" sz="2600" dirty="0" smtClean="0">
+                    <a:latin typeface="Times New Roman" panose="02020603050405020304" pitchFamily="18" charset="0"/>
+                    <a:cs typeface="Times New Roman" panose="02020603050405020304" pitchFamily="18" charset="0"/>
+                  </a:rPr>
+                  <a:t>).</a:t>
+                </a:r>
+              </a:p>
+              <a:p>
+                <a:pPr lvl="0" algn="l"/>
+                <a:endParaRPr lang="en-US" sz="2600" dirty="0">
+                  <a:latin typeface="Times New Roman" panose="02020603050405020304" pitchFamily="18" charset="0"/>
+                  <a:cs typeface="Times New Roman" panose="02020603050405020304" pitchFamily="18" charset="0"/>
+                </a:endParaRPr>
+              </a:p>
+              <a:p>
+                <a:pPr algn="l"/>
+                <a:r>
+                  <a:rPr lang="en-US" sz="2600" dirty="0" smtClean="0">
+                    <a:latin typeface="Times New Roman" panose="02020603050405020304" pitchFamily="18" charset="0"/>
+                    <a:cs typeface="Times New Roman" panose="02020603050405020304" pitchFamily="18" charset="0"/>
+                  </a:rPr>
+                  <a:t>			</a:t>
+                </a:r>
+                <a14:m>
+                  <m:oMath xmlns:m="http://schemas.openxmlformats.org/officeDocument/2006/math">
+                    <m:sSub>
+                      <m:sSubPr>
+                        <m:ctrlPr>
+                          <a:rPr lang="en-US" sz="4000" i="1">
+                            <a:latin typeface="Cambria Math" panose="02040503050406030204" pitchFamily="18" charset="0"/>
+                          </a:rPr>
+                        </m:ctrlPr>
+                      </m:sSubPr>
+                      <m:e>
+                        <m:r>
+                          <a:rPr lang="en-US" sz="4000" i="1">
+                            <a:latin typeface="Cambria Math" panose="02040503050406030204" pitchFamily="18" charset="0"/>
+                          </a:rPr>
+                          <m:t>𝜎</m:t>
+                        </m:r>
+                      </m:e>
+                      <m:sub>
+                        <m:r>
+                          <a:rPr lang="en-US" sz="4000" i="1">
+                            <a:latin typeface="Cambria Math" panose="02040503050406030204" pitchFamily="18" charset="0"/>
+                          </a:rPr>
+                          <m:t>𝐹</m:t>
+                        </m:r>
+                      </m:sub>
+                    </m:sSub>
+                    <m:d>
+                      <m:dPr>
+                        <m:ctrlPr>
+                          <a:rPr lang="en-US" sz="4000" i="1">
+                            <a:latin typeface="Cambria Math" panose="02040503050406030204" pitchFamily="18" charset="0"/>
+                          </a:rPr>
+                        </m:ctrlPr>
+                      </m:dPr>
+                      <m:e>
+                        <m:r>
+                          <a:rPr lang="en-US" sz="4000" i="1">
+                            <a:latin typeface="Cambria Math" panose="02040503050406030204" pitchFamily="18" charset="0"/>
+                          </a:rPr>
+                          <m:t>𝑅</m:t>
+                        </m:r>
+                      </m:e>
+                    </m:d>
+                  </m:oMath>
+                </a14:m>
+                <a:endParaRPr lang="en-US" sz="4000" i="1" dirty="0" smtClean="0">
+                  <a:latin typeface="Times New Roman" panose="02020603050405020304" pitchFamily="18" charset="0"/>
+                  <a:cs typeface="Times New Roman" panose="02020603050405020304" pitchFamily="18" charset="0"/>
+                </a:endParaRPr>
+              </a:p>
+              <a:p>
+                <a:pPr algn="l"/>
+                <a:endParaRPr lang="en-US" sz="2600" i="1" dirty="0" smtClean="0">
+                  <a:latin typeface="Times New Roman" panose="02020603050405020304" pitchFamily="18" charset="0"/>
+                  <a:cs typeface="Times New Roman" panose="02020603050405020304" pitchFamily="18" charset="0"/>
+                </a:endParaRPr>
+              </a:p>
+              <a:p>
+                <a:pPr algn="l"/>
+                <a:r>
+                  <a:rPr lang="en-US" sz="2600" i="1" dirty="0">
+                    <a:latin typeface="Times New Roman" panose="02020603050405020304" pitchFamily="18" charset="0"/>
+                    <a:cs typeface="Times New Roman" panose="02020603050405020304" pitchFamily="18" charset="0"/>
+                  </a:rPr>
+                  <a:t>	</a:t>
+                </a:r>
+                <a14:m>
+                  <m:oMath xmlns:m="http://schemas.openxmlformats.org/officeDocument/2006/math">
+                    <m:r>
+                      <a:rPr lang="en-US" sz="2600" i="1">
+                        <a:latin typeface="Cambria Math" panose="02040503050406030204" pitchFamily="18" charset="0"/>
+                      </a:rPr>
+                      <m:t>𝑅</m:t>
+                    </m:r>
+                  </m:oMath>
+                </a14:m>
+                <a:r>
+                  <a:rPr lang="en-US" sz="2600" dirty="0">
+                    <a:latin typeface="Times New Roman" panose="02020603050405020304" pitchFamily="18" charset="0"/>
+                    <a:cs typeface="Times New Roman" panose="02020603050405020304" pitchFamily="18" charset="0"/>
+                  </a:rPr>
+                  <a:t>: </a:t>
+                </a:r>
+                <a:r>
+                  <a:rPr lang="en-US" sz="2600" dirty="0" err="1">
+                    <a:latin typeface="Times New Roman" panose="02020603050405020304" pitchFamily="18" charset="0"/>
+                    <a:cs typeface="Times New Roman" panose="02020603050405020304" pitchFamily="18" charset="0"/>
+                  </a:rPr>
+                  <a:t>quan</a:t>
+                </a:r>
+                <a:r>
+                  <a:rPr lang="en-US" sz="2600" dirty="0">
+                    <a:latin typeface="Times New Roman" panose="02020603050405020304" pitchFamily="18" charset="0"/>
+                    <a:cs typeface="Times New Roman" panose="02020603050405020304" pitchFamily="18" charset="0"/>
+                  </a:rPr>
+                  <a:t> </a:t>
+                </a:r>
+                <a:r>
+                  <a:rPr lang="en-US" sz="2600" dirty="0" err="1" smtClean="0">
+                    <a:latin typeface="Times New Roman" panose="02020603050405020304" pitchFamily="18" charset="0"/>
+                    <a:cs typeface="Times New Roman" panose="02020603050405020304" pitchFamily="18" charset="0"/>
+                  </a:rPr>
+                  <a:t>hệ</a:t>
+                </a:r>
+                <a:r>
+                  <a:rPr lang="en-US" sz="2600" dirty="0" smtClean="0">
+                    <a:latin typeface="Times New Roman" panose="02020603050405020304" pitchFamily="18" charset="0"/>
+                    <a:cs typeface="Times New Roman" panose="02020603050405020304" pitchFamily="18" charset="0"/>
+                  </a:rPr>
+                  <a:t>.</a:t>
+                </a:r>
+                <a:endParaRPr lang="en-US" sz="2600" dirty="0">
+                  <a:latin typeface="Times New Roman" panose="02020603050405020304" pitchFamily="18" charset="0"/>
+                  <a:cs typeface="Times New Roman" panose="02020603050405020304" pitchFamily="18" charset="0"/>
+                </a:endParaRPr>
+              </a:p>
+              <a:p>
+                <a:pPr algn="l"/>
+                <a:r>
+                  <a:rPr lang="en-US" sz="2600" dirty="0">
+                    <a:latin typeface="Times New Roman" panose="02020603050405020304" pitchFamily="18" charset="0"/>
+                    <a:cs typeface="Times New Roman" panose="02020603050405020304" pitchFamily="18" charset="0"/>
+                  </a:rPr>
+                  <a:t>	</a:t>
+                </a:r>
+                <a14:m>
+                  <m:oMath xmlns:m="http://schemas.openxmlformats.org/officeDocument/2006/math">
+                    <m:r>
+                      <a:rPr lang="en-US" sz="2600" i="1">
+                        <a:latin typeface="Cambria Math" panose="02040503050406030204" pitchFamily="18" charset="0"/>
+                      </a:rPr>
+                      <m:t>𝐹</m:t>
+                    </m:r>
+                  </m:oMath>
+                </a14:m>
+                <a:r>
+                  <a:rPr lang="en-US" sz="2600" dirty="0">
+                    <a:latin typeface="Times New Roman" panose="02020603050405020304" pitchFamily="18" charset="0"/>
+                    <a:cs typeface="Times New Roman" panose="02020603050405020304" pitchFamily="18" charset="0"/>
+                  </a:rPr>
+                  <a:t>: </a:t>
+                </a:r>
+                <a:r>
+                  <a:rPr lang="en-US" sz="2600" dirty="0" err="1" smtClean="0">
+                    <a:latin typeface="Times New Roman" panose="02020603050405020304" pitchFamily="18" charset="0"/>
+                    <a:cs typeface="Times New Roman" panose="02020603050405020304" pitchFamily="18" charset="0"/>
+                  </a:rPr>
+                  <a:t>biểu</a:t>
+                </a:r>
+                <a:r>
+                  <a:rPr lang="en-US" sz="2600" dirty="0" smtClean="0">
+                    <a:latin typeface="Times New Roman" panose="02020603050405020304" pitchFamily="18" charset="0"/>
+                    <a:cs typeface="Times New Roman" panose="02020603050405020304" pitchFamily="18" charset="0"/>
+                  </a:rPr>
+                  <a:t> </a:t>
+                </a:r>
+                <a:r>
+                  <a:rPr lang="en-US" sz="2600" dirty="0" err="1" smtClean="0">
+                    <a:latin typeface="Times New Roman" panose="02020603050405020304" pitchFamily="18" charset="0"/>
+                    <a:cs typeface="Times New Roman" panose="02020603050405020304" pitchFamily="18" charset="0"/>
+                  </a:rPr>
+                  <a:t>thức</a:t>
+                </a:r>
+                <a:r>
+                  <a:rPr lang="en-US" sz="2600" dirty="0" smtClean="0">
+                    <a:latin typeface="Times New Roman" panose="02020603050405020304" pitchFamily="18" charset="0"/>
+                    <a:cs typeface="Times New Roman" panose="02020603050405020304" pitchFamily="18" charset="0"/>
+                  </a:rPr>
+                  <a:t> điều </a:t>
+                </a:r>
+                <a:r>
+                  <a:rPr lang="en-US" sz="2600" dirty="0" err="1" smtClean="0">
+                    <a:latin typeface="Times New Roman" panose="02020603050405020304" pitchFamily="18" charset="0"/>
+                    <a:cs typeface="Times New Roman" panose="02020603050405020304" pitchFamily="18" charset="0"/>
+                  </a:rPr>
+                  <a:t>kiện</a:t>
+                </a:r>
+                <a:r>
+                  <a:rPr lang="en-US" sz="2600" dirty="0" smtClean="0">
+                    <a:latin typeface="Times New Roman" panose="02020603050405020304" pitchFamily="18" charset="0"/>
+                    <a:cs typeface="Times New Roman" panose="02020603050405020304" pitchFamily="18" charset="0"/>
+                  </a:rPr>
+                  <a:t>, </a:t>
+                </a:r>
+                <a:r>
+                  <a:rPr lang="en-US" sz="2600" dirty="0" err="1" smtClean="0">
+                    <a:latin typeface="Times New Roman" panose="02020603050405020304" pitchFamily="18" charset="0"/>
+                    <a:cs typeface="Times New Roman" panose="02020603050405020304" pitchFamily="18" charset="0"/>
+                  </a:rPr>
+                  <a:t>gồm</a:t>
+                </a:r>
+                <a:r>
+                  <a:rPr lang="en-US" sz="2600" dirty="0" smtClean="0">
+                    <a:latin typeface="Times New Roman" panose="02020603050405020304" pitchFamily="18" charset="0"/>
+                    <a:cs typeface="Times New Roman" panose="02020603050405020304" pitchFamily="18" charset="0"/>
+                  </a:rPr>
+                  <a:t>:</a:t>
+                </a:r>
+              </a:p>
+              <a:p>
+                <a:pPr algn="l"/>
+                <a:r>
+                  <a:rPr lang="en-US" sz="2600" dirty="0" smtClean="0">
+                    <a:latin typeface="Times New Roman" panose="02020603050405020304" pitchFamily="18" charset="0"/>
+                    <a:cs typeface="Times New Roman" panose="02020603050405020304" pitchFamily="18" charset="0"/>
+                  </a:rPr>
+                  <a:t>		+ </a:t>
+                </a:r>
+                <a:r>
+                  <a:rPr lang="en-US" sz="2600" dirty="0" err="1">
+                    <a:latin typeface="Times New Roman" panose="02020603050405020304" pitchFamily="18" charset="0"/>
+                    <a:cs typeface="Times New Roman" panose="02020603050405020304" pitchFamily="18" charset="0"/>
+                  </a:rPr>
+                  <a:t>C</a:t>
+                </a:r>
+                <a:r>
+                  <a:rPr lang="en-US" sz="2600" dirty="0" err="1" smtClean="0">
+                    <a:latin typeface="Times New Roman" panose="02020603050405020304" pitchFamily="18" charset="0"/>
+                    <a:cs typeface="Times New Roman" panose="02020603050405020304" pitchFamily="18" charset="0"/>
+                  </a:rPr>
+                  <a:t>ác</a:t>
+                </a:r>
+                <a:r>
+                  <a:rPr lang="en-US" sz="2600" dirty="0" smtClean="0">
+                    <a:latin typeface="Times New Roman" panose="02020603050405020304" pitchFamily="18" charset="0"/>
+                    <a:cs typeface="Times New Roman" panose="02020603050405020304" pitchFamily="18" charset="0"/>
+                  </a:rPr>
+                  <a:t> </a:t>
+                </a:r>
+                <a:r>
+                  <a:rPr lang="en-US" sz="2600" dirty="0" err="1" smtClean="0">
+                    <a:latin typeface="Times New Roman" panose="02020603050405020304" pitchFamily="18" charset="0"/>
+                    <a:cs typeface="Times New Roman" panose="02020603050405020304" pitchFamily="18" charset="0"/>
+                  </a:rPr>
+                  <a:t>hằng</a:t>
+                </a:r>
+                <a:r>
+                  <a:rPr lang="en-US" sz="2600" dirty="0" smtClean="0">
+                    <a:latin typeface="Times New Roman" panose="02020603050405020304" pitchFamily="18" charset="0"/>
+                    <a:cs typeface="Times New Roman" panose="02020603050405020304" pitchFamily="18" charset="0"/>
+                  </a:rPr>
+                  <a:t> </a:t>
+                </a:r>
+                <a:r>
+                  <a:rPr lang="en-US" sz="2600" dirty="0" err="1" smtClean="0">
+                    <a:latin typeface="Times New Roman" panose="02020603050405020304" pitchFamily="18" charset="0"/>
+                    <a:cs typeface="Times New Roman" panose="02020603050405020304" pitchFamily="18" charset="0"/>
+                  </a:rPr>
+                  <a:t>hoặc</a:t>
+                </a:r>
+                <a:r>
+                  <a:rPr lang="en-US" sz="2600" dirty="0" smtClean="0">
+                    <a:latin typeface="Times New Roman" panose="02020603050405020304" pitchFamily="18" charset="0"/>
+                    <a:cs typeface="Times New Roman" panose="02020603050405020304" pitchFamily="18" charset="0"/>
+                  </a:rPr>
+                  <a:t> </a:t>
+                </a:r>
+                <a:r>
+                  <a:rPr lang="en-US" sz="2600" dirty="0" err="1" smtClean="0">
+                    <a:latin typeface="Times New Roman" panose="02020603050405020304" pitchFamily="18" charset="0"/>
+                    <a:cs typeface="Times New Roman" panose="02020603050405020304" pitchFamily="18" charset="0"/>
+                  </a:rPr>
+                  <a:t>thuộc</a:t>
+                </a:r>
+                <a:r>
+                  <a:rPr lang="en-US" sz="2600" dirty="0" smtClean="0">
+                    <a:latin typeface="Times New Roman" panose="02020603050405020304" pitchFamily="18" charset="0"/>
+                    <a:cs typeface="Times New Roman" panose="02020603050405020304" pitchFamily="18" charset="0"/>
+                  </a:rPr>
+                  <a:t> </a:t>
+                </a:r>
+                <a:r>
+                  <a:rPr lang="en-US" sz="2600" dirty="0" err="1" smtClean="0">
+                    <a:latin typeface="Times New Roman" panose="02020603050405020304" pitchFamily="18" charset="0"/>
+                    <a:cs typeface="Times New Roman" panose="02020603050405020304" pitchFamily="18" charset="0"/>
+                  </a:rPr>
+                  <a:t>tính</a:t>
+                </a:r>
+                <a:r>
+                  <a:rPr lang="en-US" sz="2600" dirty="0" smtClean="0">
+                    <a:latin typeface="Times New Roman" panose="02020603050405020304" pitchFamily="18" charset="0"/>
+                    <a:cs typeface="Times New Roman" panose="02020603050405020304" pitchFamily="18" charset="0"/>
+                  </a:rPr>
+                  <a:t>.</a:t>
+                </a:r>
+              </a:p>
+              <a:p>
+                <a:pPr algn="l"/>
+                <a:r>
+                  <a:rPr lang="en-US" sz="2600" dirty="0">
+                    <a:effectLst/>
+                    <a:latin typeface="Times New Roman" panose="02020603050405020304" pitchFamily="18" charset="0"/>
+                    <a:ea typeface="Calibri" panose="020F0502020204030204" pitchFamily="34" charset="0"/>
+                    <a:cs typeface="Times New Roman" panose="02020603050405020304" pitchFamily="18" charset="0"/>
+                  </a:rPr>
+                  <a:t>	</a:t>
+                </a:r>
+                <a:r>
+                  <a:rPr lang="en-US" sz="2600" dirty="0" smtClean="0">
+                    <a:effectLst/>
+                    <a:latin typeface="Times New Roman" panose="02020603050405020304" pitchFamily="18" charset="0"/>
+                    <a:ea typeface="Calibri" panose="020F0502020204030204" pitchFamily="34" charset="0"/>
+                    <a:cs typeface="Times New Roman" panose="02020603050405020304" pitchFamily="18" charset="0"/>
+                  </a:rPr>
+                  <a:t>	+ </a:t>
+                </a:r>
+                <a:r>
+                  <a:rPr lang="en-US" sz="2600" dirty="0" err="1" smtClean="0">
+                    <a:effectLst/>
+                    <a:latin typeface="Times New Roman" panose="02020603050405020304" pitchFamily="18" charset="0"/>
+                    <a:ea typeface="Calibri" panose="020F0502020204030204" pitchFamily="34" charset="0"/>
+                    <a:cs typeface="Times New Roman" panose="02020603050405020304" pitchFamily="18" charset="0"/>
+                  </a:rPr>
+                  <a:t>Các</a:t>
+                </a:r>
+                <a:r>
+                  <a:rPr lang="en-US" sz="2600" dirty="0" smtClean="0">
+                    <a:effectLst/>
+                    <a:latin typeface="Times New Roman" panose="02020603050405020304" pitchFamily="18" charset="0"/>
+                    <a:ea typeface="Calibri" panose="020F0502020204030204" pitchFamily="34" charset="0"/>
+                    <a:cs typeface="Times New Roman" panose="02020603050405020304" pitchFamily="18" charset="0"/>
+                  </a:rPr>
+                  <a:t> </a:t>
+                </a:r>
+                <a:r>
+                  <a:rPr lang="en-US" sz="2600" dirty="0" err="1" smtClean="0">
+                    <a:effectLst/>
+                    <a:latin typeface="Times New Roman" panose="02020603050405020304" pitchFamily="18" charset="0"/>
+                    <a:ea typeface="Calibri" panose="020F0502020204030204" pitchFamily="34" charset="0"/>
+                    <a:cs typeface="Times New Roman" panose="02020603050405020304" pitchFamily="18" charset="0"/>
+                  </a:rPr>
+                  <a:t>phép</a:t>
+                </a:r>
+                <a:r>
+                  <a:rPr lang="en-US" sz="2600" dirty="0" smtClean="0">
+                    <a:effectLst/>
+                    <a:latin typeface="Times New Roman" panose="02020603050405020304" pitchFamily="18" charset="0"/>
+                    <a:ea typeface="Calibri" panose="020F0502020204030204" pitchFamily="34" charset="0"/>
+                    <a:cs typeface="Times New Roman" panose="02020603050405020304" pitchFamily="18" charset="0"/>
+                  </a:rPr>
+                  <a:t> so </a:t>
+                </a:r>
+                <a:r>
+                  <a:rPr lang="en-US" sz="2600" dirty="0" err="1" smtClean="0">
+                    <a:effectLst/>
+                    <a:latin typeface="Times New Roman" panose="02020603050405020304" pitchFamily="18" charset="0"/>
+                    <a:ea typeface="Calibri" panose="020F0502020204030204" pitchFamily="34" charset="0"/>
+                    <a:cs typeface="Times New Roman" panose="02020603050405020304" pitchFamily="18" charset="0"/>
+                  </a:rPr>
+                  <a:t>sánh</a:t>
+                </a:r>
+                <a:r>
+                  <a:rPr lang="en-US" sz="2600" dirty="0" smtClean="0">
+                    <a:effectLst/>
+                    <a:latin typeface="Times New Roman" panose="02020603050405020304" pitchFamily="18" charset="0"/>
+                    <a:ea typeface="Calibri" panose="020F0502020204030204" pitchFamily="34" charset="0"/>
+                    <a:cs typeface="Times New Roman" panose="02020603050405020304" pitchFamily="18" charset="0"/>
+                  </a:rPr>
+                  <a:t>: </a:t>
+                </a:r>
+                <a:r>
+                  <a:rPr lang="en-US" sz="2600" dirty="0">
+                    <a:latin typeface="Times New Roman" panose="02020603050405020304" pitchFamily="18" charset="0"/>
+                    <a:cs typeface="Times New Roman" panose="02020603050405020304" pitchFamily="18" charset="0"/>
+                  </a:rPr>
+                  <a:t>&lt;, &gt;, =, </a:t>
+                </a:r>
+                <a:r>
+                  <a:rPr lang="en-US" sz="2600" dirty="0">
+                    <a:latin typeface="Times New Roman" panose="02020603050405020304" pitchFamily="18" charset="0"/>
+                    <a:cs typeface="Times New Roman" panose="02020603050405020304" pitchFamily="18" charset="0"/>
+                    <a:sym typeface="Symbol" charset="0"/>
+                  </a:rPr>
+                  <a:t></a:t>
+                </a:r>
+                <a:r>
+                  <a:rPr lang="en-US" sz="2600" dirty="0">
+                    <a:latin typeface="Times New Roman" panose="02020603050405020304" pitchFamily="18" charset="0"/>
+                    <a:cs typeface="Times New Roman" panose="02020603050405020304" pitchFamily="18" charset="0"/>
+                  </a:rPr>
+                  <a:t>, </a:t>
+                </a:r>
+                <a:r>
+                  <a:rPr lang="en-US" sz="2600" dirty="0">
+                    <a:latin typeface="Times New Roman" panose="02020603050405020304" pitchFamily="18" charset="0"/>
+                    <a:cs typeface="Times New Roman" panose="02020603050405020304" pitchFamily="18" charset="0"/>
+                    <a:sym typeface="Symbol"/>
+                  </a:rPr>
+                  <a:t></a:t>
+                </a:r>
+                <a:r>
+                  <a:rPr lang="en-US" sz="2600" dirty="0">
+                    <a:latin typeface="Times New Roman" panose="02020603050405020304" pitchFamily="18" charset="0"/>
+                    <a:cs typeface="Times New Roman" panose="02020603050405020304" pitchFamily="18" charset="0"/>
+                  </a:rPr>
+                  <a:t>, </a:t>
+                </a:r>
+                <a:r>
+                  <a:rPr lang="en-US" sz="2600" dirty="0" smtClean="0">
+                    <a:latin typeface="Times New Roman" panose="02020603050405020304" pitchFamily="18" charset="0"/>
+                    <a:cs typeface="Times New Roman" panose="02020603050405020304" pitchFamily="18" charset="0"/>
+                    <a:sym typeface="Symbol" charset="0"/>
+                  </a:rPr>
+                  <a:t></a:t>
+                </a:r>
+              </a:p>
+              <a:p>
+                <a:pPr algn="l"/>
+                <a:r>
+                  <a:rPr lang="en-US" sz="2600" dirty="0">
+                    <a:effectLst/>
+                    <a:latin typeface="Times New Roman" panose="02020603050405020304" pitchFamily="18" charset="0"/>
+                    <a:ea typeface="Calibri" panose="020F0502020204030204" pitchFamily="34" charset="0"/>
+                    <a:cs typeface="Times New Roman" panose="02020603050405020304" pitchFamily="18" charset="0"/>
+                    <a:sym typeface="Symbol" charset="0"/>
+                  </a:rPr>
+                  <a:t>	</a:t>
+                </a:r>
+                <a:r>
+                  <a:rPr lang="en-US" sz="2600" dirty="0" smtClean="0">
+                    <a:effectLst/>
+                    <a:latin typeface="Times New Roman" panose="02020603050405020304" pitchFamily="18" charset="0"/>
+                    <a:ea typeface="Calibri" panose="020F0502020204030204" pitchFamily="34" charset="0"/>
+                    <a:cs typeface="Times New Roman" panose="02020603050405020304" pitchFamily="18" charset="0"/>
+                    <a:sym typeface="Symbol" charset="0"/>
+                  </a:rPr>
+                  <a:t>	</a:t>
+                </a:r>
+                <a:r>
+                  <a:rPr lang="en-US" sz="2600" dirty="0">
+                    <a:latin typeface="Times New Roman" panose="02020603050405020304" pitchFamily="18" charset="0"/>
+                    <a:ea typeface="Calibri" panose="020F0502020204030204" pitchFamily="34" charset="0"/>
+                    <a:cs typeface="Times New Roman" panose="02020603050405020304" pitchFamily="18" charset="0"/>
+                    <a:sym typeface="Symbol" charset="0"/>
+                  </a:rPr>
+                  <a:t>+ </a:t>
+                </a:r>
+                <a:r>
+                  <a:rPr lang="en-US" sz="2600" dirty="0" err="1" smtClean="0">
+                    <a:latin typeface="Times New Roman" panose="02020603050405020304" pitchFamily="18" charset="0"/>
+                    <a:ea typeface="Calibri" panose="020F0502020204030204" pitchFamily="34" charset="0"/>
+                    <a:cs typeface="Times New Roman" panose="02020603050405020304" pitchFamily="18" charset="0"/>
+                    <a:sym typeface="Symbol" charset="0"/>
+                  </a:rPr>
+                  <a:t>Các</a:t>
+                </a:r>
+                <a:r>
+                  <a:rPr lang="en-US" sz="2600" dirty="0" smtClean="0">
+                    <a:latin typeface="Times New Roman" panose="02020603050405020304" pitchFamily="18" charset="0"/>
+                    <a:ea typeface="Calibri" panose="020F0502020204030204" pitchFamily="34" charset="0"/>
+                    <a:cs typeface="Times New Roman" panose="02020603050405020304" pitchFamily="18" charset="0"/>
+                    <a:sym typeface="Symbol" charset="0"/>
+                  </a:rPr>
+                  <a:t> </a:t>
+                </a:r>
+                <a:r>
+                  <a:rPr lang="en-US" sz="2600" dirty="0" err="1" smtClean="0">
+                    <a:latin typeface="Times New Roman" panose="02020603050405020304" pitchFamily="18" charset="0"/>
+                    <a:ea typeface="Calibri" panose="020F0502020204030204" pitchFamily="34" charset="0"/>
+                    <a:cs typeface="Times New Roman" panose="02020603050405020304" pitchFamily="18" charset="0"/>
+                    <a:sym typeface="Symbol" charset="0"/>
+                  </a:rPr>
+                  <a:t>toán</a:t>
+                </a:r>
+                <a:r>
+                  <a:rPr lang="en-US" sz="2600" dirty="0" smtClean="0">
+                    <a:latin typeface="Times New Roman" panose="02020603050405020304" pitchFamily="18" charset="0"/>
+                    <a:ea typeface="Calibri" panose="020F0502020204030204" pitchFamily="34" charset="0"/>
+                    <a:cs typeface="Times New Roman" panose="02020603050405020304" pitchFamily="18" charset="0"/>
+                    <a:sym typeface="Symbol" charset="0"/>
+                  </a:rPr>
+                  <a:t> </a:t>
+                </a:r>
+                <a:r>
+                  <a:rPr lang="en-US" sz="2600" dirty="0" err="1" smtClean="0">
+                    <a:latin typeface="Times New Roman" panose="02020603050405020304" pitchFamily="18" charset="0"/>
+                    <a:ea typeface="Calibri" panose="020F0502020204030204" pitchFamily="34" charset="0"/>
+                    <a:cs typeface="Times New Roman" panose="02020603050405020304" pitchFamily="18" charset="0"/>
+                    <a:sym typeface="Symbol" charset="0"/>
+                  </a:rPr>
+                  <a:t>tử</a:t>
+                </a:r>
+                <a:r>
+                  <a:rPr lang="en-US" sz="2600" dirty="0" smtClean="0">
+                    <a:latin typeface="Times New Roman" panose="02020603050405020304" pitchFamily="18" charset="0"/>
+                    <a:ea typeface="Calibri" panose="020F0502020204030204" pitchFamily="34" charset="0"/>
+                    <a:cs typeface="Times New Roman" panose="02020603050405020304" pitchFamily="18" charset="0"/>
+                    <a:sym typeface="Symbol" charset="0"/>
+                  </a:rPr>
+                  <a:t> logic: </a:t>
+                </a:r>
+                <a:r>
+                  <a:rPr lang="en-US" sz="2600" dirty="0">
+                    <a:latin typeface="Times New Roman" panose="02020603050405020304" pitchFamily="18" charset="0"/>
+                    <a:cs typeface="Times New Roman" panose="02020603050405020304" pitchFamily="18" charset="0"/>
+                    <a:sym typeface="Symbol"/>
+                  </a:rPr>
+                  <a:t></a:t>
+                </a:r>
+                <a:r>
+                  <a:rPr lang="en-US" sz="2600" dirty="0">
+                    <a:latin typeface="Times New Roman" panose="02020603050405020304" pitchFamily="18" charset="0"/>
+                    <a:cs typeface="Times New Roman" panose="02020603050405020304" pitchFamily="18" charset="0"/>
+                  </a:rPr>
+                  <a:t>, </a:t>
+                </a:r>
+                <a:r>
+                  <a:rPr lang="en-US" sz="2600" dirty="0">
+                    <a:latin typeface="Times New Roman" panose="02020603050405020304" pitchFamily="18" charset="0"/>
+                    <a:cs typeface="Times New Roman" panose="02020603050405020304" pitchFamily="18" charset="0"/>
+                    <a:sym typeface="Symbol"/>
+                  </a:rPr>
+                  <a:t></a:t>
+                </a:r>
+                <a:r>
+                  <a:rPr lang="en-US" sz="2600" dirty="0">
+                    <a:latin typeface="Times New Roman" panose="02020603050405020304" pitchFamily="18" charset="0"/>
+                    <a:cs typeface="Times New Roman" panose="02020603050405020304" pitchFamily="18" charset="0"/>
+                  </a:rPr>
+                  <a:t>, ¬</a:t>
+                </a:r>
+                <a:endParaRPr lang="en-US" sz="2600" dirty="0" smtClean="0">
+                  <a:effectLst/>
+                  <a:latin typeface="Times New Roman" panose="02020603050405020304" pitchFamily="18" charset="0"/>
+                  <a:ea typeface="Calibri" panose="020F0502020204030204" pitchFamily="34" charset="0"/>
+                  <a:cs typeface="Times New Roman" panose="02020603050405020304" pitchFamily="18" charset="0"/>
+                </a:endParaRPr>
+              </a:p>
+            </p:txBody>
+          </p:sp>
+        </mc:Choice>
+        <mc:Fallback xmlns="">
+          <p:sp>
+            <p:nvSpPr>
+              <p:cNvPr id="5" name="Content Placeholder 2"/>
+              <p:cNvSpPr txBox="1">
+                <a:spLocks noRot="1" noChangeAspect="1" noMove="1" noResize="1" noEditPoints="1" noAdjustHandles="1" noChangeArrowheads="1" noChangeShapeType="1" noTextEdit="1"/>
+              </p:cNvSpPr>
+              <p:nvPr/>
+            </p:nvSpPr>
+            <p:spPr>
+              <a:xfrm>
+                <a:off x="0" y="751950"/>
+                <a:ext cx="12192000" cy="6106050"/>
+              </a:xfrm>
+              <a:prstGeom prst="rect">
+                <a:avLst/>
+              </a:prstGeom>
+              <a:blipFill>
+                <a:blip r:embed="rId2"/>
+                <a:stretch>
+                  <a:fillRect/>
+                </a:stretch>
+              </a:blipFill>
+            </p:spPr>
+            <p:txBody>
+              <a:bodyPr/>
+              <a:lstStyle/>
+              <a:p>
+                <a:r>
+                  <a:rPr lang="en-US">
+                    <a:noFill/>
+                  </a:rPr>
+                  <a:t> </a:t>
+                </a:r>
+              </a:p>
+            </p:txBody>
+          </p:sp>
+        </mc:Fallback>
+      </mc:AlternateContent>
+      <p:pic>
+        <p:nvPicPr>
+          <p:cNvPr id="3" name="Picture 2"/>
+          <p:cNvPicPr>
+            <a:picLocks noChangeAspect="1"/>
+          </p:cNvPicPr>
+          <p:nvPr/>
+        </p:nvPicPr>
+        <p:blipFill rotWithShape="1">
+          <a:blip r:embed="rId3">
+            <a:extLst>
+              <a:ext uri="{28A0092B-C50C-407E-A947-70E740481C1C}">
+                <a14:useLocalDpi xmlns:a14="http://schemas.microsoft.com/office/drawing/2010/main" val="0"/>
+              </a:ext>
+            </a:extLst>
+          </a:blip>
+          <a:srcRect l="60631" t="31690" r="17081" b="44625"/>
+          <a:stretch/>
+        </p:blipFill>
+        <p:spPr>
+          <a:xfrm>
+            <a:off x="7315200" y="1537150"/>
+            <a:ext cx="4605250" cy="3674225"/>
+          </a:xfrm>
+          <a:prstGeom prst="rect">
+            <a:avLst/>
+          </a:prstGeom>
+        </p:spPr>
+      </p:pic>
+    </p:spTree>
+    <p:extLst>
+      <p:ext uri="{BB962C8B-B14F-4D97-AF65-F5344CB8AC3E}">
+        <p14:creationId xmlns:p14="http://schemas.microsoft.com/office/powerpoint/2010/main" val="1267808932"/>
+      </p:ext>
+    </p:extLst>
+  </p:cSld>
+  <p:clrMapOvr>
+    <a:masterClrMapping/>
+  </p:clrMapOvr>
+  <mc:AlternateContent xmlns:mc="http://schemas.openxmlformats.org/markup-compatibility/2006" xmlns:p14="http://schemas.microsoft.com/office/powerpoint/2010/main">
+    <mc:Choice Requires="p14">
+      <p:transition spd="slow" p14:dur="2000" advTm="18622"/>
+    </mc:Choice>
+    <mc:Fallback xmlns="">
+      <p:transition spd="slow" advTm="18622"/>
+    </mc:Fallback>
+  </mc:AlternateContent>
+  <p:timing>
+    <p:tnLst>
+      <p:par>
+        <p:cTn id="1" dur="indefinite" restart="never" nodeType="tmRoot"/>
+      </p:par>
+    </p:tnLst>
+  </p:timing>
+</p:sld>
+</file>
+
+<file path=ppt/slides/slide30.xml><?xml version="1.0" encoding="utf-8"?>
 <p:sld xmlns:a="http://schemas.openxmlformats.org/drawingml/2006/main" xmlns:r="http://schemas.openxmlformats.org/officeDocument/2006/relationships" xmlns:p="http://schemas.openxmlformats.org/presentationml/2006/main">
   <p:cSld>
     <p:spTree>
@@ -26756,6 +25788,14 @@
   <p:clrMapOvr>
     <a:masterClrMapping/>
   </p:clrMapOvr>
+  <mc:AlternateContent xmlns:mc="http://schemas.openxmlformats.org/markup-compatibility/2006" xmlns:p14="http://schemas.microsoft.com/office/powerpoint/2010/main">
+    <mc:Choice Requires="p14">
+      <p:transition spd="slow" p14:dur="2000" advTm="28533"/>
+    </mc:Choice>
+    <mc:Fallback xmlns="">
+      <p:transition spd="slow" advTm="28533"/>
+    </mc:Fallback>
+  </mc:AlternateContent>
   <p:timing>
     <p:tnLst>
       <p:par>
@@ -26766,7 +25806,7 @@
 </p:sld>
 </file>
 
-<file path=ppt/slides/slide33.xml><?xml version="1.0" encoding="utf-8"?>
+<file path=ppt/slides/slide31.xml><?xml version="1.0" encoding="utf-8"?>
 <p:sld xmlns:a="http://schemas.openxmlformats.org/drawingml/2006/main" xmlns:r="http://schemas.openxmlformats.org/officeDocument/2006/relationships" xmlns:p="http://schemas.openxmlformats.org/presentationml/2006/main">
   <p:cSld>
     <p:spTree>
@@ -27119,7 +26159,7 @@
           <p:nvPr/>
         </p:nvPicPr>
         <p:blipFill>
-          <a:blip r:embed="rId2">
+          <a:blip r:embed="rId3">
             <a:extLst>
               <a:ext uri="{28A0092B-C50C-407E-A947-70E740481C1C}">
                 <a14:useLocalDpi xmlns:a14="http://schemas.microsoft.com/office/drawing/2010/main" val="0"/>
@@ -27147,7 +26187,7 @@
           <p:nvPr/>
         </p:nvPicPr>
         <p:blipFill>
-          <a:blip r:embed="rId3">
+          <a:blip r:embed="rId4">
             <a:extLst>
               <a:ext uri="{28A0092B-C50C-407E-A947-70E740481C1C}">
                 <a14:useLocalDpi xmlns:a14="http://schemas.microsoft.com/office/drawing/2010/main" val="0"/>
@@ -27175,7 +26215,7 @@
           <p:nvPr/>
         </p:nvPicPr>
         <p:blipFill>
-          <a:blip r:embed="rId4">
+          <a:blip r:embed="rId5">
             <a:extLst>
               <a:ext uri="{28A0092B-C50C-407E-A947-70E740481C1C}">
                 <a14:useLocalDpi xmlns:a14="http://schemas.microsoft.com/office/drawing/2010/main" val="0"/>
@@ -27205,7 +26245,7 @@
           <p:nvPr/>
         </p:nvPicPr>
         <p:blipFill>
-          <a:blip r:embed="rId5"/>
+          <a:blip r:embed="rId6"/>
           <a:stretch>
             <a:fillRect/>
           </a:stretch>
@@ -27220,46 +26260,10 @@
           </a:prstGeom>
         </p:spPr>
       </p:pic>
-      <mc:AlternateContent xmlns:mc="http://schemas.openxmlformats.org/markup-compatibility/2006">
-        <mc:Choice xmlns:p14="http://schemas.microsoft.com/office/powerpoint/2010/main" Requires="p14">
-          <p:contentPart p14:bwMode="auto" r:id="rId6">
-            <p14:nvContentPartPr>
-              <p14:cNvPr id="3" name="Ink 2"/>
-              <p14:cNvContentPartPr/>
-              <p14:nvPr/>
-            </p14:nvContentPartPr>
-            <p14:xfrm>
-              <a:off x="10242720" y="5289480"/>
-              <a:ext cx="597240" cy="241560"/>
-            </p14:xfrm>
-          </p:contentPart>
-        </mc:Choice>
-        <mc:Fallback>
-          <p:pic>
-            <p:nvPicPr>
-              <p:cNvPr id="3" name="Ink 2"/>
-              <p:cNvPicPr/>
-              <p:nvPr/>
-            </p:nvPicPr>
-            <p:blipFill>
-              <a:blip r:embed="rId7"/>
-              <a:stretch>
-                <a:fillRect/>
-              </a:stretch>
-            </p:blipFill>
-            <p:spPr>
-              <a:xfrm>
-                <a:off x="10233360" y="5280120"/>
-                <a:ext cx="615960" cy="260280"/>
-              </a:xfrm>
-              <a:prstGeom prst="rect">
-                <a:avLst/>
-              </a:prstGeom>
-            </p:spPr>
-          </p:pic>
-        </mc:Fallback>
-      </mc:AlternateContent>
     </p:spTree>
+    <p:custDataLst>
+      <p:tags r:id="rId1"/>
+    </p:custDataLst>
     <p:extLst>
       <p:ext uri="{BB962C8B-B14F-4D97-AF65-F5344CB8AC3E}">
         <p14:creationId xmlns:p14="http://schemas.microsoft.com/office/powerpoint/2010/main" val="2479966357"/>
@@ -27269,6 +26273,14 @@
   <p:clrMapOvr>
     <a:masterClrMapping/>
   </p:clrMapOvr>
+  <mc:AlternateContent xmlns:mc="http://schemas.openxmlformats.org/markup-compatibility/2006" xmlns:p14="http://schemas.microsoft.com/office/powerpoint/2010/main">
+    <mc:Choice Requires="p14">
+      <p:transition spd="slow" p14:dur="2000" advTm="38087"/>
+    </mc:Choice>
+    <mc:Fallback xmlns="">
+      <p:transition spd="slow" advTm="38087"/>
+    </mc:Fallback>
+  </mc:AlternateContent>
   <p:timing>
     <p:tnLst>
       <p:par>
@@ -27367,51 +26379,6 @@
                       </p:childTnLst>
                     </p:cTn>
                   </p:par>
-                  <p:par>
-                    <p:cTn id="11" fill="hold">
-                      <p:stCondLst>
-                        <p:cond delay="indefinite"/>
-                      </p:stCondLst>
-                      <p:childTnLst>
-                        <p:par>
-                          <p:cTn id="12" fill="hold">
-                            <p:stCondLst>
-                              <p:cond delay="0"/>
-                            </p:stCondLst>
-                            <p:childTnLst>
-                              <p:par>
-                                <p:cTn id="13" presetID="1" presetClass="entr" presetSubtype="0" fill="hold" nodeType="clickEffect">
-                                  <p:stCondLst>
-                                    <p:cond delay="0"/>
-                                  </p:stCondLst>
-                                  <p:childTnLst>
-                                    <p:set>
-                                      <p:cBhvr>
-                                        <p:cTn id="14" dur="1" fill="hold">
-                                          <p:stCondLst>
-                                            <p:cond delay="0"/>
-                                          </p:stCondLst>
-                                        </p:cTn>
-                                        <p:tgtEl>
-                                          <p:spTgt spid="3"/>
-                                        </p:tgtEl>
-                                        <p:attrNameLst>
-                                          <p:attrName>style.visibility</p:attrName>
-                                        </p:attrNameLst>
-                                      </p:cBhvr>
-                                      <p:to>
-                                        <p:strVal val="visible"/>
-                                      </p:to>
-                                    </p:set>
-                                  </p:childTnLst>
-                                </p:cTn>
-                              </p:par>
-                            </p:childTnLst>
-                          </p:cTn>
-                        </p:par>
-                      </p:childTnLst>
-                    </p:cTn>
-                  </p:par>
                 </p:childTnLst>
               </p:cTn>
               <p:prevCondLst>
@@ -27437,7 +26404,7 @@
 </p:sld>
 </file>
 
-<file path=ppt/slides/slide34.xml><?xml version="1.0" encoding="utf-8"?>
+<file path=ppt/slides/slide32.xml><?xml version="1.0" encoding="utf-8"?>
 <p:sld xmlns:a="http://schemas.openxmlformats.org/drawingml/2006/main" xmlns:r="http://schemas.openxmlformats.org/officeDocument/2006/relationships" xmlns:p="http://schemas.openxmlformats.org/presentationml/2006/main">
   <p:cSld>
     <p:spTree>
@@ -27790,7 +26757,7 @@
           <p:nvPr/>
         </p:nvPicPr>
         <p:blipFill>
-          <a:blip r:embed="rId2">
+          <a:blip r:embed="rId3">
             <a:extLst>
               <a:ext uri="{28A0092B-C50C-407E-A947-70E740481C1C}">
                 <a14:useLocalDpi xmlns:a14="http://schemas.microsoft.com/office/drawing/2010/main" val="0"/>
@@ -27818,7 +26785,7 @@
           <p:nvPr/>
         </p:nvPicPr>
         <p:blipFill>
-          <a:blip r:embed="rId3">
+          <a:blip r:embed="rId4">
             <a:extLst>
               <a:ext uri="{28A0092B-C50C-407E-A947-70E740481C1C}">
                 <a14:useLocalDpi xmlns:a14="http://schemas.microsoft.com/office/drawing/2010/main" val="0"/>
@@ -27848,7 +26815,7 @@
           <p:nvPr/>
         </p:nvPicPr>
         <p:blipFill>
-          <a:blip r:embed="rId4"/>
+          <a:blip r:embed="rId5"/>
           <a:stretch>
             <a:fillRect/>
           </a:stretch>
@@ -27870,7 +26837,7 @@
           <p:nvPr/>
         </p:nvPicPr>
         <p:blipFill>
-          <a:blip r:embed="rId5">
+          <a:blip r:embed="rId6">
             <a:extLst>
               <a:ext uri="{28A0092B-C50C-407E-A947-70E740481C1C}">
                 <a14:useLocalDpi xmlns:a14="http://schemas.microsoft.com/office/drawing/2010/main" val="0"/>
@@ -27891,46 +26858,10 @@
           </a:prstGeom>
         </p:spPr>
       </p:pic>
-      <mc:AlternateContent xmlns:mc="http://schemas.openxmlformats.org/markup-compatibility/2006">
-        <mc:Choice xmlns:p14="http://schemas.microsoft.com/office/powerpoint/2010/main" Requires="p14">
-          <p:contentPart p14:bwMode="auto" r:id="rId6">
-            <p14:nvContentPartPr>
-              <p14:cNvPr id="11" name="Ink 10"/>
-              <p14:cNvContentPartPr/>
-              <p14:nvPr/>
-            </p14:nvContentPartPr>
-            <p14:xfrm>
-              <a:off x="7905600" y="4889520"/>
-              <a:ext cx="1397520" cy="590760"/>
-            </p14:xfrm>
-          </p:contentPart>
-        </mc:Choice>
-        <mc:Fallback>
-          <p:pic>
-            <p:nvPicPr>
-              <p:cNvPr id="11" name="Ink 10"/>
-              <p:cNvPicPr/>
-              <p:nvPr/>
-            </p:nvPicPr>
-            <p:blipFill>
-              <a:blip r:embed="rId7"/>
-              <a:stretch>
-                <a:fillRect/>
-              </a:stretch>
-            </p:blipFill>
-            <p:spPr>
-              <a:xfrm>
-                <a:off x="7896240" y="4880160"/>
-                <a:ext cx="1416240" cy="609480"/>
-              </a:xfrm>
-              <a:prstGeom prst="rect">
-                <a:avLst/>
-              </a:prstGeom>
-            </p:spPr>
-          </p:pic>
-        </mc:Fallback>
-      </mc:AlternateContent>
     </p:spTree>
+    <p:custDataLst>
+      <p:tags r:id="rId1"/>
+    </p:custDataLst>
     <p:extLst>
       <p:ext uri="{BB962C8B-B14F-4D97-AF65-F5344CB8AC3E}">
         <p14:creationId xmlns:p14="http://schemas.microsoft.com/office/powerpoint/2010/main" val="4149315484"/>
@@ -27940,6 +26871,14 @@
   <p:clrMapOvr>
     <a:masterClrMapping/>
   </p:clrMapOvr>
+  <mc:AlternateContent xmlns:mc="http://schemas.openxmlformats.org/markup-compatibility/2006" xmlns:p14="http://schemas.microsoft.com/office/powerpoint/2010/main">
+    <mc:Choice Requires="p14">
+      <p:transition spd="slow" p14:dur="2000" advTm="53208"/>
+    </mc:Choice>
+    <mc:Fallback xmlns="">
+      <p:transition spd="slow" advTm="53208"/>
+    </mc:Fallback>
+  </mc:AlternateContent>
   <p:timing>
     <p:tnLst>
       <p:par>
@@ -28038,51 +26977,6 @@
                       </p:childTnLst>
                     </p:cTn>
                   </p:par>
-                  <p:par>
-                    <p:cTn id="11" fill="hold">
-                      <p:stCondLst>
-                        <p:cond delay="indefinite"/>
-                      </p:stCondLst>
-                      <p:childTnLst>
-                        <p:par>
-                          <p:cTn id="12" fill="hold">
-                            <p:stCondLst>
-                              <p:cond delay="0"/>
-                            </p:stCondLst>
-                            <p:childTnLst>
-                              <p:par>
-                                <p:cTn id="13" presetID="1" presetClass="entr" presetSubtype="0" fill="hold" nodeType="clickEffect">
-                                  <p:stCondLst>
-                                    <p:cond delay="0"/>
-                                  </p:stCondLst>
-                                  <p:childTnLst>
-                                    <p:set>
-                                      <p:cBhvr>
-                                        <p:cTn id="14" dur="1" fill="hold">
-                                          <p:stCondLst>
-                                            <p:cond delay="0"/>
-                                          </p:stCondLst>
-                                        </p:cTn>
-                                        <p:tgtEl>
-                                          <p:spTgt spid="11"/>
-                                        </p:tgtEl>
-                                        <p:attrNameLst>
-                                          <p:attrName>style.visibility</p:attrName>
-                                        </p:attrNameLst>
-                                      </p:cBhvr>
-                                      <p:to>
-                                        <p:strVal val="visible"/>
-                                      </p:to>
-                                    </p:set>
-                                  </p:childTnLst>
-                                </p:cTn>
-                              </p:par>
-                            </p:childTnLst>
-                          </p:cTn>
-                        </p:par>
-                      </p:childTnLst>
-                    </p:cTn>
-                  </p:par>
                 </p:childTnLst>
               </p:cTn>
               <p:prevCondLst>
@@ -28108,7 +27002,7 @@
 </p:sld>
 </file>
 
-<file path=ppt/slides/slide35.xml><?xml version="1.0" encoding="utf-8"?>
+<file path=ppt/slides/slide33.xml><?xml version="1.0" encoding="utf-8"?>
 <p:sld xmlns:a="http://schemas.openxmlformats.org/drawingml/2006/main" xmlns:r="http://schemas.openxmlformats.org/officeDocument/2006/relationships" xmlns:p="http://schemas.openxmlformats.org/presentationml/2006/main">
   <p:cSld>
     <p:spTree>
@@ -28612,6 +27506,14 @@
   <p:clrMapOvr>
     <a:masterClrMapping/>
   </p:clrMapOvr>
+  <mc:AlternateContent xmlns:mc="http://schemas.openxmlformats.org/markup-compatibility/2006" xmlns:p14="http://schemas.microsoft.com/office/powerpoint/2010/main">
+    <mc:Choice Requires="p14">
+      <p:transition spd="slow" p14:dur="2000" advTm="12474"/>
+    </mc:Choice>
+    <mc:Fallback xmlns="">
+      <p:transition spd="slow" advTm="12474"/>
+    </mc:Fallback>
+  </mc:AlternateContent>
   <p:timing>
     <p:tnLst>
       <p:par>
@@ -28622,7 +27524,7 @@
 </p:sld>
 </file>
 
-<file path=ppt/slides/slide36.xml><?xml version="1.0" encoding="utf-8"?>
+<file path=ppt/slides/slide34.xml><?xml version="1.0" encoding="utf-8"?>
 <p:sld xmlns:a="http://schemas.openxmlformats.org/drawingml/2006/main" xmlns:r="http://schemas.openxmlformats.org/officeDocument/2006/relationships" xmlns:p="http://schemas.openxmlformats.org/presentationml/2006/main">
   <p:cSld>
     <p:spTree>
@@ -29042,6 +27944,14 @@
   <p:clrMapOvr>
     <a:masterClrMapping/>
   </p:clrMapOvr>
+  <mc:AlternateContent xmlns:mc="http://schemas.openxmlformats.org/markup-compatibility/2006" xmlns:p14="http://schemas.microsoft.com/office/powerpoint/2010/main">
+    <mc:Choice Requires="p14">
+      <p:transition spd="slow" p14:dur="2000" advTm="801"/>
+    </mc:Choice>
+    <mc:Fallback xmlns="">
+      <p:transition spd="slow" advTm="801"/>
+    </mc:Fallback>
+  </mc:AlternateContent>
   <p:timing>
     <p:tnLst>
       <p:par>
@@ -29052,7 +27962,7 @@
 </p:sld>
 </file>
 
-<file path=ppt/slides/slide37.xml><?xml version="1.0" encoding="utf-8"?>
+<file path=ppt/slides/slide35.xml><?xml version="1.0" encoding="utf-8"?>
 <p:sld xmlns:a="http://schemas.openxmlformats.org/drawingml/2006/main" xmlns:r="http://schemas.openxmlformats.org/officeDocument/2006/relationships" xmlns:p="http://schemas.openxmlformats.org/presentationml/2006/main">
   <p:cSld>
     <p:spTree>
@@ -29123,21 +28033,7 @@
                 <a:latin typeface="Times New Roman" panose="02020603050405020304" pitchFamily="18" charset="0"/>
                 <a:cs typeface="Times New Roman" panose="02020603050405020304" pitchFamily="18" charset="0"/>
               </a:rPr>
-              <a:t> </a:t>
-            </a:r>
-            <a:r>
-              <a:rPr lang="en-CA" sz="4300" b="1" dirty="0" smtClean="0">
-                <a:latin typeface="Times New Roman" panose="02020603050405020304" pitchFamily="18" charset="0"/>
-                <a:cs typeface="Times New Roman" panose="02020603050405020304" pitchFamily="18" charset="0"/>
-              </a:rPr>
-              <a:t>chia</a:t>
-            </a:r>
-            <a:r>
-              <a:rPr lang="en-CA" sz="4300" b="1" dirty="0" smtClean="0">
-                <a:latin typeface="Times New Roman" panose="02020603050405020304" pitchFamily="18" charset="0"/>
-                <a:cs typeface="Times New Roman" panose="02020603050405020304" pitchFamily="18" charset="0"/>
-              </a:rPr>
-              <a:t> </a:t>
+              <a:t> chia </a:t>
             </a:r>
             <a:r>
               <a:rPr lang="en-US" sz="4300" dirty="0">
@@ -29167,8 +28063,8 @@
           </a:p>
         </p:txBody>
       </p:sp>
-      <mc:AlternateContent xmlns:mc="http://schemas.openxmlformats.org/markup-compatibility/2006">
-        <mc:Choice xmlns:a14="http://schemas.microsoft.com/office/drawing/2010/main" Requires="a14">
+      <mc:AlternateContent xmlns:mc="http://schemas.openxmlformats.org/markup-compatibility/2006" xmlns:a14="http://schemas.microsoft.com/office/drawing/2010/main">
+        <mc:Choice Requires="a14">
           <p:sp>
             <p:nvSpPr>
               <p:cNvPr id="5" name="Content Placeholder 2"/>
@@ -29374,45 +28270,61 @@
                       <m:sSub>
                         <m:sSubPr>
                           <m:ctrlPr>
-                            <a:rPr lang="en-US" sz="3000" i="1"/>
+                            <a:rPr lang="en-US" sz="3000" i="1">
+                              <a:latin typeface="Cambria Math" panose="02040503050406030204" pitchFamily="18" charset="0"/>
+                            </a:rPr>
                           </m:ctrlPr>
                         </m:sSubPr>
                         <m:e>
                           <m:r>
-                            <a:rPr lang="en-US" sz="3000" i="1"/>
+                            <a:rPr lang="en-US" sz="3000" i="1">
+                              <a:latin typeface="Cambria Math" panose="02040503050406030204" pitchFamily="18" charset="0"/>
+                            </a:rPr>
                             <m:t>𝑅</m:t>
                           </m:r>
                           <m:r>
-                            <a:rPr lang="en-US" sz="3000" i="1"/>
+                            <a:rPr lang="en-US" sz="3000" i="1">
+                              <a:latin typeface="Cambria Math" panose="02040503050406030204" pitchFamily="18" charset="0"/>
+                            </a:rPr>
                             <m:t> </m:t>
                           </m:r>
                           <m:sSub>
                             <m:sSubPr>
                               <m:ctrlPr>
-                                <a:rPr lang="en-US" sz="3000" i="1"/>
+                                <a:rPr lang="en-US" sz="3000" i="1">
+                                  <a:latin typeface="Cambria Math" panose="02040503050406030204" pitchFamily="18" charset="0"/>
+                                </a:rPr>
                               </m:ctrlPr>
                             </m:sSubPr>
                             <m:e>
                               <m:r>
-                                <a:rPr lang="en-US" sz="3000" i="1"/>
+                                <a:rPr lang="en-US" sz="3000" i="1">
+                                  <a:latin typeface="Cambria Math" panose="02040503050406030204" pitchFamily="18" charset="0"/>
+                                </a:rPr>
                                 <m:t>÷ </m:t>
                               </m:r>
                             </m:e>
                             <m:sub>
                               <m:r>
-                                <a:rPr lang="en-US" sz="3000" i="1"/>
+                                <a:rPr lang="en-US" sz="3000" i="1">
+                                  <a:latin typeface="Cambria Math" panose="02040503050406030204" pitchFamily="18" charset="0"/>
+                                </a:rPr>
                                 <m:t> </m:t>
                               </m:r>
                             </m:sub>
                           </m:sSub>
                           <m:r>
-                            <a:rPr lang="en-US" sz="3000" i="1"/>
+                            <a:rPr lang="en-US" sz="3000" i="1">
+                              <a:latin typeface="Cambria Math" panose="02040503050406030204" pitchFamily="18" charset="0"/>
+                            </a:rPr>
                             <m:t>𝑆</m:t>
                           </m:r>
                         </m:e>
                         <m:sub>
                           <m:r>
-                            <a:rPr lang="en-US" sz="3000" i="1"/>
+                            <a:rPr lang="en-US" sz="3000" i="1">
+                              <a:latin typeface="Cambria Math" panose="02040503050406030204" pitchFamily="18" charset="0"/>
+                            </a:rPr>
                             <m:t> </m:t>
                           </m:r>
                         </m:sub>
@@ -29752,44 +28664,62 @@
                     </m:oMathParaPr>
                     <m:oMath xmlns:m="http://schemas.openxmlformats.org/officeDocument/2006/math">
                       <m:r>
-                        <a:rPr lang="en-US" sz="3000" i="1"/>
+                        <a:rPr lang="en-US" sz="3000" i="1">
+                          <a:latin typeface="Cambria Math" panose="02040503050406030204" pitchFamily="18" charset="0"/>
+                        </a:rPr>
                         <m:t>𝑅</m:t>
                       </m:r>
                       <m:d>
                         <m:dPr>
                           <m:ctrlPr>
-                            <a:rPr lang="en-US" sz="3000" i="1"/>
+                            <a:rPr lang="en-US" sz="3000" i="1">
+                              <a:latin typeface="Cambria Math" panose="02040503050406030204" pitchFamily="18" charset="0"/>
+                            </a:rPr>
                           </m:ctrlPr>
                         </m:dPr>
                         <m:e>
                           <m:r>
-                            <a:rPr lang="en-US" sz="3000" i="1"/>
+                            <a:rPr lang="en-US" sz="3000" i="1">
+                              <a:latin typeface="Cambria Math" panose="02040503050406030204" pitchFamily="18" charset="0"/>
+                            </a:rPr>
                             <m:t>𝑍</m:t>
                           </m:r>
                         </m:e>
                       </m:d>
                       <m:r>
-                        <a:rPr lang="en-US" sz="3000" i="1"/>
+                        <a:rPr lang="en-US" sz="3000" i="1">
+                          <a:latin typeface="Cambria Math" panose="02040503050406030204" pitchFamily="18" charset="0"/>
+                        </a:rPr>
                         <m:t>𝑣</m:t>
                       </m:r>
                       <m:r>
-                        <a:rPr lang="en-US" sz="3000" i="1"/>
+                        <a:rPr lang="en-US" sz="3000" i="1">
+                          <a:latin typeface="Cambria Math" panose="02040503050406030204" pitchFamily="18" charset="0"/>
+                        </a:rPr>
                         <m:t>à </m:t>
                       </m:r>
                       <m:r>
-                        <a:rPr lang="en-US" sz="3000" i="1"/>
+                        <a:rPr lang="en-US" sz="3000" i="1">
+                          <a:latin typeface="Cambria Math" panose="02040503050406030204" pitchFamily="18" charset="0"/>
+                        </a:rPr>
                         <m:t>𝑆</m:t>
                       </m:r>
                       <m:r>
-                        <a:rPr lang="en-US" sz="3000" i="1"/>
+                        <a:rPr lang="en-US" sz="3000" i="1">
+                          <a:latin typeface="Cambria Math" panose="02040503050406030204" pitchFamily="18" charset="0"/>
+                        </a:rPr>
                         <m:t>(</m:t>
                       </m:r>
                       <m:r>
-                        <a:rPr lang="en-US" sz="3000" i="1"/>
+                        <a:rPr lang="en-US" sz="3000" i="1">
+                          <a:latin typeface="Cambria Math" panose="02040503050406030204" pitchFamily="18" charset="0"/>
+                        </a:rPr>
                         <m:t>𝑋</m:t>
                       </m:r>
                       <m:r>
-                        <a:rPr lang="en-US" sz="3000" i="1"/>
+                        <a:rPr lang="en-US" sz="3000" i="1">
+                          <a:latin typeface="Cambria Math" panose="02040503050406030204" pitchFamily="18" charset="0"/>
+                        </a:rPr>
                         <m:t>)</m:t>
                       </m:r>
                     </m:oMath>
@@ -30022,15 +28952,21 @@
                 <a14:m>
                   <m:oMath xmlns:m="http://schemas.openxmlformats.org/officeDocument/2006/math">
                     <m:r>
-                      <a:rPr lang="en-US" sz="3000" i="1"/>
+                      <a:rPr lang="en-US" sz="3000" i="1">
+                        <a:latin typeface="Cambria Math" panose="02040503050406030204" pitchFamily="18" charset="0"/>
+                      </a:rPr>
                       <m:t>𝑋</m:t>
                     </m:r>
                     <m:r>
-                      <a:rPr lang="en-US" sz="3000" i="1"/>
+                      <a:rPr lang="en-US" sz="3000" i="1">
+                        <a:latin typeface="Cambria Math" panose="02040503050406030204" pitchFamily="18" charset="0"/>
+                      </a:rPr>
                       <m:t>⊆</m:t>
                     </m:r>
                     <m:r>
-                      <a:rPr lang="en-US" sz="3000" i="1"/>
+                      <a:rPr lang="en-US" sz="3000" i="1">
+                        <a:latin typeface="Cambria Math" panose="02040503050406030204" pitchFamily="18" charset="0"/>
+                      </a:rPr>
                       <m:t>𝑍</m:t>
                     </m:r>
                   </m:oMath>
@@ -30150,7 +29086,7 @@
             </p:txBody>
           </p:sp>
         </mc:Choice>
-        <mc:Fallback>
+        <mc:Fallback xmlns="">
           <p:sp>
             <p:nvSpPr>
               <p:cNvPr id="5" name="Content Placeholder 2"/>
@@ -30199,6 +29135,14 @@
   <p:clrMapOvr>
     <a:masterClrMapping/>
   </p:clrMapOvr>
+  <mc:AlternateContent xmlns:mc="http://schemas.openxmlformats.org/markup-compatibility/2006" xmlns:p14="http://schemas.microsoft.com/office/powerpoint/2010/main">
+    <mc:Choice Requires="p14">
+      <p:transition spd="slow" p14:dur="2000" advTm="19780"/>
+    </mc:Choice>
+    <mc:Fallback xmlns="">
+      <p:transition spd="slow" advTm="19780"/>
+    </mc:Fallback>
+  </mc:AlternateContent>
   <p:timing>
     <p:tnLst>
       <p:par>
@@ -30209,7 +29153,7 @@
 </p:sld>
 </file>
 
-<file path=ppt/slides/slide38.xml><?xml version="1.0" encoding="utf-8"?>
+<file path=ppt/slides/slide36.xml><?xml version="1.0" encoding="utf-8"?>
 <p:sld xmlns:a="http://schemas.openxmlformats.org/drawingml/2006/main" xmlns:r="http://schemas.openxmlformats.org/officeDocument/2006/relationships" xmlns:p="http://schemas.openxmlformats.org/presentationml/2006/main">
   <p:cSld>
     <p:spTree>
@@ -30302,11 +29246,7 @@
             </a:r>
             <a:r>
               <a:rPr lang="en-CA" sz="4000" b="1" dirty="0" smtClean="0"/>
-              <a:t> (Relational </a:t>
-            </a:r>
-            <a:r>
-              <a:rPr lang="en-CA" sz="4000" b="1" dirty="0" smtClean="0"/>
-              <a:t>Calculus)</a:t>
+              <a:t> (Relational Calculus)</a:t>
             </a:r>
             <a:endParaRPr lang="en-CA" sz="4000" b="1" dirty="0"/>
           </a:p>
@@ -30611,7 +29551,6 @@
               <a:rPr lang="en-CA" sz="3000" dirty="0" smtClean="0"/>
               <a:t> (domain relational calculus)</a:t>
             </a:r>
-            <a:endParaRPr lang="en-CA" sz="3000" dirty="0" smtClean="0"/>
           </a:p>
           <a:p>
             <a:pPr lvl="1" algn="just"/>
@@ -30640,6 +29579,14 @@
   <p:clrMapOvr>
     <a:masterClrMapping/>
   </p:clrMapOvr>
+  <mc:AlternateContent xmlns:mc="http://schemas.openxmlformats.org/markup-compatibility/2006" xmlns:p14="http://schemas.microsoft.com/office/powerpoint/2010/main">
+    <mc:Choice Requires="p14">
+      <p:transition spd="slow" p14:dur="2000" advTm="10838"/>
+    </mc:Choice>
+    <mc:Fallback xmlns="">
+      <p:transition spd="slow" advTm="10838"/>
+    </mc:Fallback>
+  </mc:AlternateContent>
   <p:timing>
     <p:tnLst>
       <p:par>
@@ -30650,7 +29597,7 @@
 </p:sld>
 </file>
 
-<file path=ppt/slides/slide39.xml><?xml version="1.0" encoding="utf-8"?>
+<file path=ppt/slides/slide37.xml><?xml version="1.0" encoding="utf-8"?>
 <p:sld xmlns:a="http://schemas.openxmlformats.org/drawingml/2006/main" xmlns:r="http://schemas.openxmlformats.org/officeDocument/2006/relationships" xmlns:p="http://schemas.openxmlformats.org/presentationml/2006/main">
   <p:cSld>
     <p:spTree>
@@ -30800,8 +29747,8 @@
           </a:p>
         </p:txBody>
       </p:sp>
-      <mc:AlternateContent xmlns:mc="http://schemas.openxmlformats.org/markup-compatibility/2006">
-        <mc:Choice xmlns:a14="http://schemas.microsoft.com/office/drawing/2010/main" Requires="a14">
+      <mc:AlternateContent xmlns:mc="http://schemas.openxmlformats.org/markup-compatibility/2006" xmlns:a14="http://schemas.microsoft.com/office/drawing/2010/main">
+        <mc:Choice Requires="a14">
           <p:sp>
             <p:nvSpPr>
               <p:cNvPr id="5" name="Content Placeholder 2"/>
@@ -31755,55 +30702,91 @@
                           <m:begChr m:val="{"/>
                           <m:endChr m:val="|"/>
                           <m:ctrlPr>
-                            <a:rPr lang="en-US" sz="2800" i="1"/>
+                            <a:rPr lang="en-US" sz="2800" i="1">
+                              <a:latin typeface="Cambria Math" panose="02040503050406030204" pitchFamily="18" charset="0"/>
+                            </a:rPr>
                           </m:ctrlPr>
                         </m:dPr>
                         <m:e>
                           <m:r>
-                            <a:rPr lang="en-US" sz="2800" i="1"/>
+                            <a:rPr lang="en-US" sz="2800" i="1">
+                              <a:latin typeface="Cambria Math" panose="02040503050406030204" pitchFamily="18" charset="0"/>
+                            </a:rPr>
                             <m:t>𝑡</m:t>
                           </m:r>
                           <m:r>
-                            <a:rPr lang="en-US" sz="2800" i="1"/>
+                            <a:rPr lang="en-US" sz="2800" i="1">
+                              <a:latin typeface="Cambria Math" panose="02040503050406030204" pitchFamily="18" charset="0"/>
+                            </a:rPr>
                             <m:t> </m:t>
                           </m:r>
                         </m:e>
                       </m:d>
                       <m:r>
-                        <a:rPr lang="en-US" sz="2800" i="1"/>
+                        <a:rPr lang="en-US" sz="2800" i="1">
+                          <a:latin typeface="Cambria Math" panose="02040503050406030204" pitchFamily="18" charset="0"/>
+                        </a:rPr>
                         <m:t>  </m:t>
                       </m:r>
                       <m:r>
-                        <a:rPr lang="en-US" sz="2800" i="1"/>
+                        <a:rPr lang="en-US" sz="2800" i="1">
+                          <a:latin typeface="Cambria Math" panose="02040503050406030204" pitchFamily="18" charset="0"/>
+                        </a:rPr>
                         <m:t>𝑡</m:t>
                       </m:r>
                       <m:r>
-                        <a:rPr lang="en-US" sz="2800" i="1"/>
+                        <a:rPr lang="en-US" sz="2800" i="1">
+                          <a:latin typeface="Cambria Math" panose="02040503050406030204" pitchFamily="18" charset="0"/>
+                        </a:rPr>
                         <m:t>∈</m:t>
                       </m:r>
                       <m:r>
-                        <a:rPr lang="en-US" sz="2800" i="1"/>
+                        <a:rPr lang="en-US" sz="2800" i="1">
+                          <a:latin typeface="Cambria Math" panose="02040503050406030204" pitchFamily="18" charset="0"/>
+                        </a:rPr>
                         <m:t>𝑁𝐻𝐴𝑁𝑉𝐼𝐸𝑁</m:t>
                       </m:r>
                       <m:r>
-                        <a:rPr lang="en-US" sz="2800" i="1"/>
+                        <a:rPr lang="en-US" sz="2800" i="1">
+                          <a:latin typeface="Cambria Math" panose="02040503050406030204" pitchFamily="18" charset="0"/>
+                        </a:rPr>
                         <m:t> ⋀  </m:t>
                       </m:r>
                       <m:r>
-                        <a:rPr lang="en-US" sz="2800" i="1"/>
+                        <a:rPr lang="en-US" sz="2800" i="1">
+                          <a:latin typeface="Cambria Math" panose="02040503050406030204" pitchFamily="18" charset="0"/>
+                        </a:rPr>
                         <m:t>𝑡</m:t>
                       </m:r>
                       <m:r>
-                        <a:rPr lang="en-US" sz="2800" i="1"/>
+                        <a:rPr lang="en-US" sz="2800" i="1">
+                          <a:latin typeface="Cambria Math" panose="02040503050406030204" pitchFamily="18" charset="0"/>
+                        </a:rPr>
                         <m:t>.</m:t>
                       </m:r>
                       <m:r>
-                        <a:rPr lang="en-US" sz="2800" i="1"/>
+                        <a:rPr lang="en-US" sz="2800" i="1">
+                          <a:latin typeface="Cambria Math" panose="02040503050406030204" pitchFamily="18" charset="0"/>
+                        </a:rPr>
                         <m:t>𝐿𝑈𝑂𝑁𝐺</m:t>
                       </m:r>
                       <m:r>
-                        <a:rPr lang="en-US" sz="2800" i="1"/>
-                        <m:t>&gt;30000 }</m:t>
+                        <a:rPr lang="en-US" sz="2800" i="1">
+                          <a:latin typeface="Cambria Math" panose="02040503050406030204" pitchFamily="18" charset="0"/>
+                        </a:rPr>
+                        <m:t>&gt;</m:t>
+                      </m:r>
+                      <m:r>
+                        <a:rPr lang="en-US" sz="2800" i="1">
+                          <a:latin typeface="Cambria Math" panose="02040503050406030204" pitchFamily="18" charset="0"/>
+                        </a:rPr>
+                        <m:t>30000</m:t>
+                      </m:r>
+                      <m:r>
+                        <a:rPr lang="en-US" sz="2800" i="1">
+                          <a:latin typeface="Cambria Math" panose="02040503050406030204" pitchFamily="18" charset="0"/>
+                        </a:rPr>
+                        <m:t> }</m:t>
                       </m:r>
                     </m:oMath>
                   </m:oMathPara>
@@ -31835,7 +30818,7 @@
             </p:txBody>
           </p:sp>
         </mc:Choice>
-        <mc:Fallback>
+        <mc:Fallback xmlns="">
           <p:sp>
             <p:nvSpPr>
               <p:cNvPr id="5" name="Content Placeholder 2"/>
@@ -31884,6 +30867,14 @@
   <p:clrMapOvr>
     <a:masterClrMapping/>
   </p:clrMapOvr>
+  <mc:AlternateContent xmlns:mc="http://schemas.openxmlformats.org/markup-compatibility/2006" xmlns:p14="http://schemas.microsoft.com/office/powerpoint/2010/main">
+    <mc:Choice Requires="p14">
+      <p:transition spd="slow" p14:dur="2000" advTm="776"/>
+    </mc:Choice>
+    <mc:Fallback xmlns="">
+      <p:transition spd="slow" advTm="776"/>
+    </mc:Fallback>
+  </mc:AlternateContent>
   <p:timing>
     <p:tnLst>
       <p:par>
@@ -31894,7 +30885,7 @@
 </p:sld>
 </file>
 
-<file path=ppt/slides/slide4.xml><?xml version="1.0" encoding="utf-8"?>
+<file path=ppt/slides/slide38.xml><?xml version="1.0" encoding="utf-8"?>
 <p:sld xmlns:a="http://schemas.openxmlformats.org/drawingml/2006/main" xmlns:r="http://schemas.openxmlformats.org/officeDocument/2006/relationships" xmlns:p="http://schemas.openxmlformats.org/presentationml/2006/main">
   <p:cSld>
     <p:spTree>
@@ -31954,74 +30945,88 @@
           <a:p>
             <a:pPr algn="l"/>
             <a:r>
-              <a:rPr lang="en-CA" sz="4000" b="1" dirty="0" err="1" smtClean="0">
+              <a:rPr lang="en-CA" sz="4000" dirty="0" err="1">
                 <a:latin typeface="Times New Roman" panose="02020603050405020304" pitchFamily="18" charset="0"/>
                 <a:cs typeface="Times New Roman" panose="02020603050405020304" pitchFamily="18" charset="0"/>
               </a:rPr>
               <a:t>Phép</a:t>
             </a:r>
             <a:r>
-              <a:rPr lang="en-CA" sz="4000" b="1" dirty="0" smtClean="0">
+              <a:rPr lang="en-CA" sz="4000" dirty="0">
                 <a:latin typeface="Times New Roman" panose="02020603050405020304" pitchFamily="18" charset="0"/>
                 <a:cs typeface="Times New Roman" panose="02020603050405020304" pitchFamily="18" charset="0"/>
               </a:rPr>
               <a:t> </a:t>
             </a:r>
             <a:r>
-              <a:rPr lang="en-CA" sz="4000" b="1" dirty="0" err="1" smtClean="0">
-                <a:latin typeface="Times New Roman" panose="02020603050405020304" pitchFamily="18" charset="0"/>
-                <a:cs typeface="Times New Roman" panose="02020603050405020304" pitchFamily="18" charset="0"/>
-              </a:rPr>
-              <a:t>chọn</a:t>
-            </a:r>
-            <a:r>
-              <a:rPr lang="en-CA" sz="4000" b="1" dirty="0" smtClean="0">
-                <a:latin typeface="Times New Roman" panose="02020603050405020304" pitchFamily="18" charset="0"/>
-                <a:cs typeface="Times New Roman" panose="02020603050405020304" pitchFamily="18" charset="0"/>
-              </a:rPr>
-              <a:t> (Selection </a:t>
-            </a:r>
-            <a:r>
-              <a:rPr lang="en-US" sz="4000" b="1" dirty="0">
-                <a:latin typeface="Times New Roman" panose="02020603050405020304" pitchFamily="18" charset="0"/>
-                <a:cs typeface="Times New Roman" panose="02020603050405020304" pitchFamily="18" charset="0"/>
-              </a:rPr>
-              <a:t>σ</a:t>
-            </a:r>
-            <a:r>
-              <a:rPr lang="en-CA" sz="4000" b="1" dirty="0" smtClean="0">
-                <a:latin typeface="Times New Roman" panose="02020603050405020304" pitchFamily="18" charset="0"/>
-                <a:cs typeface="Times New Roman" panose="02020603050405020304" pitchFamily="18" charset="0"/>
-              </a:rPr>
-              <a:t>). </a:t>
-            </a:r>
-            <a:r>
-              <a:rPr lang="en-CA" sz="4000" b="1" dirty="0" err="1" smtClean="0">
-                <a:latin typeface="Times New Roman" panose="02020603050405020304" pitchFamily="18" charset="0"/>
-                <a:cs typeface="Times New Roman" panose="02020603050405020304" pitchFamily="18" charset="0"/>
-              </a:rPr>
-              <a:t>Ví</a:t>
-            </a:r>
-            <a:r>
-              <a:rPr lang="en-CA" sz="4000" b="1" dirty="0" smtClean="0">
+              <a:rPr lang="en-CA" sz="4000" dirty="0" err="1">
+                <a:latin typeface="Times New Roman" panose="02020603050405020304" pitchFamily="18" charset="0"/>
+                <a:cs typeface="Times New Roman" panose="02020603050405020304" pitchFamily="18" charset="0"/>
+              </a:rPr>
+              <a:t>tính</a:t>
+            </a:r>
+            <a:r>
+              <a:rPr lang="en-CA" sz="4000" dirty="0">
                 <a:latin typeface="Times New Roman" panose="02020603050405020304" pitchFamily="18" charset="0"/>
                 <a:cs typeface="Times New Roman" panose="02020603050405020304" pitchFamily="18" charset="0"/>
               </a:rPr>
               <a:t> </a:t>
             </a:r>
             <a:r>
-              <a:rPr lang="en-CA" sz="4000" b="1" dirty="0" err="1" smtClean="0">
-                <a:latin typeface="Times New Roman" panose="02020603050405020304" pitchFamily="18" charset="0"/>
-                <a:cs typeface="Times New Roman" panose="02020603050405020304" pitchFamily="18" charset="0"/>
-              </a:rPr>
-              <a:t>dụ</a:t>
-            </a:r>
-            <a:r>
-              <a:rPr lang="en-CA" sz="4000" b="1" dirty="0" smtClean="0">
-                <a:latin typeface="Times New Roman" panose="02020603050405020304" pitchFamily="18" charset="0"/>
-                <a:cs typeface="Times New Roman" panose="02020603050405020304" pitchFamily="18" charset="0"/>
-              </a:rPr>
-              <a:t>.</a:t>
+              <a:rPr lang="en-CA" sz="4000" dirty="0" err="1">
+                <a:latin typeface="Times New Roman" panose="02020603050405020304" pitchFamily="18" charset="0"/>
+                <a:cs typeface="Times New Roman" panose="02020603050405020304" pitchFamily="18" charset="0"/>
+              </a:rPr>
+              <a:t>quan</a:t>
+            </a:r>
+            <a:r>
+              <a:rPr lang="en-CA" sz="4000" dirty="0">
+                <a:latin typeface="Times New Roman" panose="02020603050405020304" pitchFamily="18" charset="0"/>
+                <a:cs typeface="Times New Roman" panose="02020603050405020304" pitchFamily="18" charset="0"/>
+              </a:rPr>
+              <a:t> </a:t>
+            </a:r>
+            <a:r>
+              <a:rPr lang="en-CA" sz="4000" dirty="0" err="1">
+                <a:latin typeface="Times New Roman" panose="02020603050405020304" pitchFamily="18" charset="0"/>
+                <a:cs typeface="Times New Roman" panose="02020603050405020304" pitchFamily="18" charset="0"/>
+              </a:rPr>
+              <a:t>hệ</a:t>
+            </a:r>
+            <a:r>
+              <a:rPr lang="en-CA" sz="4000" dirty="0">
+                <a:latin typeface="Times New Roman" panose="02020603050405020304" pitchFamily="18" charset="0"/>
+                <a:cs typeface="Times New Roman" panose="02020603050405020304" pitchFamily="18" charset="0"/>
+              </a:rPr>
+              <a:t> </a:t>
+            </a:r>
+            <a:r>
+              <a:rPr lang="en-CA" sz="4000" dirty="0" err="1">
+                <a:latin typeface="Times New Roman" panose="02020603050405020304" pitchFamily="18" charset="0"/>
+                <a:cs typeface="Times New Roman" panose="02020603050405020304" pitchFamily="18" charset="0"/>
+              </a:rPr>
+              <a:t>trên</a:t>
+            </a:r>
+            <a:r>
+              <a:rPr lang="en-CA" sz="4000" dirty="0">
+                <a:latin typeface="Times New Roman" panose="02020603050405020304" pitchFamily="18" charset="0"/>
+                <a:cs typeface="Times New Roman" panose="02020603050405020304" pitchFamily="18" charset="0"/>
+              </a:rPr>
+              <a:t> </a:t>
+            </a:r>
+            <a:r>
+              <a:rPr lang="en-CA" sz="4000" dirty="0" err="1">
+                <a:latin typeface="Times New Roman" panose="02020603050405020304" pitchFamily="18" charset="0"/>
+                <a:cs typeface="Times New Roman" panose="02020603050405020304" pitchFamily="18" charset="0"/>
+              </a:rPr>
+              <a:t>miền</a:t>
+            </a:r>
+            <a:r>
+              <a:rPr lang="en-CA" sz="4000" dirty="0">
+                <a:latin typeface="Times New Roman" panose="02020603050405020304" pitchFamily="18" charset="0"/>
+                <a:cs typeface="Times New Roman" panose="02020603050405020304" pitchFamily="18" charset="0"/>
+              </a:rPr>
+              <a:t> (domain relational calculus)</a:t>
             </a:r>
             <a:endParaRPr lang="en-CA" sz="4000" b="1" dirty="0">
               <a:latin typeface="Times New Roman" panose="02020603050405020304" pitchFamily="18" charset="0"/>
@@ -32030,444 +31035,8 @@
           </a:p>
         </p:txBody>
       </p:sp>
-      <p:sp>
-        <p:nvSpPr>
-          <p:cNvPr id="5" name="Content Placeholder 2"/>
-          <p:cNvSpPr txBox="1">
-            <a:spLocks/>
-          </p:cNvSpPr>
-          <p:nvPr/>
-        </p:nvSpPr>
-        <p:spPr>
-          <a:xfrm>
-            <a:off x="0" y="1014152"/>
-            <a:ext cx="12192000" cy="5843847"/>
-          </a:xfrm>
-          <a:prstGeom prst="rect">
-            <a:avLst/>
-          </a:prstGeom>
-        </p:spPr>
-        <p:txBody>
-          <a:bodyPr vert="horz" lIns="91440" tIns="45720" rIns="91440" bIns="45720" rtlCol="0">
-            <a:normAutofit/>
-          </a:bodyPr>
-          <a:lstStyle>
-            <a:lvl1pPr marL="0" indent="0" algn="ctr" defTabSz="914400" rtl="0" eaLnBrk="1" latinLnBrk="0" hangingPunct="1">
-              <a:lnSpc>
-                <a:spcPct val="90000"/>
-              </a:lnSpc>
-              <a:spcBef>
-                <a:spcPts val="1000"/>
-              </a:spcBef>
-              <a:buFont typeface="Arial" panose="020B0604020202020204" pitchFamily="34" charset="0"/>
-              <a:buNone/>
-              <a:defRPr sz="2400" kern="1200">
-                <a:solidFill>
-                  <a:schemeClr val="tx1"/>
-                </a:solidFill>
-                <a:latin typeface="+mn-lt"/>
-                <a:ea typeface="+mn-ea"/>
-                <a:cs typeface="+mn-cs"/>
-              </a:defRPr>
-            </a:lvl1pPr>
-            <a:lvl2pPr marL="457200" indent="0" algn="ctr" defTabSz="914400" rtl="0" eaLnBrk="1" latinLnBrk="0" hangingPunct="1">
-              <a:lnSpc>
-                <a:spcPct val="90000"/>
-              </a:lnSpc>
-              <a:spcBef>
-                <a:spcPts val="500"/>
-              </a:spcBef>
-              <a:buFont typeface="Arial" panose="020B0604020202020204" pitchFamily="34" charset="0"/>
-              <a:buNone/>
-              <a:defRPr sz="2000" kern="1200">
-                <a:solidFill>
-                  <a:schemeClr val="tx1"/>
-                </a:solidFill>
-                <a:latin typeface="+mn-lt"/>
-                <a:ea typeface="+mn-ea"/>
-                <a:cs typeface="+mn-cs"/>
-              </a:defRPr>
-            </a:lvl2pPr>
-            <a:lvl3pPr marL="914400" indent="0" algn="ctr" defTabSz="914400" rtl="0" eaLnBrk="1" latinLnBrk="0" hangingPunct="1">
-              <a:lnSpc>
-                <a:spcPct val="90000"/>
-              </a:lnSpc>
-              <a:spcBef>
-                <a:spcPts val="500"/>
-              </a:spcBef>
-              <a:buFont typeface="Arial" panose="020B0604020202020204" pitchFamily="34" charset="0"/>
-              <a:buNone/>
-              <a:defRPr sz="1800" kern="1200">
-                <a:solidFill>
-                  <a:schemeClr val="tx1"/>
-                </a:solidFill>
-                <a:latin typeface="+mn-lt"/>
-                <a:ea typeface="+mn-ea"/>
-                <a:cs typeface="+mn-cs"/>
-              </a:defRPr>
-            </a:lvl3pPr>
-            <a:lvl4pPr marL="1371600" indent="0" algn="ctr" defTabSz="914400" rtl="0" eaLnBrk="1" latinLnBrk="0" hangingPunct="1">
-              <a:lnSpc>
-                <a:spcPct val="90000"/>
-              </a:lnSpc>
-              <a:spcBef>
-                <a:spcPts val="500"/>
-              </a:spcBef>
-              <a:buFont typeface="Arial" panose="020B0604020202020204" pitchFamily="34" charset="0"/>
-              <a:buNone/>
-              <a:defRPr sz="1600" kern="1200">
-                <a:solidFill>
-                  <a:schemeClr val="tx1"/>
-                </a:solidFill>
-                <a:latin typeface="+mn-lt"/>
-                <a:ea typeface="+mn-ea"/>
-                <a:cs typeface="+mn-cs"/>
-              </a:defRPr>
-            </a:lvl4pPr>
-            <a:lvl5pPr marL="1828800" indent="0" algn="ctr" defTabSz="914400" rtl="0" eaLnBrk="1" latinLnBrk="0" hangingPunct="1">
-              <a:lnSpc>
-                <a:spcPct val="90000"/>
-              </a:lnSpc>
-              <a:spcBef>
-                <a:spcPts val="500"/>
-              </a:spcBef>
-              <a:buFont typeface="Arial" panose="020B0604020202020204" pitchFamily="34" charset="0"/>
-              <a:buNone/>
-              <a:defRPr sz="1600" kern="1200">
-                <a:solidFill>
-                  <a:schemeClr val="tx1"/>
-                </a:solidFill>
-                <a:latin typeface="+mn-lt"/>
-                <a:ea typeface="+mn-ea"/>
-                <a:cs typeface="+mn-cs"/>
-              </a:defRPr>
-            </a:lvl5pPr>
-            <a:lvl6pPr marL="2286000" indent="0" algn="ctr" defTabSz="914400" rtl="0" eaLnBrk="1" latinLnBrk="0" hangingPunct="1">
-              <a:lnSpc>
-                <a:spcPct val="90000"/>
-              </a:lnSpc>
-              <a:spcBef>
-                <a:spcPts val="500"/>
-              </a:spcBef>
-              <a:buFont typeface="Arial" panose="020B0604020202020204" pitchFamily="34" charset="0"/>
-              <a:buNone/>
-              <a:defRPr sz="1600" kern="1200">
-                <a:solidFill>
-                  <a:schemeClr val="tx1"/>
-                </a:solidFill>
-                <a:latin typeface="+mn-lt"/>
-                <a:ea typeface="+mn-ea"/>
-                <a:cs typeface="+mn-cs"/>
-              </a:defRPr>
-            </a:lvl6pPr>
-            <a:lvl7pPr marL="2743200" indent="0" algn="ctr" defTabSz="914400" rtl="0" eaLnBrk="1" latinLnBrk="0" hangingPunct="1">
-              <a:lnSpc>
-                <a:spcPct val="90000"/>
-              </a:lnSpc>
-              <a:spcBef>
-                <a:spcPts val="500"/>
-              </a:spcBef>
-              <a:buFont typeface="Arial" panose="020B0604020202020204" pitchFamily="34" charset="0"/>
-              <a:buNone/>
-              <a:defRPr sz="1600" kern="1200">
-                <a:solidFill>
-                  <a:schemeClr val="tx1"/>
-                </a:solidFill>
-                <a:latin typeface="+mn-lt"/>
-                <a:ea typeface="+mn-ea"/>
-                <a:cs typeface="+mn-cs"/>
-              </a:defRPr>
-            </a:lvl7pPr>
-            <a:lvl8pPr marL="3200400" indent="0" algn="ctr" defTabSz="914400" rtl="0" eaLnBrk="1" latinLnBrk="0" hangingPunct="1">
-              <a:lnSpc>
-                <a:spcPct val="90000"/>
-              </a:lnSpc>
-              <a:spcBef>
-                <a:spcPts val="500"/>
-              </a:spcBef>
-              <a:buFont typeface="Arial" panose="020B0604020202020204" pitchFamily="34" charset="0"/>
-              <a:buNone/>
-              <a:defRPr sz="1600" kern="1200">
-                <a:solidFill>
-                  <a:schemeClr val="tx1"/>
-                </a:solidFill>
-                <a:latin typeface="+mn-lt"/>
-                <a:ea typeface="+mn-ea"/>
-                <a:cs typeface="+mn-cs"/>
-              </a:defRPr>
-            </a:lvl8pPr>
-            <a:lvl9pPr marL="3657600" indent="0" algn="ctr" defTabSz="914400" rtl="0" eaLnBrk="1" latinLnBrk="0" hangingPunct="1">
-              <a:lnSpc>
-                <a:spcPct val="90000"/>
-              </a:lnSpc>
-              <a:spcBef>
-                <a:spcPts val="500"/>
-              </a:spcBef>
-              <a:buFont typeface="Arial" panose="020B0604020202020204" pitchFamily="34" charset="0"/>
-              <a:buNone/>
-              <a:defRPr sz="1600" kern="1200">
-                <a:solidFill>
-                  <a:schemeClr val="tx1"/>
-                </a:solidFill>
-                <a:latin typeface="+mn-lt"/>
-                <a:ea typeface="+mn-ea"/>
-                <a:cs typeface="+mn-cs"/>
-              </a:defRPr>
-            </a:lvl9pPr>
-          </a:lstStyle>
-          <a:p>
-            <a:pPr lvl="1" algn="just"/>
-            <a:r>
-              <a:rPr lang="en-US" sz="2800" dirty="0" err="1" smtClean="0">
-                <a:effectLst/>
-                <a:latin typeface="Times New Roman" panose="02020603050405020304" pitchFamily="18" charset="0"/>
-                <a:ea typeface="Calibri" panose="020F0502020204030204" pitchFamily="34" charset="0"/>
-              </a:rPr>
-              <a:t>Bảng</a:t>
-            </a:r>
-            <a:r>
-              <a:rPr lang="en-US" sz="2800" dirty="0" smtClean="0">
-                <a:effectLst/>
-                <a:latin typeface="Times New Roman" panose="02020603050405020304" pitchFamily="18" charset="0"/>
-                <a:ea typeface="Calibri" panose="020F0502020204030204" pitchFamily="34" charset="0"/>
-              </a:rPr>
-              <a:t> KHACHHANG (</a:t>
-            </a:r>
-            <a:r>
-              <a:rPr lang="en-US" sz="2800" dirty="0" err="1" smtClean="0">
-                <a:effectLst/>
-                <a:latin typeface="Times New Roman" panose="02020603050405020304" pitchFamily="18" charset="0"/>
-                <a:ea typeface="Calibri" panose="020F0502020204030204" pitchFamily="34" charset="0"/>
-              </a:rPr>
-              <a:t>khách</a:t>
-            </a:r>
-            <a:r>
-              <a:rPr lang="en-US" sz="2800" dirty="0" smtClean="0">
-                <a:effectLst/>
-                <a:latin typeface="Times New Roman" panose="02020603050405020304" pitchFamily="18" charset="0"/>
-                <a:ea typeface="Calibri" panose="020F0502020204030204" pitchFamily="34" charset="0"/>
-              </a:rPr>
-              <a:t> </a:t>
-            </a:r>
-            <a:r>
-              <a:rPr lang="en-US" sz="2800" dirty="0" err="1" smtClean="0">
-                <a:effectLst/>
-                <a:latin typeface="Times New Roman" panose="02020603050405020304" pitchFamily="18" charset="0"/>
-                <a:ea typeface="Calibri" panose="020F0502020204030204" pitchFamily="34" charset="0"/>
-              </a:rPr>
-              <a:t>hàng</a:t>
-            </a:r>
-            <a:r>
-              <a:rPr lang="en-US" sz="2800" dirty="0" smtClean="0">
-                <a:effectLst/>
-                <a:latin typeface="Times New Roman" panose="02020603050405020304" pitchFamily="18" charset="0"/>
-                <a:ea typeface="Calibri" panose="020F0502020204030204" pitchFamily="34" charset="0"/>
-              </a:rPr>
-              <a:t>)</a:t>
-            </a:r>
-          </a:p>
-        </p:txBody>
-      </p:sp>
-      <p:pic>
-        <p:nvPicPr>
-          <p:cNvPr id="6" name="Picture 5"/>
-          <p:cNvPicPr/>
-          <p:nvPr/>
-        </p:nvPicPr>
-        <p:blipFill>
-          <a:blip r:embed="rId2">
-            <a:extLst>
-              <a:ext uri="{28A0092B-C50C-407E-A947-70E740481C1C}">
-                <a14:useLocalDpi xmlns:a14="http://schemas.microsoft.com/office/drawing/2010/main" val="0"/>
-              </a:ext>
-            </a:extLst>
-          </a:blip>
-          <a:stretch>
-            <a:fillRect/>
-          </a:stretch>
-        </p:blipFill>
-        <p:spPr>
-          <a:xfrm>
-            <a:off x="264622" y="1636900"/>
-            <a:ext cx="11639204" cy="3560444"/>
-          </a:xfrm>
-          <a:prstGeom prst="rect">
-            <a:avLst/>
-          </a:prstGeom>
-        </p:spPr>
-      </p:pic>
-    </p:spTree>
-    <p:extLst>
-      <p:ext uri="{BB962C8B-B14F-4D97-AF65-F5344CB8AC3E}">
-        <p14:creationId xmlns:p14="http://schemas.microsoft.com/office/powerpoint/2010/main" val="2066350945"/>
-      </p:ext>
-    </p:extLst>
-  </p:cSld>
-  <p:clrMapOvr>
-    <a:masterClrMapping/>
-  </p:clrMapOvr>
-  <p:timing>
-    <p:tnLst>
-      <p:par>
-        <p:cTn id="1" dur="indefinite" restart="never" nodeType="tmRoot"/>
-      </p:par>
-    </p:tnLst>
-  </p:timing>
-</p:sld>
-</file>
-
-<file path=ppt/slides/slide40.xml><?xml version="1.0" encoding="utf-8"?>
-<p:sld xmlns:a="http://schemas.openxmlformats.org/drawingml/2006/main" xmlns:r="http://schemas.openxmlformats.org/officeDocument/2006/relationships" xmlns:p="http://schemas.openxmlformats.org/presentationml/2006/main">
-  <p:cSld>
-    <p:spTree>
-      <p:nvGrpSpPr>
-        <p:cNvPr id="1" name=""/>
-        <p:cNvGrpSpPr/>
-        <p:nvPr/>
-      </p:nvGrpSpPr>
-      <p:grpSpPr>
-        <a:xfrm>
-          <a:off x="0" y="0"/>
-          <a:ext cx="0" cy="0"/>
-          <a:chOff x="0" y="0"/>
-          <a:chExt cx="0" cy="0"/>
-        </a:xfrm>
-      </p:grpSpPr>
-      <p:sp>
-        <p:nvSpPr>
-          <p:cNvPr id="4" name="Title 1"/>
-          <p:cNvSpPr txBox="1">
-            <a:spLocks/>
-          </p:cNvSpPr>
-          <p:nvPr/>
-        </p:nvSpPr>
-        <p:spPr>
-          <a:xfrm>
-            <a:off x="0" y="0"/>
-            <a:ext cx="12192000" cy="751950"/>
-          </a:xfrm>
-          <a:prstGeom prst="rect">
-            <a:avLst/>
-          </a:prstGeom>
-        </p:spPr>
-        <p:txBody>
-          <a:bodyPr vert="horz" lIns="91440" tIns="45720" rIns="91440" bIns="45720" rtlCol="0" anchor="b">
-            <a:normAutofit/>
-          </a:bodyPr>
-          <a:lstStyle>
-            <a:lvl1pPr algn="ctr" defTabSz="914400" rtl="0" eaLnBrk="1" latinLnBrk="0" hangingPunct="1">
-              <a:lnSpc>
-                <a:spcPct val="90000"/>
-              </a:lnSpc>
-              <a:spcBef>
-                <a:spcPct val="0"/>
-              </a:spcBef>
-              <a:buNone/>
-              <a:defRPr sz="6000" kern="1200">
-                <a:solidFill>
-                  <a:schemeClr val="tx1"/>
-                </a:solidFill>
-                <a:latin typeface="+mj-lt"/>
-                <a:ea typeface="+mj-ea"/>
-                <a:cs typeface="+mj-cs"/>
-              </a:defRPr>
-            </a:lvl1pPr>
-          </a:lstStyle>
-          <a:p>
-            <a:pPr algn="l"/>
-            <a:r>
-              <a:rPr lang="en-CA" sz="4000" dirty="0" err="1">
-                <a:latin typeface="Times New Roman" panose="02020603050405020304" pitchFamily="18" charset="0"/>
-                <a:cs typeface="Times New Roman" panose="02020603050405020304" pitchFamily="18" charset="0"/>
-              </a:rPr>
-              <a:t>Phép</a:t>
-            </a:r>
-            <a:r>
-              <a:rPr lang="en-CA" sz="4000" dirty="0">
-                <a:latin typeface="Times New Roman" panose="02020603050405020304" pitchFamily="18" charset="0"/>
-                <a:cs typeface="Times New Roman" panose="02020603050405020304" pitchFamily="18" charset="0"/>
-              </a:rPr>
-              <a:t> </a:t>
-            </a:r>
-            <a:r>
-              <a:rPr lang="en-CA" sz="4000" dirty="0" err="1">
-                <a:latin typeface="Times New Roman" panose="02020603050405020304" pitchFamily="18" charset="0"/>
-                <a:cs typeface="Times New Roman" panose="02020603050405020304" pitchFamily="18" charset="0"/>
-              </a:rPr>
-              <a:t>tính</a:t>
-            </a:r>
-            <a:r>
-              <a:rPr lang="en-CA" sz="4000" dirty="0">
-                <a:latin typeface="Times New Roman" panose="02020603050405020304" pitchFamily="18" charset="0"/>
-                <a:cs typeface="Times New Roman" panose="02020603050405020304" pitchFamily="18" charset="0"/>
-              </a:rPr>
-              <a:t> </a:t>
-            </a:r>
-            <a:r>
-              <a:rPr lang="en-CA" sz="4000" dirty="0" err="1">
-                <a:latin typeface="Times New Roman" panose="02020603050405020304" pitchFamily="18" charset="0"/>
-                <a:cs typeface="Times New Roman" panose="02020603050405020304" pitchFamily="18" charset="0"/>
-              </a:rPr>
-              <a:t>quan</a:t>
-            </a:r>
-            <a:r>
-              <a:rPr lang="en-CA" sz="4000" dirty="0">
-                <a:latin typeface="Times New Roman" panose="02020603050405020304" pitchFamily="18" charset="0"/>
-                <a:cs typeface="Times New Roman" panose="02020603050405020304" pitchFamily="18" charset="0"/>
-              </a:rPr>
-              <a:t> </a:t>
-            </a:r>
-            <a:r>
-              <a:rPr lang="en-CA" sz="4000" dirty="0" err="1">
-                <a:latin typeface="Times New Roman" panose="02020603050405020304" pitchFamily="18" charset="0"/>
-                <a:cs typeface="Times New Roman" panose="02020603050405020304" pitchFamily="18" charset="0"/>
-              </a:rPr>
-              <a:t>hệ</a:t>
-            </a:r>
-            <a:r>
-              <a:rPr lang="en-CA" sz="4000" dirty="0">
-                <a:latin typeface="Times New Roman" panose="02020603050405020304" pitchFamily="18" charset="0"/>
-                <a:cs typeface="Times New Roman" panose="02020603050405020304" pitchFamily="18" charset="0"/>
-              </a:rPr>
-              <a:t> </a:t>
-            </a:r>
-            <a:r>
-              <a:rPr lang="en-CA" sz="4000" dirty="0" err="1">
-                <a:latin typeface="Times New Roman" panose="02020603050405020304" pitchFamily="18" charset="0"/>
-                <a:cs typeface="Times New Roman" panose="02020603050405020304" pitchFamily="18" charset="0"/>
-              </a:rPr>
-              <a:t>trên</a:t>
-            </a:r>
-            <a:r>
-              <a:rPr lang="en-CA" sz="4000" dirty="0">
-                <a:latin typeface="Times New Roman" panose="02020603050405020304" pitchFamily="18" charset="0"/>
-                <a:cs typeface="Times New Roman" panose="02020603050405020304" pitchFamily="18" charset="0"/>
-              </a:rPr>
-              <a:t> </a:t>
-            </a:r>
-            <a:r>
-              <a:rPr lang="en-CA" sz="4000" dirty="0" err="1">
-                <a:latin typeface="Times New Roman" panose="02020603050405020304" pitchFamily="18" charset="0"/>
-                <a:cs typeface="Times New Roman" panose="02020603050405020304" pitchFamily="18" charset="0"/>
-              </a:rPr>
-              <a:t>miền</a:t>
-            </a:r>
-            <a:r>
-              <a:rPr lang="en-CA" sz="4000" dirty="0">
-                <a:latin typeface="Times New Roman" panose="02020603050405020304" pitchFamily="18" charset="0"/>
-                <a:cs typeface="Times New Roman" panose="02020603050405020304" pitchFamily="18" charset="0"/>
-              </a:rPr>
-              <a:t> (domain relational calculus)</a:t>
-            </a:r>
-            <a:endParaRPr lang="en-CA" sz="4000" b="1" dirty="0">
-              <a:latin typeface="Times New Roman" panose="02020603050405020304" pitchFamily="18" charset="0"/>
-              <a:cs typeface="Times New Roman" panose="02020603050405020304" pitchFamily="18" charset="0"/>
-            </a:endParaRPr>
-          </a:p>
-        </p:txBody>
-      </p:sp>
-      <mc:AlternateContent xmlns:mc="http://schemas.openxmlformats.org/markup-compatibility/2006">
-        <mc:Choice xmlns:a14="http://schemas.microsoft.com/office/drawing/2010/main" Requires="a14">
+      <mc:AlternateContent xmlns:mc="http://schemas.openxmlformats.org/markup-compatibility/2006" xmlns:a14="http://schemas.microsoft.com/office/drawing/2010/main">
+        <mc:Choice Requires="a14">
           <p:sp>
             <p:nvSpPr>
               <p:cNvPr id="5" name="Content Placeholder 2"/>
@@ -32672,150 +31241,202 @@
                     </m:oMathParaPr>
                     <m:oMath xmlns:m="http://schemas.openxmlformats.org/officeDocument/2006/math">
                       <m:r>
-                        <a:rPr lang="en-US" sz="2800" i="1"/>
+                        <a:rPr lang="en-US" sz="2800" i="1">
+                          <a:latin typeface="Cambria Math" panose="02040503050406030204" pitchFamily="18" charset="0"/>
+                        </a:rPr>
                         <m:t>{</m:t>
                       </m:r>
                       <m:sSub>
                         <m:sSubPr>
                           <m:ctrlPr>
-                            <a:rPr lang="en-US" sz="2800" i="1"/>
+                            <a:rPr lang="en-US" sz="2800" i="1">
+                              <a:latin typeface="Cambria Math" panose="02040503050406030204" pitchFamily="18" charset="0"/>
+                            </a:rPr>
                           </m:ctrlPr>
                         </m:sSubPr>
                         <m:e>
                           <m:r>
-                            <a:rPr lang="en-US" sz="2800" i="1"/>
+                            <a:rPr lang="en-US" sz="2800" i="1">
+                              <a:latin typeface="Cambria Math" panose="02040503050406030204" pitchFamily="18" charset="0"/>
+                            </a:rPr>
                             <m:t>𝑥</m:t>
                           </m:r>
                         </m:e>
                         <m:sub>
                           <m:r>
-                            <a:rPr lang="en-US" sz="2800" i="1"/>
+                            <a:rPr lang="en-US" sz="2800" i="1">
+                              <a:latin typeface="Cambria Math" panose="02040503050406030204" pitchFamily="18" charset="0"/>
+                            </a:rPr>
                             <m:t>1</m:t>
                           </m:r>
                         </m:sub>
                       </m:sSub>
                       <m:r>
-                        <a:rPr lang="en-US" sz="2800" i="1"/>
+                        <a:rPr lang="en-US" sz="2800" i="1">
+                          <a:latin typeface="Cambria Math" panose="02040503050406030204" pitchFamily="18" charset="0"/>
+                        </a:rPr>
                         <m:t>, </m:t>
                       </m:r>
                       <m:sSub>
                         <m:sSubPr>
                           <m:ctrlPr>
-                            <a:rPr lang="en-US" sz="2800" i="1"/>
+                            <a:rPr lang="en-US" sz="2800" i="1">
+                              <a:latin typeface="Cambria Math" panose="02040503050406030204" pitchFamily="18" charset="0"/>
+                            </a:rPr>
                           </m:ctrlPr>
                         </m:sSubPr>
                         <m:e>
                           <m:r>
-                            <a:rPr lang="en-US" sz="2800" i="1"/>
+                            <a:rPr lang="en-US" sz="2800" i="1">
+                              <a:latin typeface="Cambria Math" panose="02040503050406030204" pitchFamily="18" charset="0"/>
+                            </a:rPr>
                             <m:t>𝑥</m:t>
                           </m:r>
                         </m:e>
                         <m:sub>
                           <m:r>
-                            <a:rPr lang="en-US" sz="2800" i="1"/>
+                            <a:rPr lang="en-US" sz="2800" i="1">
+                              <a:latin typeface="Cambria Math" panose="02040503050406030204" pitchFamily="18" charset="0"/>
+                            </a:rPr>
                             <m:t>2</m:t>
                           </m:r>
                         </m:sub>
                       </m:sSub>
                       <m:r>
-                        <a:rPr lang="en-US" sz="2800" i="1"/>
+                        <a:rPr lang="en-US" sz="2800" i="1">
+                          <a:latin typeface="Cambria Math" panose="02040503050406030204" pitchFamily="18" charset="0"/>
+                        </a:rPr>
                         <m:t>, …, </m:t>
                       </m:r>
                       <m:sSub>
                         <m:sSubPr>
                           <m:ctrlPr>
-                            <a:rPr lang="en-US" sz="2800" i="1"/>
+                            <a:rPr lang="en-US" sz="2800" i="1">
+                              <a:latin typeface="Cambria Math" panose="02040503050406030204" pitchFamily="18" charset="0"/>
+                            </a:rPr>
                           </m:ctrlPr>
                         </m:sSubPr>
                         <m:e>
                           <m:r>
-                            <a:rPr lang="en-US" sz="2800" i="1"/>
+                            <a:rPr lang="en-US" sz="2800" i="1">
+                              <a:latin typeface="Cambria Math" panose="02040503050406030204" pitchFamily="18" charset="0"/>
+                            </a:rPr>
                             <m:t>𝑥</m:t>
                           </m:r>
                         </m:e>
                         <m:sub>
                           <m:r>
-                            <a:rPr lang="en-US" sz="2800" i="1"/>
+                            <a:rPr lang="en-US" sz="2800" i="1">
+                              <a:latin typeface="Cambria Math" panose="02040503050406030204" pitchFamily="18" charset="0"/>
+                            </a:rPr>
                             <m:t>𝑛</m:t>
                           </m:r>
                         </m:sub>
                       </m:sSub>
                       <m:r>
-                        <a:rPr lang="en-US" sz="2800" i="1"/>
+                        <a:rPr lang="en-US" sz="2800" i="1">
+                          <a:latin typeface="Cambria Math" panose="02040503050406030204" pitchFamily="18" charset="0"/>
+                        </a:rPr>
                         <m:t>|</m:t>
                       </m:r>
                       <m:r>
-                        <a:rPr lang="en-US" sz="2800" i="1"/>
+                        <a:rPr lang="en-US" sz="2800" i="1">
+                          <a:latin typeface="Cambria Math" panose="02040503050406030204" pitchFamily="18" charset="0"/>
+                        </a:rPr>
                         <m:t>𝐹</m:t>
                       </m:r>
                       <m:d>
                         <m:dPr>
                           <m:ctrlPr>
-                            <a:rPr lang="en-US" sz="2800" i="1"/>
+                            <a:rPr lang="en-US" sz="2800" i="1">
+                              <a:latin typeface="Cambria Math" panose="02040503050406030204" pitchFamily="18" charset="0"/>
+                            </a:rPr>
                           </m:ctrlPr>
                         </m:dPr>
                         <m:e>
                           <m:sSub>
                             <m:sSubPr>
                               <m:ctrlPr>
-                                <a:rPr lang="en-US" sz="2800" i="1"/>
+                                <a:rPr lang="en-US" sz="2800" i="1">
+                                  <a:latin typeface="Cambria Math" panose="02040503050406030204" pitchFamily="18" charset="0"/>
+                                </a:rPr>
                               </m:ctrlPr>
                             </m:sSubPr>
                             <m:e>
                               <m:r>
-                                <a:rPr lang="en-US" sz="2800" i="1"/>
+                                <a:rPr lang="en-US" sz="2800" i="1">
+                                  <a:latin typeface="Cambria Math" panose="02040503050406030204" pitchFamily="18" charset="0"/>
+                                </a:rPr>
                                 <m:t>𝑥</m:t>
                               </m:r>
                             </m:e>
                             <m:sub>
                               <m:r>
-                                <a:rPr lang="en-US" sz="2800" i="1"/>
+                                <a:rPr lang="en-US" sz="2800" i="1">
+                                  <a:latin typeface="Cambria Math" panose="02040503050406030204" pitchFamily="18" charset="0"/>
+                                </a:rPr>
                                 <m:t>1</m:t>
                               </m:r>
                             </m:sub>
                           </m:sSub>
                           <m:r>
-                            <a:rPr lang="en-US" sz="2800" i="1"/>
+                            <a:rPr lang="en-US" sz="2800" i="1">
+                              <a:latin typeface="Cambria Math" panose="02040503050406030204" pitchFamily="18" charset="0"/>
+                            </a:rPr>
                             <m:t>, </m:t>
                           </m:r>
                           <m:sSub>
                             <m:sSubPr>
                               <m:ctrlPr>
-                                <a:rPr lang="en-US" sz="2800" i="1"/>
+                                <a:rPr lang="en-US" sz="2800" i="1">
+                                  <a:latin typeface="Cambria Math" panose="02040503050406030204" pitchFamily="18" charset="0"/>
+                                </a:rPr>
                               </m:ctrlPr>
                             </m:sSubPr>
                             <m:e>
                               <m:r>
-                                <a:rPr lang="en-US" sz="2800" i="1"/>
+                                <a:rPr lang="en-US" sz="2800" i="1">
+                                  <a:latin typeface="Cambria Math" panose="02040503050406030204" pitchFamily="18" charset="0"/>
+                                </a:rPr>
                                 <m:t>𝑥</m:t>
                               </m:r>
                             </m:e>
                             <m:sub>
                               <m:r>
-                                <a:rPr lang="en-US" sz="2800" i="1"/>
+                                <a:rPr lang="en-US" sz="2800" i="1">
+                                  <a:latin typeface="Cambria Math" panose="02040503050406030204" pitchFamily="18" charset="0"/>
+                                </a:rPr>
                                 <m:t>2</m:t>
                               </m:r>
                             </m:sub>
                           </m:sSub>
                           <m:r>
-                            <a:rPr lang="en-US" sz="2800" i="1"/>
+                            <a:rPr lang="en-US" sz="2800" i="1">
+                              <a:latin typeface="Cambria Math" panose="02040503050406030204" pitchFamily="18" charset="0"/>
+                            </a:rPr>
                             <m:t>,…,</m:t>
                           </m:r>
                           <m:sSub>
                             <m:sSubPr>
                               <m:ctrlPr>
-                                <a:rPr lang="en-US" sz="2800" i="1"/>
+                                <a:rPr lang="en-US" sz="2800" i="1">
+                                  <a:latin typeface="Cambria Math" panose="02040503050406030204" pitchFamily="18" charset="0"/>
+                                </a:rPr>
                               </m:ctrlPr>
                             </m:sSubPr>
                             <m:e>
                               <m:r>
-                                <a:rPr lang="en-US" sz="2800" i="1"/>
+                                <a:rPr lang="en-US" sz="2800" i="1">
+                                  <a:latin typeface="Cambria Math" panose="02040503050406030204" pitchFamily="18" charset="0"/>
+                                </a:rPr>
                                 <m:t>𝑥</m:t>
                               </m:r>
                             </m:e>
                             <m:sub>
                               <m:r>
-                                <a:rPr lang="en-US" sz="2800" i="1"/>
+                                <a:rPr lang="en-US" sz="2800" i="1">
+                                  <a:latin typeface="Cambria Math" panose="02040503050406030204" pitchFamily="18" charset="0"/>
+                                </a:rPr>
                                 <m:t>𝑛</m:t>
                               </m:r>
                             </m:sub>
@@ -32823,7 +31444,9 @@
                         </m:e>
                       </m:d>
                       <m:r>
-                        <a:rPr lang="en-US" sz="2800" i="1"/>
+                        <a:rPr lang="en-US" sz="2800" i="1">
+                          <a:latin typeface="Cambria Math" panose="02040503050406030204" pitchFamily="18" charset="0"/>
+                        </a:rPr>
                         <m:t>}</m:t>
                       </m:r>
                     </m:oMath>
@@ -32845,64 +31468,86 @@
                     <m:sSub>
                       <m:sSubPr>
                         <m:ctrlPr>
-                          <a:rPr lang="en-US" sz="2800" i="1"/>
+                          <a:rPr lang="en-US" sz="2800" i="1">
+                            <a:latin typeface="Cambria Math" panose="02040503050406030204" pitchFamily="18" charset="0"/>
+                          </a:rPr>
                         </m:ctrlPr>
                       </m:sSubPr>
                       <m:e>
                         <m:r>
-                          <a:rPr lang="en-US" sz="2800" i="1"/>
+                          <a:rPr lang="en-US" sz="2800" i="1">
+                            <a:latin typeface="Cambria Math" panose="02040503050406030204" pitchFamily="18" charset="0"/>
+                          </a:rPr>
                           <m:t>𝑥</m:t>
                         </m:r>
                       </m:e>
                       <m:sub>
                         <m:r>
-                          <a:rPr lang="en-US" sz="2800" i="1"/>
+                          <a:rPr lang="en-US" sz="2800" i="1">
+                            <a:latin typeface="Cambria Math" panose="02040503050406030204" pitchFamily="18" charset="0"/>
+                          </a:rPr>
                           <m:t>1</m:t>
                         </m:r>
                       </m:sub>
                     </m:sSub>
                     <m:r>
-                      <a:rPr lang="en-US" sz="2800" i="1"/>
+                      <a:rPr lang="en-US" sz="2800" i="1">
+                        <a:latin typeface="Cambria Math" panose="02040503050406030204" pitchFamily="18" charset="0"/>
+                      </a:rPr>
                       <m:t>, </m:t>
                     </m:r>
                     <m:sSub>
                       <m:sSubPr>
                         <m:ctrlPr>
-                          <a:rPr lang="en-US" sz="2800" i="1"/>
+                          <a:rPr lang="en-US" sz="2800" i="1">
+                            <a:latin typeface="Cambria Math" panose="02040503050406030204" pitchFamily="18" charset="0"/>
+                          </a:rPr>
                         </m:ctrlPr>
                       </m:sSubPr>
                       <m:e>
                         <m:r>
-                          <a:rPr lang="en-US" sz="2800" i="1"/>
+                          <a:rPr lang="en-US" sz="2800" i="1">
+                            <a:latin typeface="Cambria Math" panose="02040503050406030204" pitchFamily="18" charset="0"/>
+                          </a:rPr>
                           <m:t>𝑥</m:t>
                         </m:r>
                       </m:e>
                       <m:sub>
                         <m:r>
-                          <a:rPr lang="en-US" sz="2800" i="1"/>
+                          <a:rPr lang="en-US" sz="2800" i="1">
+                            <a:latin typeface="Cambria Math" panose="02040503050406030204" pitchFamily="18" charset="0"/>
+                          </a:rPr>
                           <m:t>2</m:t>
                         </m:r>
                       </m:sub>
                     </m:sSub>
                     <m:r>
-                      <a:rPr lang="en-US" sz="2800" i="1"/>
+                      <a:rPr lang="en-US" sz="2800" i="1">
+                        <a:latin typeface="Cambria Math" panose="02040503050406030204" pitchFamily="18" charset="0"/>
+                      </a:rPr>
                       <m:t>, …, </m:t>
                     </m:r>
                     <m:sSub>
                       <m:sSubPr>
                         <m:ctrlPr>
-                          <a:rPr lang="en-US" sz="2800" i="1"/>
+                          <a:rPr lang="en-US" sz="2800" i="1">
+                            <a:latin typeface="Cambria Math" panose="02040503050406030204" pitchFamily="18" charset="0"/>
+                          </a:rPr>
                         </m:ctrlPr>
                       </m:sSubPr>
                       <m:e>
                         <m:r>
-                          <a:rPr lang="en-US" sz="2800" i="1"/>
+                          <a:rPr lang="en-US" sz="2800" i="1">
+                            <a:latin typeface="Cambria Math" panose="02040503050406030204" pitchFamily="18" charset="0"/>
+                          </a:rPr>
                           <m:t>𝑥</m:t>
                         </m:r>
                       </m:e>
                       <m:sub>
                         <m:r>
-                          <a:rPr lang="en-US" sz="2800" i="1"/>
+                          <a:rPr lang="en-US" sz="2800" i="1">
+                            <a:latin typeface="Cambria Math" panose="02040503050406030204" pitchFamily="18" charset="0"/>
+                          </a:rPr>
                           <m:t>𝑛</m:t>
                         </m:r>
                       </m:sub>
@@ -33080,7 +31725,9 @@
                 <a14:m>
                   <m:oMath xmlns:m="http://schemas.openxmlformats.org/officeDocument/2006/math">
                     <m:r>
-                      <a:rPr lang="en-US" sz="2800" i="1"/>
+                      <a:rPr lang="en-US" sz="2800" i="1">
+                        <a:latin typeface="Cambria Math" panose="02040503050406030204" pitchFamily="18" charset="0"/>
+                      </a:rPr>
                       <m:t>𝐹</m:t>
                     </m:r>
                   </m:oMath>
@@ -33139,64 +31786,86 @@
                     <m:sSub>
                       <m:sSubPr>
                         <m:ctrlPr>
-                          <a:rPr lang="en-US" sz="2800" i="1"/>
+                          <a:rPr lang="en-US" sz="2800" i="1">
+                            <a:latin typeface="Cambria Math" panose="02040503050406030204" pitchFamily="18" charset="0"/>
+                          </a:rPr>
                         </m:ctrlPr>
                       </m:sSubPr>
                       <m:e>
                         <m:r>
-                          <a:rPr lang="en-US" sz="2800" i="1"/>
+                          <a:rPr lang="en-US" sz="2800" i="1">
+                            <a:latin typeface="Cambria Math" panose="02040503050406030204" pitchFamily="18" charset="0"/>
+                          </a:rPr>
                           <m:t>𝑥</m:t>
                         </m:r>
                       </m:e>
                       <m:sub>
                         <m:r>
-                          <a:rPr lang="en-US" sz="2800" i="1"/>
+                          <a:rPr lang="en-US" sz="2800" i="1">
+                            <a:latin typeface="Cambria Math" panose="02040503050406030204" pitchFamily="18" charset="0"/>
+                          </a:rPr>
                           <m:t>1</m:t>
                         </m:r>
                       </m:sub>
                     </m:sSub>
                     <m:r>
-                      <a:rPr lang="en-US" sz="2800" i="1"/>
+                      <a:rPr lang="en-US" sz="2800" i="1">
+                        <a:latin typeface="Cambria Math" panose="02040503050406030204" pitchFamily="18" charset="0"/>
+                      </a:rPr>
                       <m:t>, </m:t>
                     </m:r>
                     <m:sSub>
                       <m:sSubPr>
                         <m:ctrlPr>
-                          <a:rPr lang="en-US" sz="2800" i="1"/>
+                          <a:rPr lang="en-US" sz="2800" i="1">
+                            <a:latin typeface="Cambria Math" panose="02040503050406030204" pitchFamily="18" charset="0"/>
+                          </a:rPr>
                         </m:ctrlPr>
                       </m:sSubPr>
                       <m:e>
                         <m:r>
-                          <a:rPr lang="en-US" sz="2800" i="1"/>
+                          <a:rPr lang="en-US" sz="2800" i="1">
+                            <a:latin typeface="Cambria Math" panose="02040503050406030204" pitchFamily="18" charset="0"/>
+                          </a:rPr>
                           <m:t>𝑥</m:t>
                         </m:r>
                       </m:e>
                       <m:sub>
                         <m:r>
-                          <a:rPr lang="en-US" sz="2800" i="1"/>
+                          <a:rPr lang="en-US" sz="2800" i="1">
+                            <a:latin typeface="Cambria Math" panose="02040503050406030204" pitchFamily="18" charset="0"/>
+                          </a:rPr>
                           <m:t>2</m:t>
                         </m:r>
                       </m:sub>
                     </m:sSub>
                     <m:r>
-                      <a:rPr lang="en-US" sz="2800" i="1"/>
+                      <a:rPr lang="en-US" sz="2800" i="1">
+                        <a:latin typeface="Cambria Math" panose="02040503050406030204" pitchFamily="18" charset="0"/>
+                      </a:rPr>
                       <m:t>, …, </m:t>
                     </m:r>
                     <m:sSub>
                       <m:sSubPr>
                         <m:ctrlPr>
-                          <a:rPr lang="en-US" sz="2800" i="1"/>
+                          <a:rPr lang="en-US" sz="2800" i="1">
+                            <a:latin typeface="Cambria Math" panose="02040503050406030204" pitchFamily="18" charset="0"/>
+                          </a:rPr>
                         </m:ctrlPr>
                       </m:sSubPr>
                       <m:e>
                         <m:r>
-                          <a:rPr lang="en-US" sz="2800" i="1"/>
+                          <a:rPr lang="en-US" sz="2800" i="1">
+                            <a:latin typeface="Cambria Math" panose="02040503050406030204" pitchFamily="18" charset="0"/>
+                          </a:rPr>
                           <m:t>𝑥</m:t>
                         </m:r>
                       </m:e>
                       <m:sub>
                         <m:r>
-                          <a:rPr lang="en-US" sz="2800" i="1"/>
+                          <a:rPr lang="en-US" sz="2800" i="1">
+                            <a:latin typeface="Cambria Math" panose="02040503050406030204" pitchFamily="18" charset="0"/>
+                          </a:rPr>
                           <m:t>𝑛</m:t>
                         </m:r>
                       </m:sub>
@@ -33537,151 +32206,227 @@
                           <m:begChr m:val="{"/>
                           <m:endChr m:val="|"/>
                           <m:ctrlPr>
-                            <a:rPr lang="en-US" sz="2800" i="1"/>
+                            <a:rPr lang="en-US" sz="2800" i="1">
+                              <a:latin typeface="Cambria Math" panose="02040503050406030204" pitchFamily="18" charset="0"/>
+                            </a:rPr>
                           </m:ctrlPr>
                         </m:dPr>
                         <m:e>
                           <m:r>
-                            <a:rPr lang="en-US" sz="2800" i="1"/>
+                            <a:rPr lang="en-US" sz="2800" i="1">
+                              <a:latin typeface="Cambria Math" panose="02040503050406030204" pitchFamily="18" charset="0"/>
+                            </a:rPr>
                             <m:t>𝑟</m:t>
                           </m:r>
                           <m:r>
-                            <a:rPr lang="en-US" sz="2800" i="1"/>
+                            <a:rPr lang="en-US" sz="2800" i="1">
+                              <a:latin typeface="Cambria Math" panose="02040503050406030204" pitchFamily="18" charset="0"/>
+                            </a:rPr>
                             <m:t>, </m:t>
                           </m:r>
                           <m:r>
-                            <a:rPr lang="en-US" sz="2800" i="1"/>
+                            <a:rPr lang="en-US" sz="2800" i="1">
+                              <a:latin typeface="Cambria Math" panose="02040503050406030204" pitchFamily="18" charset="0"/>
+                            </a:rPr>
                             <m:t>𝑠</m:t>
                           </m:r>
                           <m:r>
-                            <a:rPr lang="en-US" sz="2800" i="1"/>
+                            <a:rPr lang="en-US" sz="2800" i="1">
+                              <a:latin typeface="Cambria Math" panose="02040503050406030204" pitchFamily="18" charset="0"/>
+                            </a:rPr>
                             <m:t> </m:t>
                           </m:r>
                         </m:e>
                       </m:d>
                       <m:r>
-                        <a:rPr lang="en-US" sz="2800" i="1"/>
+                        <a:rPr lang="en-US" sz="2800" i="1">
+                          <a:latin typeface="Cambria Math" panose="02040503050406030204" pitchFamily="18" charset="0"/>
+                        </a:rPr>
                         <m:t>  ∃</m:t>
                       </m:r>
                       <m:r>
-                        <a:rPr lang="en-US" sz="2800" i="1"/>
+                        <a:rPr lang="en-US" sz="2800" i="1">
+                          <a:latin typeface="Cambria Math" panose="02040503050406030204" pitchFamily="18" charset="0"/>
+                        </a:rPr>
                         <m:t>𝑥</m:t>
                       </m:r>
                       <m:r>
-                        <a:rPr lang="en-US" sz="2800" i="1"/>
+                        <a:rPr lang="en-US" sz="2800" i="1">
+                          <a:latin typeface="Cambria Math" panose="02040503050406030204" pitchFamily="18" charset="0"/>
+                        </a:rPr>
                         <m:t> </m:t>
                       </m:r>
                       <m:d>
                         <m:dPr>
                           <m:ctrlPr>
-                            <a:rPr lang="en-US" sz="2800" i="1"/>
+                            <a:rPr lang="en-US" sz="2800" i="1">
+                              <a:latin typeface="Cambria Math" panose="02040503050406030204" pitchFamily="18" charset="0"/>
+                            </a:rPr>
                           </m:ctrlPr>
                         </m:dPr>
                         <m:e>
                           <m:r>
-                            <a:rPr lang="en-US" sz="2800" i="1"/>
+                            <a:rPr lang="en-US" sz="2800" i="1">
+                              <a:latin typeface="Cambria Math" panose="02040503050406030204" pitchFamily="18" charset="0"/>
+                            </a:rPr>
                             <m:t> &lt;</m:t>
                           </m:r>
                           <m:r>
-                            <a:rPr lang="en-US" sz="2800" i="1"/>
+                            <a:rPr lang="en-US" sz="2800" i="1">
+                              <a:latin typeface="Cambria Math" panose="02040503050406030204" pitchFamily="18" charset="0"/>
+                            </a:rPr>
                             <m:t>𝑝</m:t>
                           </m:r>
                           <m:r>
-                            <a:rPr lang="en-US" sz="2800" i="1"/>
+                            <a:rPr lang="en-US" sz="2800" i="1">
+                              <a:latin typeface="Cambria Math" panose="02040503050406030204" pitchFamily="18" charset="0"/>
+                            </a:rPr>
                             <m:t>, </m:t>
                           </m:r>
                           <m:r>
-                            <a:rPr lang="en-US" sz="2800" i="1"/>
+                            <a:rPr lang="en-US" sz="2800" i="1">
+                              <a:latin typeface="Cambria Math" panose="02040503050406030204" pitchFamily="18" charset="0"/>
+                            </a:rPr>
                             <m:t>𝑞</m:t>
                           </m:r>
                           <m:r>
-                            <a:rPr lang="en-US" sz="2800" i="1"/>
+                            <a:rPr lang="en-US" sz="2800" i="1">
+                              <a:latin typeface="Cambria Math" panose="02040503050406030204" pitchFamily="18" charset="0"/>
+                            </a:rPr>
                             <m:t>, </m:t>
                           </m:r>
                           <m:r>
-                            <a:rPr lang="en-US" sz="2800" i="1"/>
+                            <a:rPr lang="en-US" sz="2800" i="1">
+                              <a:latin typeface="Cambria Math" panose="02040503050406030204" pitchFamily="18" charset="0"/>
+                            </a:rPr>
                             <m:t>𝑟</m:t>
                           </m:r>
                           <m:r>
-                            <a:rPr lang="en-US" sz="2800" i="1"/>
+                            <a:rPr lang="en-US" sz="2800" i="1">
+                              <a:latin typeface="Cambria Math" panose="02040503050406030204" pitchFamily="18" charset="0"/>
+                            </a:rPr>
                             <m:t>, </m:t>
                           </m:r>
                           <m:r>
-                            <a:rPr lang="en-US" sz="2800" i="1"/>
+                            <a:rPr lang="en-US" sz="2800" i="1">
+                              <a:latin typeface="Cambria Math" panose="02040503050406030204" pitchFamily="18" charset="0"/>
+                            </a:rPr>
                             <m:t>𝑠</m:t>
                           </m:r>
                           <m:r>
-                            <a:rPr lang="en-US" sz="2800" i="1"/>
+                            <a:rPr lang="en-US" sz="2800" i="1">
+                              <a:latin typeface="Cambria Math" panose="02040503050406030204" pitchFamily="18" charset="0"/>
+                            </a:rPr>
                             <m:t>,</m:t>
                           </m:r>
                           <m:r>
-                            <a:rPr lang="en-US" sz="2800" i="1"/>
+                            <a:rPr lang="en-US" sz="2800" i="1">
+                              <a:latin typeface="Cambria Math" panose="02040503050406030204" pitchFamily="18" charset="0"/>
+                            </a:rPr>
                             <m:t>𝑡</m:t>
                           </m:r>
                           <m:r>
-                            <a:rPr lang="en-US" sz="2800" i="1"/>
+                            <a:rPr lang="en-US" sz="2800" i="1">
+                              <a:latin typeface="Cambria Math" panose="02040503050406030204" pitchFamily="18" charset="0"/>
+                            </a:rPr>
                             <m:t>,</m:t>
                           </m:r>
                           <m:r>
-                            <a:rPr lang="en-US" sz="2800" i="1"/>
+                            <a:rPr lang="en-US" sz="2800" i="1">
+                              <a:latin typeface="Cambria Math" panose="02040503050406030204" pitchFamily="18" charset="0"/>
+                            </a:rPr>
                             <m:t>𝑢</m:t>
                           </m:r>
                           <m:r>
-                            <a:rPr lang="en-US" sz="2800" i="1"/>
+                            <a:rPr lang="en-US" sz="2800" i="1">
+                              <a:latin typeface="Cambria Math" panose="02040503050406030204" pitchFamily="18" charset="0"/>
+                            </a:rPr>
                             <m:t>,</m:t>
                           </m:r>
                           <m:r>
-                            <a:rPr lang="en-US" sz="2800" i="1"/>
+                            <a:rPr lang="en-US" sz="2800" i="1">
+                              <a:latin typeface="Cambria Math" panose="02040503050406030204" pitchFamily="18" charset="0"/>
+                            </a:rPr>
                             <m:t>𝑣</m:t>
                           </m:r>
                           <m:r>
-                            <a:rPr lang="en-US" sz="2800" i="1"/>
+                            <a:rPr lang="en-US" sz="2800" i="1">
+                              <a:latin typeface="Cambria Math" panose="02040503050406030204" pitchFamily="18" charset="0"/>
+                            </a:rPr>
                             <m:t>,</m:t>
                           </m:r>
                           <m:r>
-                            <a:rPr lang="en-US" sz="2800" i="1"/>
+                            <a:rPr lang="en-US" sz="2800" i="1">
+                              <a:latin typeface="Cambria Math" panose="02040503050406030204" pitchFamily="18" charset="0"/>
+                            </a:rPr>
                             <m:t>𝑥</m:t>
                           </m:r>
                           <m:r>
-                            <a:rPr lang="en-US" sz="2800" i="1"/>
+                            <a:rPr lang="en-US" sz="2800" i="1">
+                              <a:latin typeface="Cambria Math" panose="02040503050406030204" pitchFamily="18" charset="0"/>
+                            </a:rPr>
                             <m:t>,</m:t>
                           </m:r>
                           <m:r>
-                            <a:rPr lang="en-US" sz="2800" i="1"/>
+                            <a:rPr lang="en-US" sz="2800" i="1">
+                              <a:latin typeface="Cambria Math" panose="02040503050406030204" pitchFamily="18" charset="0"/>
+                            </a:rPr>
                             <m:t>𝑦</m:t>
                           </m:r>
                           <m:r>
-                            <a:rPr lang="en-US" sz="2800" i="1"/>
+                            <a:rPr lang="en-US" sz="2800" i="1">
+                              <a:latin typeface="Cambria Math" panose="02040503050406030204" pitchFamily="18" charset="0"/>
+                            </a:rPr>
                             <m:t>,</m:t>
                           </m:r>
                           <m:r>
-                            <a:rPr lang="en-US" sz="2800" i="1"/>
+                            <a:rPr lang="en-US" sz="2800" i="1">
+                              <a:latin typeface="Cambria Math" panose="02040503050406030204" pitchFamily="18" charset="0"/>
+                            </a:rPr>
                             <m:t>𝑧</m:t>
                           </m:r>
                           <m:r>
-                            <a:rPr lang="en-US" sz="2800" i="1"/>
+                            <a:rPr lang="en-US" sz="2800" i="1">
+                              <a:latin typeface="Cambria Math" panose="02040503050406030204" pitchFamily="18" charset="0"/>
+                            </a:rPr>
                             <m:t>&gt;∈</m:t>
                           </m:r>
                           <m:r>
-                            <a:rPr lang="en-US" sz="2800" i="1"/>
+                            <a:rPr lang="en-US" sz="2800" i="1">
+                              <a:latin typeface="Cambria Math" panose="02040503050406030204" pitchFamily="18" charset="0"/>
+                            </a:rPr>
                             <m:t>𝑁𝐻𝐴𝑁𝑉𝐼𝐸𝑁</m:t>
                           </m:r>
                           <m:r>
-                            <a:rPr lang="en-US" sz="2800" i="1"/>
+                            <a:rPr lang="en-US" sz="2800" i="1">
+                              <a:latin typeface="Cambria Math" panose="02040503050406030204" pitchFamily="18" charset="0"/>
+                            </a:rPr>
                             <m:t> ⋀ </m:t>
                           </m:r>
                           <m:r>
-                            <a:rPr lang="en-US" sz="2800" i="1"/>
+                            <a:rPr lang="en-US" sz="2800" i="1">
+                              <a:latin typeface="Cambria Math" panose="02040503050406030204" pitchFamily="18" charset="0"/>
+                            </a:rPr>
                             <m:t>𝑥</m:t>
                           </m:r>
                           <m:r>
-                            <a:rPr lang="en-US" sz="2800" i="1"/>
-                            <m:t>&gt;30000</m:t>
+                            <a:rPr lang="en-US" sz="2800" i="1">
+                              <a:latin typeface="Cambria Math" panose="02040503050406030204" pitchFamily="18" charset="0"/>
+                            </a:rPr>
+                            <m:t>&gt;</m:t>
+                          </m:r>
+                          <m:r>
+                            <a:rPr lang="en-US" sz="2800" i="1">
+                              <a:latin typeface="Cambria Math" panose="02040503050406030204" pitchFamily="18" charset="0"/>
+                            </a:rPr>
+                            <m:t>30000</m:t>
                           </m:r>
                         </m:e>
                       </m:d>
                       <m:r>
-                        <a:rPr lang="en-US" sz="2800" i="1"/>
+                        <a:rPr lang="en-US" sz="2800" i="1">
+                          <a:latin typeface="Cambria Math" panose="02040503050406030204" pitchFamily="18" charset="0"/>
+                        </a:rPr>
                         <m:t> }</m:t>
                       </m:r>
                     </m:oMath>
@@ -33707,7 +32452,7 @@
             </p:txBody>
           </p:sp>
         </mc:Choice>
-        <mc:Fallback>
+        <mc:Fallback xmlns="">
           <p:sp>
             <p:nvSpPr>
               <p:cNvPr id="5" name="Content Placeholder 2"/>
@@ -33756,6 +32501,444 @@
   <p:clrMapOvr>
     <a:masterClrMapping/>
   </p:clrMapOvr>
+  <mc:AlternateContent xmlns:mc="http://schemas.openxmlformats.org/markup-compatibility/2006" xmlns:p14="http://schemas.microsoft.com/office/powerpoint/2010/main">
+    <mc:Choice Requires="p14">
+      <p:transition spd="slow" p14:dur="2000" advTm="45931"/>
+    </mc:Choice>
+    <mc:Fallback xmlns="">
+      <p:transition spd="slow" advTm="45931"/>
+    </mc:Fallback>
+  </mc:AlternateContent>
+  <p:timing>
+    <p:tnLst>
+      <p:par>
+        <p:cTn id="1" dur="indefinite" restart="never" nodeType="tmRoot"/>
+      </p:par>
+    </p:tnLst>
+  </p:timing>
+</p:sld>
+</file>
+
+<file path=ppt/slides/slide4.xml><?xml version="1.0" encoding="utf-8"?>
+<p:sld xmlns:a="http://schemas.openxmlformats.org/drawingml/2006/main" xmlns:r="http://schemas.openxmlformats.org/officeDocument/2006/relationships" xmlns:p="http://schemas.openxmlformats.org/presentationml/2006/main">
+  <p:cSld>
+    <p:spTree>
+      <p:nvGrpSpPr>
+        <p:cNvPr id="1" name=""/>
+        <p:cNvGrpSpPr/>
+        <p:nvPr/>
+      </p:nvGrpSpPr>
+      <p:grpSpPr>
+        <a:xfrm>
+          <a:off x="0" y="0"/>
+          <a:ext cx="0" cy="0"/>
+          <a:chOff x="0" y="0"/>
+          <a:chExt cx="0" cy="0"/>
+        </a:xfrm>
+      </p:grpSpPr>
+      <p:sp>
+        <p:nvSpPr>
+          <p:cNvPr id="4" name="Title 1"/>
+          <p:cNvSpPr txBox="1">
+            <a:spLocks/>
+          </p:cNvSpPr>
+          <p:nvPr/>
+        </p:nvSpPr>
+        <p:spPr>
+          <a:xfrm>
+            <a:off x="0" y="0"/>
+            <a:ext cx="12192000" cy="751950"/>
+          </a:xfrm>
+          <a:prstGeom prst="rect">
+            <a:avLst/>
+          </a:prstGeom>
+        </p:spPr>
+        <p:txBody>
+          <a:bodyPr vert="horz" lIns="91440" tIns="45720" rIns="91440" bIns="45720" rtlCol="0" anchor="b">
+            <a:normAutofit/>
+          </a:bodyPr>
+          <a:lstStyle>
+            <a:lvl1pPr algn="ctr" defTabSz="914400" rtl="0" eaLnBrk="1" latinLnBrk="0" hangingPunct="1">
+              <a:lnSpc>
+                <a:spcPct val="90000"/>
+              </a:lnSpc>
+              <a:spcBef>
+                <a:spcPct val="0"/>
+              </a:spcBef>
+              <a:buNone/>
+              <a:defRPr sz="6000" kern="1200">
+                <a:solidFill>
+                  <a:schemeClr val="tx1"/>
+                </a:solidFill>
+                <a:latin typeface="+mj-lt"/>
+                <a:ea typeface="+mj-ea"/>
+                <a:cs typeface="+mj-cs"/>
+              </a:defRPr>
+            </a:lvl1pPr>
+          </a:lstStyle>
+          <a:p>
+            <a:pPr algn="l"/>
+            <a:r>
+              <a:rPr lang="en-CA" sz="4000" b="1" dirty="0" err="1" smtClean="0">
+                <a:latin typeface="Times New Roman" panose="02020603050405020304" pitchFamily="18" charset="0"/>
+                <a:cs typeface="Times New Roman" panose="02020603050405020304" pitchFamily="18" charset="0"/>
+              </a:rPr>
+              <a:t>Phép</a:t>
+            </a:r>
+            <a:r>
+              <a:rPr lang="en-CA" sz="4000" b="1" dirty="0" smtClean="0">
+                <a:latin typeface="Times New Roman" panose="02020603050405020304" pitchFamily="18" charset="0"/>
+                <a:cs typeface="Times New Roman" panose="02020603050405020304" pitchFamily="18" charset="0"/>
+              </a:rPr>
+              <a:t> </a:t>
+            </a:r>
+            <a:r>
+              <a:rPr lang="en-CA" sz="4000" b="1" dirty="0" err="1" smtClean="0">
+                <a:latin typeface="Times New Roman" panose="02020603050405020304" pitchFamily="18" charset="0"/>
+                <a:cs typeface="Times New Roman" panose="02020603050405020304" pitchFamily="18" charset="0"/>
+              </a:rPr>
+              <a:t>chọn</a:t>
+            </a:r>
+            <a:r>
+              <a:rPr lang="en-CA" sz="4000" b="1" dirty="0" smtClean="0">
+                <a:latin typeface="Times New Roman" panose="02020603050405020304" pitchFamily="18" charset="0"/>
+                <a:cs typeface="Times New Roman" panose="02020603050405020304" pitchFamily="18" charset="0"/>
+              </a:rPr>
+              <a:t> (Selection </a:t>
+            </a:r>
+            <a:r>
+              <a:rPr lang="en-US" sz="4000" b="1" dirty="0">
+                <a:latin typeface="Times New Roman" panose="02020603050405020304" pitchFamily="18" charset="0"/>
+                <a:cs typeface="Times New Roman" panose="02020603050405020304" pitchFamily="18" charset="0"/>
+              </a:rPr>
+              <a:t>σ</a:t>
+            </a:r>
+            <a:r>
+              <a:rPr lang="en-CA" sz="4000" b="1" dirty="0" smtClean="0">
+                <a:latin typeface="Times New Roman" panose="02020603050405020304" pitchFamily="18" charset="0"/>
+                <a:cs typeface="Times New Roman" panose="02020603050405020304" pitchFamily="18" charset="0"/>
+              </a:rPr>
+              <a:t>). </a:t>
+            </a:r>
+            <a:r>
+              <a:rPr lang="en-CA" sz="4000" b="1" dirty="0" err="1" smtClean="0">
+                <a:latin typeface="Times New Roman" panose="02020603050405020304" pitchFamily="18" charset="0"/>
+                <a:cs typeface="Times New Roman" panose="02020603050405020304" pitchFamily="18" charset="0"/>
+              </a:rPr>
+              <a:t>Ví</a:t>
+            </a:r>
+            <a:r>
+              <a:rPr lang="en-CA" sz="4000" b="1" dirty="0" smtClean="0">
+                <a:latin typeface="Times New Roman" panose="02020603050405020304" pitchFamily="18" charset="0"/>
+                <a:cs typeface="Times New Roman" panose="02020603050405020304" pitchFamily="18" charset="0"/>
+              </a:rPr>
+              <a:t> </a:t>
+            </a:r>
+            <a:r>
+              <a:rPr lang="en-CA" sz="4000" b="1" dirty="0" err="1" smtClean="0">
+                <a:latin typeface="Times New Roman" panose="02020603050405020304" pitchFamily="18" charset="0"/>
+                <a:cs typeface="Times New Roman" panose="02020603050405020304" pitchFamily="18" charset="0"/>
+              </a:rPr>
+              <a:t>dụ</a:t>
+            </a:r>
+            <a:r>
+              <a:rPr lang="en-CA" sz="4000" b="1" dirty="0" smtClean="0">
+                <a:latin typeface="Times New Roman" panose="02020603050405020304" pitchFamily="18" charset="0"/>
+                <a:cs typeface="Times New Roman" panose="02020603050405020304" pitchFamily="18" charset="0"/>
+              </a:rPr>
+              <a:t>.</a:t>
+            </a:r>
+            <a:endParaRPr lang="en-CA" sz="4000" b="1" dirty="0">
+              <a:latin typeface="Times New Roman" panose="02020603050405020304" pitchFamily="18" charset="0"/>
+              <a:cs typeface="Times New Roman" panose="02020603050405020304" pitchFamily="18" charset="0"/>
+            </a:endParaRPr>
+          </a:p>
+        </p:txBody>
+      </p:sp>
+      <p:sp>
+        <p:nvSpPr>
+          <p:cNvPr id="5" name="Content Placeholder 2"/>
+          <p:cNvSpPr txBox="1">
+            <a:spLocks/>
+          </p:cNvSpPr>
+          <p:nvPr/>
+        </p:nvSpPr>
+        <p:spPr>
+          <a:xfrm>
+            <a:off x="0" y="1014152"/>
+            <a:ext cx="12192000" cy="5843847"/>
+          </a:xfrm>
+          <a:prstGeom prst="rect">
+            <a:avLst/>
+          </a:prstGeom>
+        </p:spPr>
+        <p:txBody>
+          <a:bodyPr vert="horz" lIns="91440" tIns="45720" rIns="91440" bIns="45720" rtlCol="0">
+            <a:normAutofit/>
+          </a:bodyPr>
+          <a:lstStyle>
+            <a:lvl1pPr marL="0" indent="0" algn="ctr" defTabSz="914400" rtl="0" eaLnBrk="1" latinLnBrk="0" hangingPunct="1">
+              <a:lnSpc>
+                <a:spcPct val="90000"/>
+              </a:lnSpc>
+              <a:spcBef>
+                <a:spcPts val="1000"/>
+              </a:spcBef>
+              <a:buFont typeface="Arial" panose="020B0604020202020204" pitchFamily="34" charset="0"/>
+              <a:buNone/>
+              <a:defRPr sz="2400" kern="1200">
+                <a:solidFill>
+                  <a:schemeClr val="tx1"/>
+                </a:solidFill>
+                <a:latin typeface="+mn-lt"/>
+                <a:ea typeface="+mn-ea"/>
+                <a:cs typeface="+mn-cs"/>
+              </a:defRPr>
+            </a:lvl1pPr>
+            <a:lvl2pPr marL="457200" indent="0" algn="ctr" defTabSz="914400" rtl="0" eaLnBrk="1" latinLnBrk="0" hangingPunct="1">
+              <a:lnSpc>
+                <a:spcPct val="90000"/>
+              </a:lnSpc>
+              <a:spcBef>
+                <a:spcPts val="500"/>
+              </a:spcBef>
+              <a:buFont typeface="Arial" panose="020B0604020202020204" pitchFamily="34" charset="0"/>
+              <a:buNone/>
+              <a:defRPr sz="2000" kern="1200">
+                <a:solidFill>
+                  <a:schemeClr val="tx1"/>
+                </a:solidFill>
+                <a:latin typeface="+mn-lt"/>
+                <a:ea typeface="+mn-ea"/>
+                <a:cs typeface="+mn-cs"/>
+              </a:defRPr>
+            </a:lvl2pPr>
+            <a:lvl3pPr marL="914400" indent="0" algn="ctr" defTabSz="914400" rtl="0" eaLnBrk="1" latinLnBrk="0" hangingPunct="1">
+              <a:lnSpc>
+                <a:spcPct val="90000"/>
+              </a:lnSpc>
+              <a:spcBef>
+                <a:spcPts val="500"/>
+              </a:spcBef>
+              <a:buFont typeface="Arial" panose="020B0604020202020204" pitchFamily="34" charset="0"/>
+              <a:buNone/>
+              <a:defRPr sz="1800" kern="1200">
+                <a:solidFill>
+                  <a:schemeClr val="tx1"/>
+                </a:solidFill>
+                <a:latin typeface="+mn-lt"/>
+                <a:ea typeface="+mn-ea"/>
+                <a:cs typeface="+mn-cs"/>
+              </a:defRPr>
+            </a:lvl3pPr>
+            <a:lvl4pPr marL="1371600" indent="0" algn="ctr" defTabSz="914400" rtl="0" eaLnBrk="1" latinLnBrk="0" hangingPunct="1">
+              <a:lnSpc>
+                <a:spcPct val="90000"/>
+              </a:lnSpc>
+              <a:spcBef>
+                <a:spcPts val="500"/>
+              </a:spcBef>
+              <a:buFont typeface="Arial" panose="020B0604020202020204" pitchFamily="34" charset="0"/>
+              <a:buNone/>
+              <a:defRPr sz="1600" kern="1200">
+                <a:solidFill>
+                  <a:schemeClr val="tx1"/>
+                </a:solidFill>
+                <a:latin typeface="+mn-lt"/>
+                <a:ea typeface="+mn-ea"/>
+                <a:cs typeface="+mn-cs"/>
+              </a:defRPr>
+            </a:lvl4pPr>
+            <a:lvl5pPr marL="1828800" indent="0" algn="ctr" defTabSz="914400" rtl="0" eaLnBrk="1" latinLnBrk="0" hangingPunct="1">
+              <a:lnSpc>
+                <a:spcPct val="90000"/>
+              </a:lnSpc>
+              <a:spcBef>
+                <a:spcPts val="500"/>
+              </a:spcBef>
+              <a:buFont typeface="Arial" panose="020B0604020202020204" pitchFamily="34" charset="0"/>
+              <a:buNone/>
+              <a:defRPr sz="1600" kern="1200">
+                <a:solidFill>
+                  <a:schemeClr val="tx1"/>
+                </a:solidFill>
+                <a:latin typeface="+mn-lt"/>
+                <a:ea typeface="+mn-ea"/>
+                <a:cs typeface="+mn-cs"/>
+              </a:defRPr>
+            </a:lvl5pPr>
+            <a:lvl6pPr marL="2286000" indent="0" algn="ctr" defTabSz="914400" rtl="0" eaLnBrk="1" latinLnBrk="0" hangingPunct="1">
+              <a:lnSpc>
+                <a:spcPct val="90000"/>
+              </a:lnSpc>
+              <a:spcBef>
+                <a:spcPts val="500"/>
+              </a:spcBef>
+              <a:buFont typeface="Arial" panose="020B0604020202020204" pitchFamily="34" charset="0"/>
+              <a:buNone/>
+              <a:defRPr sz="1600" kern="1200">
+                <a:solidFill>
+                  <a:schemeClr val="tx1"/>
+                </a:solidFill>
+                <a:latin typeface="+mn-lt"/>
+                <a:ea typeface="+mn-ea"/>
+                <a:cs typeface="+mn-cs"/>
+              </a:defRPr>
+            </a:lvl6pPr>
+            <a:lvl7pPr marL="2743200" indent="0" algn="ctr" defTabSz="914400" rtl="0" eaLnBrk="1" latinLnBrk="0" hangingPunct="1">
+              <a:lnSpc>
+                <a:spcPct val="90000"/>
+              </a:lnSpc>
+              <a:spcBef>
+                <a:spcPts val="500"/>
+              </a:spcBef>
+              <a:buFont typeface="Arial" panose="020B0604020202020204" pitchFamily="34" charset="0"/>
+              <a:buNone/>
+              <a:defRPr sz="1600" kern="1200">
+                <a:solidFill>
+                  <a:schemeClr val="tx1"/>
+                </a:solidFill>
+                <a:latin typeface="+mn-lt"/>
+                <a:ea typeface="+mn-ea"/>
+                <a:cs typeface="+mn-cs"/>
+              </a:defRPr>
+            </a:lvl7pPr>
+            <a:lvl8pPr marL="3200400" indent="0" algn="ctr" defTabSz="914400" rtl="0" eaLnBrk="1" latinLnBrk="0" hangingPunct="1">
+              <a:lnSpc>
+                <a:spcPct val="90000"/>
+              </a:lnSpc>
+              <a:spcBef>
+                <a:spcPts val="500"/>
+              </a:spcBef>
+              <a:buFont typeface="Arial" panose="020B0604020202020204" pitchFamily="34" charset="0"/>
+              <a:buNone/>
+              <a:defRPr sz="1600" kern="1200">
+                <a:solidFill>
+                  <a:schemeClr val="tx1"/>
+                </a:solidFill>
+                <a:latin typeface="+mn-lt"/>
+                <a:ea typeface="+mn-ea"/>
+                <a:cs typeface="+mn-cs"/>
+              </a:defRPr>
+            </a:lvl8pPr>
+            <a:lvl9pPr marL="3657600" indent="0" algn="ctr" defTabSz="914400" rtl="0" eaLnBrk="1" latinLnBrk="0" hangingPunct="1">
+              <a:lnSpc>
+                <a:spcPct val="90000"/>
+              </a:lnSpc>
+              <a:spcBef>
+                <a:spcPts val="500"/>
+              </a:spcBef>
+              <a:buFont typeface="Arial" panose="020B0604020202020204" pitchFamily="34" charset="0"/>
+              <a:buNone/>
+              <a:defRPr sz="1600" kern="1200">
+                <a:solidFill>
+                  <a:schemeClr val="tx1"/>
+                </a:solidFill>
+                <a:latin typeface="+mn-lt"/>
+                <a:ea typeface="+mn-ea"/>
+                <a:cs typeface="+mn-cs"/>
+              </a:defRPr>
+            </a:lvl9pPr>
+          </a:lstStyle>
+          <a:p>
+            <a:pPr lvl="1" algn="just"/>
+            <a:r>
+              <a:rPr lang="en-US" sz="2800" dirty="0" err="1" smtClean="0">
+                <a:effectLst/>
+                <a:latin typeface="Times New Roman" panose="02020603050405020304" pitchFamily="18" charset="0"/>
+                <a:ea typeface="Calibri" panose="020F0502020204030204" pitchFamily="34" charset="0"/>
+              </a:rPr>
+              <a:t>Bảng</a:t>
+            </a:r>
+            <a:r>
+              <a:rPr lang="en-US" sz="2800" dirty="0" smtClean="0">
+                <a:effectLst/>
+                <a:latin typeface="Times New Roman" panose="02020603050405020304" pitchFamily="18" charset="0"/>
+                <a:ea typeface="Calibri" panose="020F0502020204030204" pitchFamily="34" charset="0"/>
+              </a:rPr>
+              <a:t> KHACHHANG (</a:t>
+            </a:r>
+            <a:r>
+              <a:rPr lang="en-US" sz="2800" dirty="0" err="1" smtClean="0">
+                <a:effectLst/>
+                <a:latin typeface="Times New Roman" panose="02020603050405020304" pitchFamily="18" charset="0"/>
+                <a:ea typeface="Calibri" panose="020F0502020204030204" pitchFamily="34" charset="0"/>
+              </a:rPr>
+              <a:t>khách</a:t>
+            </a:r>
+            <a:r>
+              <a:rPr lang="en-US" sz="2800" dirty="0" smtClean="0">
+                <a:effectLst/>
+                <a:latin typeface="Times New Roman" panose="02020603050405020304" pitchFamily="18" charset="0"/>
+                <a:ea typeface="Calibri" panose="020F0502020204030204" pitchFamily="34" charset="0"/>
+              </a:rPr>
+              <a:t> </a:t>
+            </a:r>
+            <a:r>
+              <a:rPr lang="en-US" sz="2800" dirty="0" err="1" smtClean="0">
+                <a:effectLst/>
+                <a:latin typeface="Times New Roman" panose="02020603050405020304" pitchFamily="18" charset="0"/>
+                <a:ea typeface="Calibri" panose="020F0502020204030204" pitchFamily="34" charset="0"/>
+              </a:rPr>
+              <a:t>hàng</a:t>
+            </a:r>
+            <a:r>
+              <a:rPr lang="en-US" sz="2800" dirty="0" smtClean="0">
+                <a:effectLst/>
+                <a:latin typeface="Times New Roman" panose="02020603050405020304" pitchFamily="18" charset="0"/>
+                <a:ea typeface="Calibri" panose="020F0502020204030204" pitchFamily="34" charset="0"/>
+              </a:rPr>
+              <a:t>)</a:t>
+            </a:r>
+          </a:p>
+        </p:txBody>
+      </p:sp>
+      <p:pic>
+        <p:nvPicPr>
+          <p:cNvPr id="6" name="Picture 5"/>
+          <p:cNvPicPr/>
+          <p:nvPr/>
+        </p:nvPicPr>
+        <p:blipFill>
+          <a:blip r:embed="rId2">
+            <a:extLst>
+              <a:ext uri="{28A0092B-C50C-407E-A947-70E740481C1C}">
+                <a14:useLocalDpi xmlns:a14="http://schemas.microsoft.com/office/drawing/2010/main" val="0"/>
+              </a:ext>
+            </a:extLst>
+          </a:blip>
+          <a:stretch>
+            <a:fillRect/>
+          </a:stretch>
+        </p:blipFill>
+        <p:spPr>
+          <a:xfrm>
+            <a:off x="264622" y="1636900"/>
+            <a:ext cx="11639204" cy="3560444"/>
+          </a:xfrm>
+          <a:prstGeom prst="rect">
+            <a:avLst/>
+          </a:prstGeom>
+        </p:spPr>
+      </p:pic>
+    </p:spTree>
+    <p:extLst>
+      <p:ext uri="{BB962C8B-B14F-4D97-AF65-F5344CB8AC3E}">
+        <p14:creationId xmlns:p14="http://schemas.microsoft.com/office/powerpoint/2010/main" val="2066350945"/>
+      </p:ext>
+    </p:extLst>
+  </p:cSld>
+  <p:clrMapOvr>
+    <a:masterClrMapping/>
+  </p:clrMapOvr>
+  <mc:AlternateContent xmlns:mc="http://schemas.openxmlformats.org/markup-compatibility/2006" xmlns:p14="http://schemas.microsoft.com/office/powerpoint/2010/main">
+    <mc:Choice Requires="p14">
+      <p:transition spd="slow" p14:dur="2000" advTm="7901"/>
+    </mc:Choice>
+    <mc:Fallback xmlns="">
+      <p:transition spd="slow" advTm="7901"/>
+    </mc:Fallback>
+  </mc:AlternateContent>
   <p:timing>
     <p:tnLst>
       <p:par>
@@ -33902,8 +33085,8 @@
           </a:p>
         </p:txBody>
       </p:sp>
-      <mc:AlternateContent xmlns:mc="http://schemas.openxmlformats.org/markup-compatibility/2006">
-        <mc:Choice xmlns:a14="http://schemas.microsoft.com/office/drawing/2010/main" Requires="a14">
+      <mc:AlternateContent xmlns:mc="http://schemas.openxmlformats.org/markup-compatibility/2006" xmlns:a14="http://schemas.microsoft.com/office/drawing/2010/main">
+        <mc:Choice Requires="a14">
           <p:sp>
             <p:nvSpPr>
               <p:cNvPr id="5" name="Content Placeholder 2"/>
@@ -34315,7 +33498,7 @@
             </p:txBody>
           </p:sp>
         </mc:Choice>
-        <mc:Fallback>
+        <mc:Fallback xmlns="">
           <p:sp>
             <p:nvSpPr>
               <p:cNvPr id="5" name="Content Placeholder 2"/>
@@ -34392,6 +33575,14 @@
   <p:clrMapOvr>
     <a:masterClrMapping/>
   </p:clrMapOvr>
+  <mc:AlternateContent xmlns:mc="http://schemas.openxmlformats.org/markup-compatibility/2006" xmlns:p14="http://schemas.microsoft.com/office/powerpoint/2010/main">
+    <mc:Choice Requires="p14">
+      <p:transition spd="slow" p14:dur="2000" advTm="32102"/>
+    </mc:Choice>
+    <mc:Fallback xmlns="">
+      <p:transition spd="slow" advTm="32102"/>
+    </mc:Fallback>
+  </mc:AlternateContent>
   <p:timing>
     <p:tnLst>
       <p:par>
@@ -34511,8 +33702,8 @@
           </a:p>
         </p:txBody>
       </p:sp>
-      <mc:AlternateContent xmlns:mc="http://schemas.openxmlformats.org/markup-compatibility/2006">
-        <mc:Choice xmlns:a14="http://schemas.microsoft.com/office/drawing/2010/main" Requires="a14">
+      <mc:AlternateContent xmlns:mc="http://schemas.openxmlformats.org/markup-compatibility/2006" xmlns:a14="http://schemas.microsoft.com/office/drawing/2010/main">
+        <mc:Choice Requires="a14">
           <p:sp>
             <p:nvSpPr>
               <p:cNvPr id="7" name="Content Placeholder 2"/>
@@ -35241,7 +34432,7 @@
             </p:txBody>
           </p:sp>
         </mc:Choice>
-        <mc:Fallback>
+        <mc:Fallback xmlns="">
           <p:sp>
             <p:nvSpPr>
               <p:cNvPr id="7" name="Content Placeholder 2"/>
@@ -35319,6 +34510,14 @@
   <p:clrMapOvr>
     <a:masterClrMapping/>
   </p:clrMapOvr>
+  <mc:AlternateContent xmlns:mc="http://schemas.openxmlformats.org/markup-compatibility/2006" xmlns:p14="http://schemas.microsoft.com/office/powerpoint/2010/main">
+    <mc:Choice Requires="p14">
+      <p:transition spd="slow" p14:dur="2000" advTm="14015"/>
+    </mc:Choice>
+    <mc:Fallback xmlns="">
+      <p:transition spd="slow" advTm="14015"/>
+    </mc:Fallback>
+  </mc:AlternateContent>
   <p:timing>
     <p:tnLst>
       <p:par>
@@ -35738,6 +34937,14 @@
   <p:clrMapOvr>
     <a:masterClrMapping/>
   </p:clrMapOvr>
+  <mc:AlternateContent xmlns:mc="http://schemas.openxmlformats.org/markup-compatibility/2006" xmlns:p14="http://schemas.microsoft.com/office/powerpoint/2010/main">
+    <mc:Choice Requires="p14">
+      <p:transition spd="slow" p14:dur="2000" advTm="1660"/>
+    </mc:Choice>
+    <mc:Fallback xmlns="">
+      <p:transition spd="slow" advTm="1660"/>
+    </mc:Fallback>
+  </mc:AlternateContent>
   <p:timing>
     <p:tnLst>
       <p:par>
@@ -36424,6 +35631,14 @@
   <p:clrMapOvr>
     <a:masterClrMapping/>
   </p:clrMapOvr>
+  <mc:AlternateContent xmlns:mc="http://schemas.openxmlformats.org/markup-compatibility/2006" xmlns:p14="http://schemas.microsoft.com/office/powerpoint/2010/main">
+    <mc:Choice Requires="p14">
+      <p:transition spd="slow" p14:dur="2000" advTm="3178"/>
+    </mc:Choice>
+    <mc:Fallback xmlns="">
+      <p:transition spd="slow" advTm="3178"/>
+    </mc:Fallback>
+  </mc:AlternateContent>
   <p:timing>
     <p:tnLst>
       <p:par>
@@ -36451,8 +35666,8 @@
           <a:chExt cx="0" cy="0"/>
         </a:xfrm>
       </p:grpSpPr>
-      <mc:AlternateContent xmlns:mc="http://schemas.openxmlformats.org/markup-compatibility/2006">
-        <mc:Choice xmlns:a14="http://schemas.microsoft.com/office/drawing/2010/main" Requires="a14">
+      <mc:AlternateContent xmlns:mc="http://schemas.openxmlformats.org/markup-compatibility/2006" xmlns:a14="http://schemas.microsoft.com/office/drawing/2010/main">
+        <mc:Choice Requires="a14">
           <p:sp>
             <p:nvSpPr>
               <p:cNvPr id="4" name="Title 1"/>
@@ -36550,7 +35765,7 @@
             </p:txBody>
           </p:sp>
         </mc:Choice>
-        <mc:Fallback>
+        <mc:Fallback xmlns="">
           <p:sp>
             <p:nvSpPr>
               <p:cNvPr id="4" name="Title 1"/>
@@ -37577,6 +36792,14 @@
   <p:clrMapOvr>
     <a:masterClrMapping/>
   </p:clrMapOvr>
+  <mc:AlternateContent xmlns:mc="http://schemas.openxmlformats.org/markup-compatibility/2006" xmlns:p14="http://schemas.microsoft.com/office/powerpoint/2010/main">
+    <mc:Choice Requires="p14">
+      <p:transition spd="slow" p14:dur="2000" advTm="379"/>
+    </mc:Choice>
+    <mc:Fallback xmlns="">
+      <p:transition spd="slow" advTm="379"/>
+    </mc:Fallback>
+  </mc:AlternateContent>
   <p:timing>
     <p:tnLst>
       <p:par>
@@ -37585,6 +36808,24 @@
     </p:tnLst>
   </p:timing>
 </p:sld>
+</file>
+
+<file path=ppt/tags/tag1.xml><?xml version="1.0" encoding="utf-8"?>
+<p:tagLst xmlns:a="http://schemas.openxmlformats.org/drawingml/2006/main" xmlns:r="http://schemas.openxmlformats.org/officeDocument/2006/relationships" xmlns:p="http://schemas.openxmlformats.org/presentationml/2006/main">
+  <p:tag name="TIMING" val="|7.8"/>
+</p:tagLst>
+</file>
+
+<file path=ppt/tags/tag2.xml><?xml version="1.0" encoding="utf-8"?>
+<p:tagLst xmlns:a="http://schemas.openxmlformats.org/drawingml/2006/main" xmlns:r="http://schemas.openxmlformats.org/officeDocument/2006/relationships" xmlns:p="http://schemas.openxmlformats.org/presentationml/2006/main">
+  <p:tag name="TIMING" val="|6.4|26.3|1.1"/>
+</p:tagLst>
+</file>
+
+<file path=ppt/tags/tag3.xml><?xml version="1.0" encoding="utf-8"?>
+<p:tagLst xmlns:a="http://schemas.openxmlformats.org/drawingml/2006/main" xmlns:r="http://schemas.openxmlformats.org/officeDocument/2006/relationships" xmlns:p="http://schemas.openxmlformats.org/presentationml/2006/main">
+  <p:tag name="TIMING" val="|2.7|18|31.2"/>
+</p:tagLst>
 </file>
 
 <file path=ppt/theme/theme1.xml><?xml version="1.0" encoding="utf-8"?>
